--- a/FinalYearProject_Report/4) Portfolio/ImproveSpeech_Presentation.pptx
+++ b/FinalYearProject_Report/4) Portfolio/ImproveSpeech_Presentation.pptx
@@ -7,7 +7,7 @@
     <p:sldMasterId id="2147483653" r:id="rId3"/>
   </p:sldMasterIdLst>
   <p:notesMasterIdLst>
-    <p:notesMasterId r:id="rId22"/>
+    <p:notesMasterId r:id="rId24"/>
   </p:notesMasterIdLst>
   <p:sldIdLst>
     <p:sldId id="256" r:id="rId4"/>
@@ -18,16 +18,18 @@
     <p:sldId id="297" r:id="rId9"/>
     <p:sldId id="273" r:id="rId10"/>
     <p:sldId id="272" r:id="rId11"/>
-    <p:sldId id="304" r:id="rId12"/>
-    <p:sldId id="305" r:id="rId13"/>
-    <p:sldId id="279" r:id="rId14"/>
-    <p:sldId id="306" r:id="rId15"/>
-    <p:sldId id="270" r:id="rId16"/>
-    <p:sldId id="275" r:id="rId17"/>
-    <p:sldId id="299" r:id="rId18"/>
-    <p:sldId id="294" r:id="rId19"/>
-    <p:sldId id="301" r:id="rId20"/>
-    <p:sldId id="262" r:id="rId21"/>
+    <p:sldId id="309" r:id="rId12"/>
+    <p:sldId id="307" r:id="rId13"/>
+    <p:sldId id="304" r:id="rId14"/>
+    <p:sldId id="305" r:id="rId15"/>
+    <p:sldId id="279" r:id="rId16"/>
+    <p:sldId id="306" r:id="rId17"/>
+    <p:sldId id="270" r:id="rId18"/>
+    <p:sldId id="275" r:id="rId19"/>
+    <p:sldId id="299" r:id="rId20"/>
+    <p:sldId id="308" r:id="rId21"/>
+    <p:sldId id="301" r:id="rId22"/>
+    <p:sldId id="262" r:id="rId23"/>
   </p:sldIdLst>
   <p:sldSz cx="9144000" cy="5143500" type="screen16x9"/>
   <p:notesSz cx="6858000" cy="9144000"/>
@@ -227,7 +229,7 @@
           <a:p>
             <a:fld id="{36B428EB-F3A7-4A96-BB1D-43FE156CDB2B}" type="datetimeFigureOut">
               <a:rPr lang="ko-KR" altLang="en-US" smtClean="0"/>
-              <a:t>2022-05-31</a:t>
+              <a:t>2022-06-01</a:t>
             </a:fld>
             <a:endParaRPr lang="ko-KR" altLang="en-US" dirty="0"/>
           </a:p>
@@ -653,7 +655,7 @@
     </p:spTree>
     <p:extLst>
       <p:ext uri="{BB962C8B-B14F-4D97-AF65-F5344CB8AC3E}">
-        <p14:creationId xmlns:p14="http://schemas.microsoft.com/office/powerpoint/2010/main" val="1340330531"/>
+        <p14:creationId xmlns:p14="http://schemas.microsoft.com/office/powerpoint/2010/main" val="1668453697"/>
       </p:ext>
     </p:extLst>
   </p:cSld>
@@ -728,7 +730,91 @@
           <a:p>
             <a:fld id="{5C4F3882-DEFD-4E72-8E13-72C60FD89A16}" type="slidenum">
               <a:rPr lang="ko-KR" altLang="en-US" smtClean="0"/>
-              <a:t>12</a:t>
+              <a:t>11</a:t>
+            </a:fld>
+            <a:endParaRPr lang="ko-KR" altLang="en-US" dirty="0"/>
+          </a:p>
+        </p:txBody>
+      </p:sp>
+    </p:spTree>
+    <p:extLst>
+      <p:ext uri="{BB962C8B-B14F-4D97-AF65-F5344CB8AC3E}">
+        <p14:creationId xmlns:p14="http://schemas.microsoft.com/office/powerpoint/2010/main" val="1340330531"/>
+      </p:ext>
+    </p:extLst>
+  </p:cSld>
+  <p:clrMapOvr>
+    <a:masterClrMapping/>
+  </p:clrMapOvr>
+</p:notes>
+</file>
+
+<file path=ppt/notesSlides/notesSlide4.xml><?xml version="1.0" encoding="utf-8"?>
+<p:notes xmlns:a="http://schemas.openxmlformats.org/drawingml/2006/main" xmlns:r="http://schemas.openxmlformats.org/officeDocument/2006/relationships" xmlns:p="http://schemas.openxmlformats.org/presentationml/2006/main">
+  <p:cSld>
+    <p:spTree>
+      <p:nvGrpSpPr>
+        <p:cNvPr id="1" name=""/>
+        <p:cNvGrpSpPr/>
+        <p:nvPr/>
+      </p:nvGrpSpPr>
+      <p:grpSpPr>
+        <a:xfrm>
+          <a:off x="0" y="0"/>
+          <a:ext cx="0" cy="0"/>
+          <a:chOff x="0" y="0"/>
+          <a:chExt cx="0" cy="0"/>
+        </a:xfrm>
+      </p:grpSpPr>
+      <p:sp>
+        <p:nvSpPr>
+          <p:cNvPr id="2" name="Slide Image Placeholder 1"/>
+          <p:cNvSpPr>
+            <a:spLocks noGrp="1" noRot="1" noChangeAspect="1"/>
+          </p:cNvSpPr>
+          <p:nvPr>
+            <p:ph type="sldImg"/>
+          </p:nvPr>
+        </p:nvSpPr>
+        <p:spPr/>
+      </p:sp>
+      <p:sp>
+        <p:nvSpPr>
+          <p:cNvPr id="3" name="Notes Placeholder 2"/>
+          <p:cNvSpPr>
+            <a:spLocks noGrp="1"/>
+          </p:cNvSpPr>
+          <p:nvPr>
+            <p:ph type="body" idx="1"/>
+          </p:nvPr>
+        </p:nvSpPr>
+        <p:spPr/>
+        <p:txBody>
+          <a:bodyPr/>
+          <a:lstStyle/>
+          <a:p>
+            <a:endParaRPr lang="ko-KR" altLang="en-US" dirty="0"/>
+          </a:p>
+        </p:txBody>
+      </p:sp>
+      <p:sp>
+        <p:nvSpPr>
+          <p:cNvPr id="4" name="Slide Number Placeholder 3"/>
+          <p:cNvSpPr>
+            <a:spLocks noGrp="1"/>
+          </p:cNvSpPr>
+          <p:nvPr>
+            <p:ph type="sldNum" sz="quarter" idx="10"/>
+          </p:nvPr>
+        </p:nvSpPr>
+        <p:spPr/>
+        <p:txBody>
+          <a:bodyPr/>
+          <a:lstStyle/>
+          <a:p>
+            <a:fld id="{5C4F3882-DEFD-4E72-8E13-72C60FD89A16}" type="slidenum">
+              <a:rPr lang="ko-KR" altLang="en-US" smtClean="0"/>
+              <a:t>14</a:t>
             </a:fld>
             <a:endParaRPr lang="ko-KR" altLang="en-US" dirty="0"/>
           </a:p>
@@ -5776,7 +5862,7 @@
           <p:cNvPr id="2" name="직사각형 1">
             <a:extLst>
               <a:ext uri="{FF2B5EF4-FFF2-40B4-BE49-F238E27FC236}">
-                <a16:creationId xmlns="" xmlns:a16="http://schemas.microsoft.com/office/drawing/2014/main" id="{97845489-B228-40CA-99BD-CBA41EE6F99E}"/>
+                <a16:creationId xmlns:a16="http://schemas.microsoft.com/office/drawing/2014/main" xmlns="" id="{97845489-B228-40CA-99BD-CBA41EE6F99E}"/>
               </a:ext>
             </a:extLst>
           </p:cNvPr>
@@ -7627,6 +7713,707 @@
           </a:p>
         </p:txBody>
       </p:sp>
+      <p:sp>
+        <p:nvSpPr>
+          <p:cNvPr id="14" name="Oval 13"/>
+          <p:cNvSpPr/>
+          <p:nvPr/>
+        </p:nvSpPr>
+        <p:spPr>
+          <a:xfrm>
+            <a:off x="6876256" y="1377479"/>
+            <a:ext cx="1980000" cy="1980000"/>
+          </a:xfrm>
+          <a:prstGeom prst="ellipse">
+            <a:avLst/>
+          </a:prstGeom>
+          <a:solidFill>
+            <a:schemeClr val="accent1">
+              <a:alpha val="80000"/>
+            </a:schemeClr>
+          </a:solidFill>
+          <a:ln w="25400">
+            <a:solidFill>
+              <a:schemeClr val="bg1"/>
+            </a:solidFill>
+          </a:ln>
+        </p:spPr>
+        <p:style>
+          <a:lnRef idx="2">
+            <a:schemeClr val="accent1">
+              <a:shade val="50000"/>
+            </a:schemeClr>
+          </a:lnRef>
+          <a:fillRef idx="1">
+            <a:schemeClr val="accent1"/>
+          </a:fillRef>
+          <a:effectRef idx="0">
+            <a:schemeClr val="accent1"/>
+          </a:effectRef>
+          <a:fontRef idx="minor">
+            <a:schemeClr val="lt1"/>
+          </a:fontRef>
+        </p:style>
+        <p:txBody>
+          <a:bodyPr rtlCol="0" anchor="ctr"/>
+          <a:lstStyle/>
+          <a:p>
+            <a:pPr algn="ctr"/>
+            <a:endParaRPr lang="en-US" dirty="0"/>
+          </a:p>
+        </p:txBody>
+      </p:sp>
+      <p:sp>
+        <p:nvSpPr>
+          <p:cNvPr id="15" name="TextBox 14"/>
+          <p:cNvSpPr txBox="1"/>
+          <p:nvPr/>
+        </p:nvSpPr>
+        <p:spPr>
+          <a:xfrm>
+            <a:off x="6948264" y="2025551"/>
+            <a:ext cx="1800200" cy="738664"/>
+          </a:xfrm>
+          <a:prstGeom prst="rect">
+            <a:avLst/>
+          </a:prstGeom>
+          <a:noFill/>
+        </p:spPr>
+        <p:txBody>
+          <a:bodyPr wrap="square" rtlCol="0">
+            <a:spAutoFit/>
+          </a:bodyPr>
+          <a:lstStyle/>
+          <a:p>
+            <a:pPr algn="ctr">
+              <a:lnSpc>
+                <a:spcPct val="150000"/>
+              </a:lnSpc>
+            </a:pPr>
+            <a:r>
+              <a:rPr lang="en-US" altLang="ko-KR" sz="1400" b="1" dirty="0" smtClean="0">
+                <a:solidFill>
+                  <a:schemeClr val="bg1"/>
+                </a:solidFill>
+                <a:cs typeface="Arial" pitchFamily="34" charset="0"/>
+              </a:rPr>
+              <a:t>Speech to action ERD</a:t>
+            </a:r>
+            <a:endParaRPr lang="ko-KR" altLang="en-US" sz="1400" b="1" dirty="0">
+              <a:solidFill>
+                <a:schemeClr val="bg1"/>
+              </a:solidFill>
+              <a:cs typeface="Arial" pitchFamily="34" charset="0"/>
+            </a:endParaRPr>
+          </a:p>
+        </p:txBody>
+      </p:sp>
+      <p:pic>
+        <p:nvPicPr>
+          <p:cNvPr id="4" name="Picture 3"/>
+          <p:cNvPicPr>
+            <a:picLocks noChangeAspect="1"/>
+          </p:cNvPicPr>
+          <p:nvPr/>
+        </p:nvPicPr>
+        <p:blipFill>
+          <a:blip r:embed="rId2">
+            <a:extLst>
+              <a:ext uri="{28A0092B-C50C-407E-A947-70E740481C1C}">
+                <a14:useLocalDpi xmlns:a14="http://schemas.microsoft.com/office/drawing/2010/main" val="0"/>
+              </a:ext>
+            </a:extLst>
+          </a:blip>
+          <a:stretch>
+            <a:fillRect/>
+          </a:stretch>
+        </p:blipFill>
+        <p:spPr>
+          <a:xfrm>
+            <a:off x="251520" y="555526"/>
+            <a:ext cx="6206752" cy="4248472"/>
+          </a:xfrm>
+          <a:prstGeom prst="rect">
+            <a:avLst/>
+          </a:prstGeom>
+        </p:spPr>
+      </p:pic>
+    </p:spTree>
+    <p:extLst>
+      <p:ext uri="{BB962C8B-B14F-4D97-AF65-F5344CB8AC3E}">
+        <p14:creationId xmlns:p14="http://schemas.microsoft.com/office/powerpoint/2010/main" val="1850577349"/>
+      </p:ext>
+    </p:extLst>
+  </p:cSld>
+  <p:clrMapOvr>
+    <a:masterClrMapping/>
+  </p:clrMapOvr>
+</p:sld>
+</file>
+
+<file path=ppt/slides/slide11.xml><?xml version="1.0" encoding="utf-8"?>
+<p:sld xmlns:a="http://schemas.openxmlformats.org/drawingml/2006/main" xmlns:r="http://schemas.openxmlformats.org/officeDocument/2006/relationships" xmlns:p="http://schemas.openxmlformats.org/presentationml/2006/main">
+  <p:cSld>
+    <p:spTree>
+      <p:nvGrpSpPr>
+        <p:cNvPr id="1" name=""/>
+        <p:cNvGrpSpPr/>
+        <p:nvPr/>
+      </p:nvGrpSpPr>
+      <p:grpSpPr>
+        <a:xfrm>
+          <a:off x="0" y="0"/>
+          <a:ext cx="0" cy="0"/>
+          <a:chOff x="0" y="0"/>
+          <a:chExt cx="0" cy="0"/>
+        </a:xfrm>
+      </p:grpSpPr>
+      <p:sp>
+        <p:nvSpPr>
+          <p:cNvPr id="27" name="Text Placeholder 1"/>
+          <p:cNvSpPr txBox="1">
+            <a:spLocks/>
+          </p:cNvSpPr>
+          <p:nvPr/>
+        </p:nvSpPr>
+        <p:spPr>
+          <a:xfrm>
+            <a:off x="0" y="267494"/>
+            <a:ext cx="9144000" cy="576064"/>
+          </a:xfrm>
+          <a:prstGeom prst="rect">
+            <a:avLst/>
+          </a:prstGeom>
+        </p:spPr>
+        <p:txBody>
+          <a:bodyPr anchor="ctr"/>
+          <a:lstStyle>
+            <a:lvl1pPr marL="0" indent="0" algn="ctr" defTabSz="914400" rtl="0" eaLnBrk="1" latinLnBrk="1" hangingPunct="1">
+              <a:spcBef>
+                <a:spcPct val="20000"/>
+              </a:spcBef>
+              <a:buFont typeface="Arial" pitchFamily="34" charset="0"/>
+              <a:buNone/>
+              <a:defRPr sz="3600" b="0" kern="1200" baseline="0">
+                <a:solidFill>
+                  <a:schemeClr val="bg1"/>
+                </a:solidFill>
+                <a:latin typeface="+mj-lt"/>
+                <a:ea typeface="+mn-ea"/>
+                <a:cs typeface="Arial" pitchFamily="34" charset="0"/>
+              </a:defRPr>
+            </a:lvl1pPr>
+            <a:lvl2pPr marL="742950" indent="-285750" algn="l" defTabSz="914400" rtl="0" eaLnBrk="1" latinLnBrk="1" hangingPunct="1">
+              <a:spcBef>
+                <a:spcPct val="20000"/>
+              </a:spcBef>
+              <a:buFont typeface="Arial" pitchFamily="34" charset="0"/>
+              <a:buChar char="–"/>
+              <a:defRPr sz="2800" kern="1200">
+                <a:solidFill>
+                  <a:schemeClr val="tx1"/>
+                </a:solidFill>
+                <a:latin typeface="+mn-lt"/>
+                <a:ea typeface="+mn-ea"/>
+                <a:cs typeface="+mn-cs"/>
+              </a:defRPr>
+            </a:lvl2pPr>
+            <a:lvl3pPr marL="1143000" indent="-228600" algn="l" defTabSz="914400" rtl="0" eaLnBrk="1" latinLnBrk="1" hangingPunct="1">
+              <a:spcBef>
+                <a:spcPct val="20000"/>
+              </a:spcBef>
+              <a:buFont typeface="Arial" pitchFamily="34" charset="0"/>
+              <a:buChar char="•"/>
+              <a:defRPr sz="2400" kern="1200">
+                <a:solidFill>
+                  <a:schemeClr val="tx1"/>
+                </a:solidFill>
+                <a:latin typeface="+mn-lt"/>
+                <a:ea typeface="+mn-ea"/>
+                <a:cs typeface="+mn-cs"/>
+              </a:defRPr>
+            </a:lvl3pPr>
+            <a:lvl4pPr marL="1600200" indent="-228600" algn="l" defTabSz="914400" rtl="0" eaLnBrk="1" latinLnBrk="1" hangingPunct="1">
+              <a:spcBef>
+                <a:spcPct val="20000"/>
+              </a:spcBef>
+              <a:buFont typeface="Arial" pitchFamily="34" charset="0"/>
+              <a:buChar char="–"/>
+              <a:defRPr sz="2000" kern="1200">
+                <a:solidFill>
+                  <a:schemeClr val="tx1"/>
+                </a:solidFill>
+                <a:latin typeface="+mn-lt"/>
+                <a:ea typeface="+mn-ea"/>
+                <a:cs typeface="+mn-cs"/>
+              </a:defRPr>
+            </a:lvl4pPr>
+            <a:lvl5pPr marL="2057400" indent="-228600" algn="l" defTabSz="914400" rtl="0" eaLnBrk="1" latinLnBrk="1" hangingPunct="1">
+              <a:spcBef>
+                <a:spcPct val="20000"/>
+              </a:spcBef>
+              <a:buFont typeface="Arial" pitchFamily="34" charset="0"/>
+              <a:buChar char="»"/>
+              <a:defRPr sz="2000" kern="1200">
+                <a:solidFill>
+                  <a:schemeClr val="tx1"/>
+                </a:solidFill>
+                <a:latin typeface="+mn-lt"/>
+                <a:ea typeface="+mn-ea"/>
+                <a:cs typeface="+mn-cs"/>
+              </a:defRPr>
+            </a:lvl5pPr>
+            <a:lvl6pPr marL="2514600" indent="-228600" algn="l" defTabSz="914400" rtl="0" eaLnBrk="1" latinLnBrk="1" hangingPunct="1">
+              <a:spcBef>
+                <a:spcPct val="20000"/>
+              </a:spcBef>
+              <a:buFont typeface="Arial" pitchFamily="34" charset="0"/>
+              <a:buChar char="•"/>
+              <a:defRPr sz="2000" kern="1200">
+                <a:solidFill>
+                  <a:schemeClr val="tx1"/>
+                </a:solidFill>
+                <a:latin typeface="+mn-lt"/>
+                <a:ea typeface="+mn-ea"/>
+                <a:cs typeface="+mn-cs"/>
+              </a:defRPr>
+            </a:lvl6pPr>
+            <a:lvl7pPr marL="2971800" indent="-228600" algn="l" defTabSz="914400" rtl="0" eaLnBrk="1" latinLnBrk="1" hangingPunct="1">
+              <a:spcBef>
+                <a:spcPct val="20000"/>
+              </a:spcBef>
+              <a:buFont typeface="Arial" pitchFamily="34" charset="0"/>
+              <a:buChar char="•"/>
+              <a:defRPr sz="2000" kern="1200">
+                <a:solidFill>
+                  <a:schemeClr val="tx1"/>
+                </a:solidFill>
+                <a:latin typeface="+mn-lt"/>
+                <a:ea typeface="+mn-ea"/>
+                <a:cs typeface="+mn-cs"/>
+              </a:defRPr>
+            </a:lvl7pPr>
+            <a:lvl8pPr marL="3429000" indent="-228600" algn="l" defTabSz="914400" rtl="0" eaLnBrk="1" latinLnBrk="1" hangingPunct="1">
+              <a:spcBef>
+                <a:spcPct val="20000"/>
+              </a:spcBef>
+              <a:buFont typeface="Arial" pitchFamily="34" charset="0"/>
+              <a:buChar char="•"/>
+              <a:defRPr sz="2000" kern="1200">
+                <a:solidFill>
+                  <a:schemeClr val="tx1"/>
+                </a:solidFill>
+                <a:latin typeface="+mn-lt"/>
+                <a:ea typeface="+mn-ea"/>
+                <a:cs typeface="+mn-cs"/>
+              </a:defRPr>
+            </a:lvl8pPr>
+            <a:lvl9pPr marL="3886200" indent="-228600" algn="l" defTabSz="914400" rtl="0" eaLnBrk="1" latinLnBrk="1" hangingPunct="1">
+              <a:spcBef>
+                <a:spcPct val="20000"/>
+              </a:spcBef>
+              <a:buFont typeface="Arial" pitchFamily="34" charset="0"/>
+              <a:buChar char="•"/>
+              <a:defRPr sz="2000" kern="1200">
+                <a:solidFill>
+                  <a:schemeClr val="tx1"/>
+                </a:solidFill>
+                <a:latin typeface="+mn-lt"/>
+                <a:ea typeface="+mn-ea"/>
+                <a:cs typeface="+mn-cs"/>
+              </a:defRPr>
+            </a:lvl9pPr>
+          </a:lstStyle>
+          <a:p>
+            <a:r>
+              <a:rPr lang="en-US" altLang="ko-KR" sz="3200" b="1" dirty="0" smtClean="0"/>
+              <a:t>Design and Implementation</a:t>
+            </a:r>
+            <a:endParaRPr lang="ko-KR" altLang="en-US" sz="3200" b="1" dirty="0"/>
+          </a:p>
+        </p:txBody>
+      </p:sp>
+      <p:pic>
+        <p:nvPicPr>
+          <p:cNvPr id="2" name="Picture 1"/>
+          <p:cNvPicPr>
+            <a:picLocks noChangeAspect="1"/>
+          </p:cNvPicPr>
+          <p:nvPr/>
+        </p:nvPicPr>
+        <p:blipFill>
+          <a:blip r:embed="rId3" cstate="print">
+            <a:extLst>
+              <a:ext uri="{28A0092B-C50C-407E-A947-70E740481C1C}">
+                <a14:useLocalDpi xmlns:a14="http://schemas.microsoft.com/office/drawing/2010/main" val="0"/>
+              </a:ext>
+            </a:extLst>
+          </a:blip>
+          <a:stretch>
+            <a:fillRect/>
+          </a:stretch>
+        </p:blipFill>
+        <p:spPr>
+          <a:xfrm>
+            <a:off x="4538495" y="1059582"/>
+            <a:ext cx="4605505" cy="4083918"/>
+          </a:xfrm>
+          <a:prstGeom prst="rect">
+            <a:avLst/>
+          </a:prstGeom>
+        </p:spPr>
+      </p:pic>
+      <p:sp>
+        <p:nvSpPr>
+          <p:cNvPr id="6" name="Oval 5"/>
+          <p:cNvSpPr/>
+          <p:nvPr/>
+        </p:nvSpPr>
+        <p:spPr>
+          <a:xfrm>
+            <a:off x="1115616" y="1923678"/>
+            <a:ext cx="1980000" cy="1980000"/>
+          </a:xfrm>
+          <a:prstGeom prst="ellipse">
+            <a:avLst/>
+          </a:prstGeom>
+          <a:solidFill>
+            <a:schemeClr val="accent1">
+              <a:alpha val="80000"/>
+            </a:schemeClr>
+          </a:solidFill>
+          <a:ln w="25400">
+            <a:solidFill>
+              <a:schemeClr val="bg1"/>
+            </a:solidFill>
+          </a:ln>
+        </p:spPr>
+        <p:style>
+          <a:lnRef idx="2">
+            <a:schemeClr val="accent1">
+              <a:shade val="50000"/>
+            </a:schemeClr>
+          </a:lnRef>
+          <a:fillRef idx="1">
+            <a:schemeClr val="accent1"/>
+          </a:fillRef>
+          <a:effectRef idx="0">
+            <a:schemeClr val="accent1"/>
+          </a:effectRef>
+          <a:fontRef idx="minor">
+            <a:schemeClr val="lt1"/>
+          </a:fontRef>
+        </p:style>
+        <p:txBody>
+          <a:bodyPr rtlCol="0" anchor="ctr"/>
+          <a:lstStyle/>
+          <a:p>
+            <a:pPr algn="ctr"/>
+            <a:endParaRPr lang="en-US" dirty="0"/>
+          </a:p>
+        </p:txBody>
+      </p:sp>
+      <p:sp>
+        <p:nvSpPr>
+          <p:cNvPr id="9" name="TextBox 8"/>
+          <p:cNvSpPr txBox="1"/>
+          <p:nvPr/>
+        </p:nvSpPr>
+        <p:spPr>
+          <a:xfrm>
+            <a:off x="1187624" y="2571750"/>
+            <a:ext cx="1800200" cy="698717"/>
+          </a:xfrm>
+          <a:prstGeom prst="rect">
+            <a:avLst/>
+          </a:prstGeom>
+          <a:noFill/>
+        </p:spPr>
+        <p:txBody>
+          <a:bodyPr wrap="square" rtlCol="0">
+            <a:spAutoFit/>
+          </a:bodyPr>
+          <a:lstStyle/>
+          <a:p>
+            <a:pPr algn="ctr">
+              <a:lnSpc>
+                <a:spcPct val="150000"/>
+              </a:lnSpc>
+            </a:pPr>
+            <a:r>
+              <a:rPr lang="en-US" altLang="ko-KR" sz="1400" b="1" dirty="0" smtClean="0">
+                <a:solidFill>
+                  <a:schemeClr val="bg1"/>
+                </a:solidFill>
+                <a:cs typeface="Arial" pitchFamily="34" charset="0"/>
+              </a:rPr>
+              <a:t>UML of </a:t>
+            </a:r>
+            <a:endParaRPr lang="en-US" altLang="ko-KR" sz="1400" b="1" dirty="0" smtClean="0">
+              <a:solidFill>
+                <a:schemeClr val="bg1"/>
+              </a:solidFill>
+              <a:cs typeface="Arial" pitchFamily="34" charset="0"/>
+            </a:endParaRPr>
+          </a:p>
+          <a:p>
+            <a:pPr algn="ctr">
+              <a:lnSpc>
+                <a:spcPct val="150000"/>
+              </a:lnSpc>
+            </a:pPr>
+            <a:r>
+              <a:rPr lang="en-US" altLang="ko-KR" sz="1400" b="1" dirty="0" smtClean="0">
+                <a:solidFill>
+                  <a:schemeClr val="bg1"/>
+                </a:solidFill>
+                <a:cs typeface="Arial" pitchFamily="34" charset="0"/>
+              </a:rPr>
+              <a:t>Speech to Action</a:t>
+            </a:r>
+            <a:endParaRPr lang="ko-KR" altLang="en-US" sz="1400" b="1" dirty="0">
+              <a:solidFill>
+                <a:schemeClr val="bg1"/>
+              </a:solidFill>
+              <a:cs typeface="Arial" pitchFamily="34" charset="0"/>
+            </a:endParaRPr>
+          </a:p>
+        </p:txBody>
+      </p:sp>
+      <p:sp>
+        <p:nvSpPr>
+          <p:cNvPr id="4" name="Rectangle 3"/>
+          <p:cNvSpPr/>
+          <p:nvPr/>
+        </p:nvSpPr>
+        <p:spPr>
+          <a:xfrm>
+            <a:off x="4538495" y="1059582"/>
+            <a:ext cx="830591" cy="216024"/>
+          </a:xfrm>
+          <a:prstGeom prst="rect">
+            <a:avLst/>
+          </a:prstGeom>
+          <a:solidFill>
+            <a:schemeClr val="bg1"/>
+          </a:solidFill>
+          <a:ln>
+            <a:noFill/>
+          </a:ln>
+        </p:spPr>
+        <p:style>
+          <a:lnRef idx="2">
+            <a:schemeClr val="accent1">
+              <a:shade val="50000"/>
+            </a:schemeClr>
+          </a:lnRef>
+          <a:fillRef idx="1">
+            <a:schemeClr val="accent1"/>
+          </a:fillRef>
+          <a:effectRef idx="0">
+            <a:schemeClr val="accent1"/>
+          </a:effectRef>
+          <a:fontRef idx="minor">
+            <a:schemeClr val="lt1"/>
+          </a:fontRef>
+        </p:style>
+        <p:txBody>
+          <a:bodyPr rtlCol="0" anchor="ctr"/>
+          <a:lstStyle/>
+          <a:p>
+            <a:pPr algn="ctr"/>
+            <a:endParaRPr lang="en-US"/>
+          </a:p>
+        </p:txBody>
+      </p:sp>
+      <p:sp>
+        <p:nvSpPr>
+          <p:cNvPr id="5" name="TextBox 4"/>
+          <p:cNvSpPr txBox="1"/>
+          <p:nvPr/>
+        </p:nvSpPr>
+        <p:spPr>
+          <a:xfrm>
+            <a:off x="4522815" y="1092329"/>
+            <a:ext cx="1273321" cy="246221"/>
+          </a:xfrm>
+          <a:prstGeom prst="rect">
+            <a:avLst/>
+          </a:prstGeom>
+          <a:noFill/>
+        </p:spPr>
+        <p:txBody>
+          <a:bodyPr wrap="square" rtlCol="0">
+            <a:spAutoFit/>
+          </a:bodyPr>
+          <a:lstStyle/>
+          <a:p>
+            <a:r>
+              <a:rPr lang="en-US" sz="1000" dirty="0" smtClean="0"/>
+              <a:t>Speech to Action</a:t>
+            </a:r>
+            <a:endParaRPr lang="en-US" sz="1000" dirty="0"/>
+          </a:p>
+        </p:txBody>
+      </p:sp>
+    </p:spTree>
+    <p:extLst>
+      <p:ext uri="{BB962C8B-B14F-4D97-AF65-F5344CB8AC3E}">
+        <p14:creationId xmlns:p14="http://schemas.microsoft.com/office/powerpoint/2010/main" val="2219246504"/>
+      </p:ext>
+    </p:extLst>
+  </p:cSld>
+  <p:clrMapOvr>
+    <a:masterClrMapping/>
+  </p:clrMapOvr>
+</p:sld>
+</file>
+
+<file path=ppt/slides/slide12.xml><?xml version="1.0" encoding="utf-8"?>
+<p:sld xmlns:a="http://schemas.openxmlformats.org/drawingml/2006/main" xmlns:r="http://schemas.openxmlformats.org/officeDocument/2006/relationships" xmlns:p="http://schemas.openxmlformats.org/presentationml/2006/main">
+  <p:cSld>
+    <p:spTree>
+      <p:nvGrpSpPr>
+        <p:cNvPr id="1" name=""/>
+        <p:cNvGrpSpPr/>
+        <p:nvPr/>
+      </p:nvGrpSpPr>
+      <p:grpSpPr>
+        <a:xfrm>
+          <a:off x="0" y="0"/>
+          <a:ext cx="0" cy="0"/>
+          <a:chOff x="0" y="0"/>
+          <a:chExt cx="0" cy="0"/>
+        </a:xfrm>
+      </p:grpSpPr>
+      <p:sp>
+        <p:nvSpPr>
+          <p:cNvPr id="18" name="Text Placeholder 1"/>
+          <p:cNvSpPr txBox="1">
+            <a:spLocks/>
+          </p:cNvSpPr>
+          <p:nvPr/>
+        </p:nvSpPr>
+        <p:spPr>
+          <a:xfrm>
+            <a:off x="395536" y="267494"/>
+            <a:ext cx="3312368" cy="1109985"/>
+          </a:xfrm>
+          <a:prstGeom prst="rect">
+            <a:avLst/>
+          </a:prstGeom>
+        </p:spPr>
+        <p:txBody>
+          <a:bodyPr anchor="ctr"/>
+          <a:lstStyle>
+            <a:defPPr>
+              <a:defRPr lang="ko-KR"/>
+            </a:defPPr>
+            <a:lvl1pPr marL="0" algn="l" defTabSz="914400" rtl="0" eaLnBrk="1" latinLnBrk="1" hangingPunct="1">
+              <a:defRPr sz="1800" kern="1200">
+                <a:solidFill>
+                  <a:schemeClr val="tx1"/>
+                </a:solidFill>
+                <a:latin typeface="+mn-lt"/>
+                <a:ea typeface="+mn-ea"/>
+                <a:cs typeface="+mn-cs"/>
+              </a:defRPr>
+            </a:lvl1pPr>
+            <a:lvl2pPr marL="457200" algn="l" defTabSz="914400" rtl="0" eaLnBrk="1" latinLnBrk="1" hangingPunct="1">
+              <a:defRPr sz="1800" kern="1200">
+                <a:solidFill>
+                  <a:schemeClr val="tx1"/>
+                </a:solidFill>
+                <a:latin typeface="+mn-lt"/>
+                <a:ea typeface="+mn-ea"/>
+                <a:cs typeface="+mn-cs"/>
+              </a:defRPr>
+            </a:lvl2pPr>
+            <a:lvl3pPr marL="914400" algn="l" defTabSz="914400" rtl="0" eaLnBrk="1" latinLnBrk="1" hangingPunct="1">
+              <a:defRPr sz="1800" kern="1200">
+                <a:solidFill>
+                  <a:schemeClr val="tx1"/>
+                </a:solidFill>
+                <a:latin typeface="+mn-lt"/>
+                <a:ea typeface="+mn-ea"/>
+                <a:cs typeface="+mn-cs"/>
+              </a:defRPr>
+            </a:lvl3pPr>
+            <a:lvl4pPr marL="1371600" algn="l" defTabSz="914400" rtl="0" eaLnBrk="1" latinLnBrk="1" hangingPunct="1">
+              <a:defRPr sz="1800" kern="1200">
+                <a:solidFill>
+                  <a:schemeClr val="tx1"/>
+                </a:solidFill>
+                <a:latin typeface="+mn-lt"/>
+                <a:ea typeface="+mn-ea"/>
+                <a:cs typeface="+mn-cs"/>
+              </a:defRPr>
+            </a:lvl4pPr>
+            <a:lvl5pPr marL="1828800" algn="l" defTabSz="914400" rtl="0" eaLnBrk="1" latinLnBrk="1" hangingPunct="1">
+              <a:defRPr sz="1800" kern="1200">
+                <a:solidFill>
+                  <a:schemeClr val="tx1"/>
+                </a:solidFill>
+                <a:latin typeface="+mn-lt"/>
+                <a:ea typeface="+mn-ea"/>
+                <a:cs typeface="+mn-cs"/>
+              </a:defRPr>
+            </a:lvl5pPr>
+            <a:lvl6pPr marL="2286000" algn="l" defTabSz="914400" rtl="0" eaLnBrk="1" latinLnBrk="1" hangingPunct="1">
+              <a:defRPr sz="1800" kern="1200">
+                <a:solidFill>
+                  <a:schemeClr val="tx1"/>
+                </a:solidFill>
+                <a:latin typeface="+mn-lt"/>
+                <a:ea typeface="+mn-ea"/>
+                <a:cs typeface="+mn-cs"/>
+              </a:defRPr>
+            </a:lvl6pPr>
+            <a:lvl7pPr marL="2743200" algn="l" defTabSz="914400" rtl="0" eaLnBrk="1" latinLnBrk="1" hangingPunct="1">
+              <a:defRPr sz="1800" kern="1200">
+                <a:solidFill>
+                  <a:schemeClr val="tx1"/>
+                </a:solidFill>
+                <a:latin typeface="+mn-lt"/>
+                <a:ea typeface="+mn-ea"/>
+                <a:cs typeface="+mn-cs"/>
+              </a:defRPr>
+            </a:lvl7pPr>
+            <a:lvl8pPr marL="3200400" algn="l" defTabSz="914400" rtl="0" eaLnBrk="1" latinLnBrk="1" hangingPunct="1">
+              <a:defRPr sz="1800" kern="1200">
+                <a:solidFill>
+                  <a:schemeClr val="tx1"/>
+                </a:solidFill>
+                <a:latin typeface="+mn-lt"/>
+                <a:ea typeface="+mn-ea"/>
+                <a:cs typeface="+mn-cs"/>
+              </a:defRPr>
+            </a:lvl8pPr>
+            <a:lvl9pPr marL="3657600" algn="l" defTabSz="914400" rtl="0" eaLnBrk="1" latinLnBrk="1" hangingPunct="1">
+              <a:defRPr sz="1800" kern="1200">
+                <a:solidFill>
+                  <a:schemeClr val="tx1"/>
+                </a:solidFill>
+                <a:latin typeface="+mn-lt"/>
+                <a:ea typeface="+mn-ea"/>
+                <a:cs typeface="+mn-cs"/>
+              </a:defRPr>
+            </a:lvl9pPr>
+          </a:lstStyle>
+          <a:p>
+            <a:pPr marL="0" indent="0">
+              <a:buNone/>
+            </a:pPr>
+            <a:endParaRPr lang="en-US" altLang="ko-KR" sz="3600" b="1" dirty="0">
+              <a:solidFill>
+                <a:schemeClr val="accent3"/>
+              </a:solidFill>
+              <a:latin typeface="+mj-lt"/>
+              <a:cs typeface="Arial" pitchFamily="34" charset="0"/>
+            </a:endParaRPr>
+          </a:p>
+        </p:txBody>
+      </p:sp>
       <p:pic>
         <p:nvPicPr>
           <p:cNvPr id="2" name="Picture 1"/>
@@ -7741,7 +8528,25 @@
                 </a:solidFill>
                 <a:cs typeface="Arial" pitchFamily="34" charset="0"/>
               </a:rPr>
-              <a:t>Class Diagram of Improve Speech</a:t>
+              <a:t>Class Diagram of </a:t>
+            </a:r>
+            <a:r>
+              <a:rPr lang="en-US" altLang="ko-KR" sz="1400" b="1" dirty="0">
+                <a:solidFill>
+                  <a:schemeClr val="bg1"/>
+                </a:solidFill>
+                <a:cs typeface="Arial" pitchFamily="34" charset="0"/>
+              </a:rPr>
+              <a:t>Speech to </a:t>
+            </a:r>
+            <a:r>
+              <a:rPr lang="en-US" altLang="ko-KR" sz="1400" b="1" dirty="0" smtClean="0">
+                <a:solidFill>
+                  <a:schemeClr val="bg1"/>
+                </a:solidFill>
+                <a:cs typeface="Arial" pitchFamily="34" charset="0"/>
+              </a:rPr>
+              <a:t>Action</a:t>
             </a:r>
             <a:endParaRPr lang="ko-KR" altLang="en-US" sz="1400" b="1" dirty="0">
               <a:solidFill>
@@ -7749,6 +8554,82 @@
               </a:solidFill>
               <a:cs typeface="Arial" pitchFamily="34" charset="0"/>
             </a:endParaRPr>
+          </a:p>
+        </p:txBody>
+      </p:sp>
+      <p:sp>
+        <p:nvSpPr>
+          <p:cNvPr id="3" name="Rectangle 2"/>
+          <p:cNvSpPr/>
+          <p:nvPr/>
+        </p:nvSpPr>
+        <p:spPr>
+          <a:xfrm>
+            <a:off x="323528" y="339502"/>
+            <a:ext cx="1440160" cy="432048"/>
+          </a:xfrm>
+          <a:prstGeom prst="rect">
+            <a:avLst/>
+          </a:prstGeom>
+          <a:solidFill>
+            <a:schemeClr val="bg1"/>
+          </a:solidFill>
+          <a:ln>
+            <a:noFill/>
+          </a:ln>
+        </p:spPr>
+        <p:style>
+          <a:lnRef idx="2">
+            <a:schemeClr val="accent1">
+              <a:shade val="50000"/>
+            </a:schemeClr>
+          </a:lnRef>
+          <a:fillRef idx="1">
+            <a:schemeClr val="accent1"/>
+          </a:fillRef>
+          <a:effectRef idx="0">
+            <a:schemeClr val="accent1"/>
+          </a:effectRef>
+          <a:fontRef idx="minor">
+            <a:schemeClr val="lt1"/>
+          </a:fontRef>
+        </p:style>
+        <p:txBody>
+          <a:bodyPr rtlCol="0" anchor="ctr"/>
+          <a:lstStyle/>
+          <a:p>
+            <a:pPr algn="ctr"/>
+            <a:endParaRPr lang="en-US"/>
+          </a:p>
+        </p:txBody>
+      </p:sp>
+      <p:sp>
+        <p:nvSpPr>
+          <p:cNvPr id="6" name="TextBox 5"/>
+          <p:cNvSpPr txBox="1"/>
+          <p:nvPr/>
+        </p:nvSpPr>
+        <p:spPr>
+          <a:xfrm>
+            <a:off x="493950" y="432415"/>
+            <a:ext cx="1273321" cy="246221"/>
+          </a:xfrm>
+          <a:prstGeom prst="rect">
+            <a:avLst/>
+          </a:prstGeom>
+          <a:noFill/>
+        </p:spPr>
+        <p:txBody>
+          <a:bodyPr wrap="square" rtlCol="0">
+            <a:spAutoFit/>
+          </a:bodyPr>
+          <a:lstStyle/>
+          <a:p>
+            <a:r>
+              <a:rPr lang="en-US" sz="1000" dirty="0" smtClean="0"/>
+              <a:t>Speech to Action</a:t>
+            </a:r>
+            <a:endParaRPr lang="en-US" sz="1000" dirty="0"/>
           </a:p>
         </p:txBody>
       </p:sp>
@@ -7765,7 +8646,7 @@
 </p:sld>
 </file>
 
-<file path=ppt/slides/slide11.xml><?xml version="1.0" encoding="utf-8"?>
+<file path=ppt/slides/slide13.xml><?xml version="1.0" encoding="utf-8"?>
 <p:sld xmlns:a="http://schemas.openxmlformats.org/drawingml/2006/main" xmlns:r="http://schemas.openxmlformats.org/officeDocument/2006/relationships" xmlns:p="http://schemas.openxmlformats.org/presentationml/2006/main">
   <p:cSld>
     <p:spTree>
@@ -8248,7 +9129,7 @@
 </p:sld>
 </file>
 
-<file path=ppt/slides/slide12.xml><?xml version="1.0" encoding="utf-8"?>
+<file path=ppt/slides/slide14.xml><?xml version="1.0" encoding="utf-8"?>
 <p:sld xmlns:a="http://schemas.openxmlformats.org/drawingml/2006/main" xmlns:r="http://schemas.openxmlformats.org/officeDocument/2006/relationships" xmlns:p="http://schemas.openxmlformats.org/presentationml/2006/main">
   <p:cSld>
     <p:spTree>
@@ -8501,7 +9382,15 @@
                   <a:schemeClr val="bg1"/>
                 </a:solidFill>
               </a:rPr>
-              <a:t>(javatpoint</a:t>
+              <a:t>(</a:t>
+            </a:r>
+            <a:r>
+              <a:rPr lang="en-US" sz="1600" dirty="0" err="1" smtClean="0">
+                <a:solidFill>
+                  <a:schemeClr val="bg1"/>
+                </a:solidFill>
+              </a:rPr>
+              <a:t>javatpoint</a:t>
             </a:r>
             <a:r>
               <a:rPr lang="en-US" sz="1600" dirty="0">
@@ -8564,15 +9453,7 @@
                   <a:schemeClr val="bg1"/>
                 </a:solidFill>
               </a:rPr>
-              <a:t>To provide user with thorough </a:t>
-            </a:r>
-            <a:r>
-              <a:rPr lang="en-US" sz="1600" dirty="0" smtClean="0">
-                <a:solidFill>
-                  <a:schemeClr val="bg1"/>
-                </a:solidFill>
-              </a:rPr>
-              <a:t>knowledge</a:t>
+              <a:t>To provide user with thorough knowledge</a:t>
             </a:r>
           </a:p>
           <a:p>
@@ -8591,11 +9472,6 @@
               </a:rPr>
               <a:t>Google Speech Recognition – it’s own library</a:t>
             </a:r>
-            <a:endParaRPr lang="en-US" sz="1600" dirty="0" smtClean="0">
-              <a:solidFill>
-                <a:schemeClr val="bg1"/>
-              </a:solidFill>
-            </a:endParaRPr>
           </a:p>
           <a:p>
             <a:pPr marL="285750" indent="-285750" algn="just">
@@ -8611,15 +9487,7 @@
                   <a:schemeClr val="bg1"/>
                 </a:solidFill>
               </a:rPr>
-              <a:t>To convey the message what individuals are </a:t>
-            </a:r>
-            <a:r>
-              <a:rPr lang="en-US" sz="1600" dirty="0" smtClean="0">
-                <a:solidFill>
-                  <a:schemeClr val="bg1"/>
-                </a:solidFill>
-              </a:rPr>
-              <a:t>saying</a:t>
+              <a:t>To convey the message what individuals are saying</a:t>
             </a:r>
           </a:p>
           <a:p>
@@ -8638,11 +9506,6 @@
               </a:rPr>
               <a:t>Easy-to-understand format, Simple layout, Accessible and well portrayed</a:t>
             </a:r>
-            <a:endParaRPr lang="en-US" sz="1600" dirty="0" smtClean="0">
-              <a:solidFill>
-                <a:schemeClr val="bg1"/>
-              </a:solidFill>
-            </a:endParaRPr>
           </a:p>
           <a:p>
             <a:pPr marL="285750" indent="-285750" algn="just">
@@ -8713,7 +9576,7 @@
 </p:sld>
 </file>
 
-<file path=ppt/slides/slide13.xml><?xml version="1.0" encoding="utf-8"?>
+<file path=ppt/slides/slide15.xml><?xml version="1.0" encoding="utf-8"?>
 <p:sld xmlns:a="http://schemas.openxmlformats.org/drawingml/2006/main" xmlns:r="http://schemas.openxmlformats.org/officeDocument/2006/relationships" xmlns:p="http://schemas.openxmlformats.org/presentationml/2006/main">
   <p:cSld>
     <p:spTree>
@@ -9102,7 +9965,7 @@
 </p:sld>
 </file>
 
-<file path=ppt/slides/slide14.xml><?xml version="1.0" encoding="utf-8"?>
+<file path=ppt/slides/slide16.xml><?xml version="1.0" encoding="utf-8"?>
 <p:sld xmlns:a="http://schemas.openxmlformats.org/drawingml/2006/main" xmlns:r="http://schemas.openxmlformats.org/officeDocument/2006/relationships" xmlns:p="http://schemas.openxmlformats.org/presentationml/2006/main">
   <p:cSld>
     <p:spTree>
@@ -9284,6 +10147,172 @@
           </a:p>
         </p:txBody>
       </p:sp>
+      <p:sp>
+        <p:nvSpPr>
+          <p:cNvPr id="3" name="TextBox 2"/>
+          <p:cNvSpPr txBox="1"/>
+          <p:nvPr/>
+        </p:nvSpPr>
+        <p:spPr>
+          <a:xfrm>
+            <a:off x="179512" y="1131590"/>
+            <a:ext cx="8568952" cy="4140108"/>
+          </a:xfrm>
+          <a:prstGeom prst="rect">
+            <a:avLst/>
+          </a:prstGeom>
+          <a:noFill/>
+        </p:spPr>
+        <p:txBody>
+          <a:bodyPr wrap="square" rtlCol="0">
+            <a:spAutoFit/>
+          </a:bodyPr>
+          <a:lstStyle/>
+          <a:p>
+            <a:pPr marL="285750" indent="-285750" algn="just">
+              <a:lnSpc>
+                <a:spcPct val="200000"/>
+              </a:lnSpc>
+              <a:buFont typeface="Wingdings" panose="05000000000000000000" pitchFamily="2" charset="2"/>
+              <a:buChar char="§"/>
+            </a:pPr>
+            <a:r>
+              <a:rPr lang="en-US" sz="1600" dirty="0" smtClean="0">
+                <a:solidFill>
+                  <a:schemeClr val="bg1"/>
+                </a:solidFill>
+              </a:rPr>
+              <a:t>Simple functionality – expense of having a usable system</a:t>
+            </a:r>
+          </a:p>
+          <a:p>
+            <a:pPr marL="285750" indent="-285750" algn="just">
+              <a:lnSpc>
+                <a:spcPct val="200000"/>
+              </a:lnSpc>
+              <a:buFont typeface="Wingdings" panose="05000000000000000000" pitchFamily="2" charset="2"/>
+              <a:buChar char="§"/>
+            </a:pPr>
+            <a:r>
+              <a:rPr lang="en-US" sz="1600" dirty="0" smtClean="0">
+                <a:solidFill>
+                  <a:schemeClr val="bg1"/>
+                </a:solidFill>
+              </a:rPr>
+              <a:t>Completed following the key aspects of the requirements and methodology</a:t>
+            </a:r>
+          </a:p>
+          <a:p>
+            <a:pPr marL="285750" indent="-285750" algn="just">
+              <a:lnSpc>
+                <a:spcPct val="200000"/>
+              </a:lnSpc>
+              <a:buFont typeface="Wingdings" panose="05000000000000000000" pitchFamily="2" charset="2"/>
+              <a:buChar char="§"/>
+            </a:pPr>
+            <a:r>
+              <a:rPr lang="en-US" sz="1600" dirty="0">
+                <a:solidFill>
+                  <a:schemeClr val="bg1"/>
+                </a:solidFill>
+              </a:rPr>
+              <a:t>Every component of the methodology is appropriate for the project</a:t>
+            </a:r>
+            <a:r>
+              <a:rPr lang="en-US" sz="1600" dirty="0" smtClean="0">
+                <a:solidFill>
+                  <a:schemeClr val="bg1"/>
+                </a:solidFill>
+              </a:rPr>
+              <a:t>.</a:t>
+            </a:r>
+          </a:p>
+          <a:p>
+            <a:pPr marL="285750" indent="-285750" algn="just">
+              <a:lnSpc>
+                <a:spcPct val="200000"/>
+              </a:lnSpc>
+              <a:buFont typeface="Wingdings" panose="05000000000000000000" pitchFamily="2" charset="2"/>
+              <a:buChar char="§"/>
+            </a:pPr>
+            <a:r>
+              <a:rPr lang="en-US" sz="1600" dirty="0" smtClean="0">
+                <a:solidFill>
+                  <a:schemeClr val="bg1"/>
+                </a:solidFill>
+              </a:rPr>
+              <a:t>Replacing the existing systems which are too complicated</a:t>
+            </a:r>
+          </a:p>
+          <a:p>
+            <a:pPr marL="285750" indent="-285750" algn="just">
+              <a:lnSpc>
+                <a:spcPct val="200000"/>
+              </a:lnSpc>
+              <a:buFont typeface="Wingdings" panose="05000000000000000000" pitchFamily="2" charset="2"/>
+              <a:buChar char="§"/>
+            </a:pPr>
+            <a:r>
+              <a:rPr lang="en-US" sz="1600" dirty="0" smtClean="0">
+                <a:solidFill>
+                  <a:schemeClr val="bg1"/>
+                </a:solidFill>
+              </a:rPr>
+              <a:t>Built from scratch for the betterment of simple interface, system </a:t>
+            </a:r>
+            <a:r>
+              <a:rPr lang="en-US" sz="1600" dirty="0">
+                <a:solidFill>
+                  <a:schemeClr val="bg1"/>
+                </a:solidFill>
+              </a:rPr>
+              <a:t>e</a:t>
+            </a:r>
+            <a:r>
+              <a:rPr lang="en-US" sz="1600" dirty="0" smtClean="0">
+                <a:solidFill>
+                  <a:schemeClr val="bg1"/>
+                </a:solidFill>
+              </a:rPr>
+              <a:t>fficient and cooperative modules</a:t>
+            </a:r>
+          </a:p>
+          <a:p>
+            <a:pPr marL="285750" indent="-285750" algn="just">
+              <a:lnSpc>
+                <a:spcPct val="200000"/>
+              </a:lnSpc>
+              <a:buFont typeface="Wingdings" panose="05000000000000000000" pitchFamily="2" charset="2"/>
+              <a:buChar char="§"/>
+            </a:pPr>
+            <a:r>
+              <a:rPr lang="en-US" sz="1600" dirty="0" smtClean="0">
+                <a:solidFill>
+                  <a:schemeClr val="bg1"/>
+                </a:solidFill>
+              </a:rPr>
+              <a:t>Has adverse limitations while developing the application</a:t>
+            </a:r>
+            <a:endParaRPr lang="en-US" sz="1600" dirty="0">
+              <a:solidFill>
+                <a:schemeClr val="bg1"/>
+              </a:solidFill>
+            </a:endParaRPr>
+          </a:p>
+          <a:p>
+            <a:pPr algn="just">
+              <a:lnSpc>
+                <a:spcPct val="300000"/>
+              </a:lnSpc>
+            </a:pPr>
+            <a:endParaRPr lang="en-US" sz="1600" dirty="0">
+              <a:solidFill>
+                <a:schemeClr val="bg1"/>
+              </a:solidFill>
+            </a:endParaRPr>
+          </a:p>
+        </p:txBody>
+      </p:sp>
     </p:spTree>
     <p:extLst>
       <p:ext uri="{BB962C8B-B14F-4D97-AF65-F5344CB8AC3E}">
@@ -9297,7 +10326,7 @@
 </p:sld>
 </file>
 
-<file path=ppt/slides/slide15.xml><?xml version="1.0" encoding="utf-8"?>
+<file path=ppt/slides/slide17.xml><?xml version="1.0" encoding="utf-8"?>
 <p:sld xmlns:a="http://schemas.openxmlformats.org/drawingml/2006/main" xmlns:r="http://schemas.openxmlformats.org/officeDocument/2006/relationships" xmlns:p="http://schemas.openxmlformats.org/presentationml/2006/main">
   <p:cSld>
     <p:spTree>
@@ -9692,7 +10721,7 @@
 </p:sld>
 </file>
 
-<file path=ppt/slides/slide16.xml><?xml version="1.0" encoding="utf-8"?>
+<file path=ppt/slides/slide18.xml><?xml version="1.0" encoding="utf-8"?>
 <p:sld xmlns:a="http://schemas.openxmlformats.org/drawingml/2006/main" xmlns:r="http://schemas.openxmlformats.org/officeDocument/2006/relationships" xmlns:p="http://schemas.openxmlformats.org/presentationml/2006/main">
   <p:cSld>
     <p:spTree>
@@ -9711,7 +10740,7 @@
       </p:grpSpPr>
       <p:sp>
         <p:nvSpPr>
-          <p:cNvPr id="5" name="Text Placeholder 13"/>
+          <p:cNvPr id="18" name="Text Placeholder 1"/>
           <p:cNvSpPr txBox="1">
             <a:spLocks/>
           </p:cNvSpPr>
@@ -9719,8 +10748,8 @@
         </p:nvSpPr>
         <p:spPr>
           <a:xfrm>
-            <a:off x="467544" y="339503"/>
-            <a:ext cx="2592288" cy="1905306"/>
+            <a:off x="1547664" y="195486"/>
+            <a:ext cx="3888432" cy="576064"/>
           </a:xfrm>
           <a:prstGeom prst="rect">
             <a:avLst/>
@@ -9729,19 +10758,19 @@
         <p:txBody>
           <a:bodyPr anchor="ctr"/>
           <a:lstStyle>
-            <a:lvl1pPr marL="342900" indent="-342900" algn="l" defTabSz="914400" rtl="0" eaLnBrk="1" latinLnBrk="1" hangingPunct="1">
-              <a:spcBef>
-                <a:spcPct val="20000"/>
-              </a:spcBef>
-              <a:buFont typeface="Arial" pitchFamily="34" charset="0"/>
-              <a:buChar char="•"/>
-              <a:defRPr sz="3200" kern="1200">
-                <a:solidFill>
-                  <a:schemeClr val="tx1"/>
-                </a:solidFill>
-                <a:latin typeface="+mn-lt"/>
-                <a:ea typeface="+mn-ea"/>
-                <a:cs typeface="+mn-cs"/>
+            <a:lvl1pPr marL="0" indent="0" algn="ctr" defTabSz="914400" rtl="0" eaLnBrk="1" latinLnBrk="1" hangingPunct="1">
+              <a:spcBef>
+                <a:spcPct val="20000"/>
+              </a:spcBef>
+              <a:buFont typeface="Arial" pitchFamily="34" charset="0"/>
+              <a:buNone/>
+              <a:defRPr sz="3600" b="0" kern="1200" baseline="0">
+                <a:solidFill>
+                  <a:schemeClr val="bg1"/>
+                </a:solidFill>
+                <a:latin typeface="+mj-lt"/>
+                <a:ea typeface="+mn-ea"/>
+                <a:cs typeface="Arial" pitchFamily="34" charset="0"/>
               </a:defRPr>
             </a:lvl1pPr>
             <a:lvl2pPr marL="742950" indent="-285750" algn="l" defTabSz="914400" rtl="0" eaLnBrk="1" latinLnBrk="1" hangingPunct="1">
@@ -9866,61 +10895,25 @@
             </a:lvl9pPr>
           </a:lstStyle>
           <a:p>
-            <a:pPr marL="0" indent="0">
-              <a:lnSpc>
-                <a:spcPct val="110000"/>
-              </a:lnSpc>
-              <a:buNone/>
-            </a:pPr>
-            <a:r>
-              <a:rPr lang="en-US" sz="2800" b="1" dirty="0">
-                <a:solidFill>
-                  <a:schemeClr val="tx1">
-                    <a:lumMod val="75000"/>
-                    <a:lumOff val="25000"/>
-                  </a:schemeClr>
-                </a:solidFill>
-                <a:latin typeface="+mj-lt"/>
-                <a:cs typeface="Arial" pitchFamily="34" charset="0"/>
-              </a:rPr>
-              <a:t>Simple </a:t>
-            </a:r>
-            <a:r>
-              <a:rPr lang="en-US" altLang="ko-KR" sz="2800" b="1" dirty="0">
-                <a:solidFill>
-                  <a:schemeClr val="accent2"/>
-                </a:solidFill>
-                <a:latin typeface="+mj-lt"/>
-                <a:cs typeface="Arial" pitchFamily="34" charset="0"/>
-              </a:rPr>
-              <a:t>Portfolio </a:t>
-            </a:r>
-            <a:r>
-              <a:rPr lang="en-US" altLang="ko-KR" sz="2800" b="1" dirty="0">
-                <a:solidFill>
-                  <a:schemeClr val="tx1">
-                    <a:lumMod val="75000"/>
-                    <a:lumOff val="25000"/>
-                  </a:schemeClr>
-                </a:solidFill>
-                <a:latin typeface="+mj-lt"/>
-                <a:cs typeface="Arial" pitchFamily="34" charset="0"/>
-              </a:rPr>
-              <a:t>Presentation Designed</a:t>
-            </a:r>
+            <a:pPr algn="l"/>
+            <a:r>
+              <a:rPr lang="en-US" altLang="ko-KR" sz="3200" b="1" dirty="0" smtClean="0"/>
+              <a:t>Conclusion</a:t>
+            </a:r>
+            <a:endParaRPr lang="ko-KR" altLang="en-US" sz="3200" b="1" dirty="0"/>
           </a:p>
         </p:txBody>
       </p:sp>
       <p:sp>
         <p:nvSpPr>
-          <p:cNvPr id="6" name="TextBox 5"/>
+          <p:cNvPr id="19" name="TextBox 18"/>
           <p:cNvSpPr txBox="1"/>
           <p:nvPr/>
         </p:nvSpPr>
         <p:spPr>
           <a:xfrm>
-            <a:off x="496119" y="2316816"/>
-            <a:ext cx="2556816" cy="830997"/>
+            <a:off x="1475656" y="1131590"/>
+            <a:ext cx="7560840" cy="4031873"/>
           </a:xfrm>
           <a:prstGeom prst="rect">
             <a:avLst/>
@@ -9933,2847 +10926,167 @@
           </a:bodyPr>
           <a:lstStyle/>
           <a:p>
-            <a:r>
-              <a:rPr lang="en-US" altLang="ko-KR" sz="1200" b="1" dirty="0">
-                <a:solidFill>
-                  <a:schemeClr val="tx1">
-                    <a:lumMod val="75000"/>
-                    <a:lumOff val="25000"/>
-                  </a:schemeClr>
-                </a:solidFill>
-                <a:cs typeface="Arial" pitchFamily="34" charset="0"/>
+            <a:pPr marL="285750" indent="-285750" algn="just">
+              <a:lnSpc>
+                <a:spcPct val="200000"/>
+              </a:lnSpc>
+              <a:buFont typeface="Wingdings" panose="05000000000000000000" pitchFamily="2" charset="2"/>
+              <a:buChar char="§"/>
+            </a:pPr>
+            <a:r>
+              <a:rPr lang="en-US" sz="1600" dirty="0" smtClean="0">
+                <a:solidFill>
+                  <a:schemeClr val="bg1"/>
+                </a:solidFill>
               </a:rPr>
-              <a:t>You can simply impress your audience and add a unique zing and appeal to your Presentations.</a:t>
-            </a:r>
-            <a:endParaRPr lang="ko-KR" altLang="en-US" sz="1200" b="1" dirty="0">
+              <a:t>“Speech to Action” an application - which helps </a:t>
+            </a:r>
+            <a:r>
+              <a:rPr lang="en-US" sz="1600" dirty="0">
+                <a:solidFill>
+                  <a:schemeClr val="bg1"/>
+                </a:solidFill>
+              </a:rPr>
+              <a:t>and guide every </a:t>
+            </a:r>
+            <a:r>
+              <a:rPr lang="en-US" sz="1600" dirty="0" smtClean="0">
+                <a:solidFill>
+                  <a:schemeClr val="bg1"/>
+                </a:solidFill>
+              </a:rPr>
+              <a:t>person</a:t>
+            </a:r>
+          </a:p>
+          <a:p>
+            <a:pPr marL="285750" indent="-285750" algn="just">
+              <a:lnSpc>
+                <a:spcPct val="200000"/>
+              </a:lnSpc>
+              <a:buFont typeface="Wingdings" panose="05000000000000000000" pitchFamily="2" charset="2"/>
+              <a:buChar char="§"/>
+            </a:pPr>
+            <a:r>
+              <a:rPr lang="en-US" sz="1600" dirty="0">
+                <a:solidFill>
+                  <a:schemeClr val="bg1"/>
+                </a:solidFill>
+              </a:rPr>
+              <a:t>It explains the </a:t>
+            </a:r>
+            <a:r>
+              <a:rPr lang="en-US" sz="1600" dirty="0" smtClean="0">
+                <a:solidFill>
+                  <a:schemeClr val="bg1"/>
+                </a:solidFill>
+              </a:rPr>
+              <a:t>system's </a:t>
+            </a:r>
+            <a:r>
+              <a:rPr lang="en-US" sz="1600" dirty="0">
+                <a:solidFill>
+                  <a:schemeClr val="bg1"/>
+                </a:solidFill>
+              </a:rPr>
+              <a:t>goals, functionality, and interface.</a:t>
+            </a:r>
+            <a:endParaRPr lang="en-US" sz="1600" dirty="0" smtClean="0">
               <a:solidFill>
-                <a:schemeClr val="tx1">
-                  <a:lumMod val="75000"/>
-                  <a:lumOff val="25000"/>
-                </a:schemeClr>
+                <a:schemeClr val="bg1"/>
               </a:solidFill>
-              <a:cs typeface="Arial" pitchFamily="34" charset="0"/>
             </a:endParaRPr>
           </a:p>
+          <a:p>
+            <a:pPr marL="285750" indent="-285750" algn="just">
+              <a:lnSpc>
+                <a:spcPct val="200000"/>
+              </a:lnSpc>
+              <a:buFont typeface="Wingdings" panose="05000000000000000000" pitchFamily="2" charset="2"/>
+              <a:buChar char="§"/>
+            </a:pPr>
+            <a:r>
+              <a:rPr lang="en-US" sz="1600" dirty="0" smtClean="0">
+                <a:solidFill>
+                  <a:schemeClr val="bg1"/>
+                </a:solidFill>
+              </a:rPr>
+              <a:t>Java – a general programming language, object-oriented language</a:t>
+            </a:r>
+          </a:p>
+          <a:p>
+            <a:pPr marL="285750" indent="-285750" algn="just">
+              <a:lnSpc>
+                <a:spcPct val="200000"/>
+              </a:lnSpc>
+              <a:buFont typeface="Wingdings" panose="05000000000000000000" pitchFamily="2" charset="2"/>
+              <a:buChar char="§"/>
+            </a:pPr>
+            <a:r>
+              <a:rPr lang="en-US" sz="1600" dirty="0" smtClean="0">
+                <a:solidFill>
+                  <a:schemeClr val="bg1"/>
+                </a:solidFill>
+              </a:rPr>
+              <a:t>Different task and different scenarios to cope with</a:t>
+            </a:r>
+          </a:p>
+          <a:p>
+            <a:pPr marL="285750" indent="-285750" algn="just">
+              <a:lnSpc>
+                <a:spcPct val="200000"/>
+              </a:lnSpc>
+              <a:buFont typeface="Wingdings" panose="05000000000000000000" pitchFamily="2" charset="2"/>
+              <a:buChar char="§"/>
+            </a:pPr>
+            <a:r>
+              <a:rPr lang="en-US" sz="1600" dirty="0" smtClean="0">
+                <a:solidFill>
+                  <a:schemeClr val="bg1"/>
+                </a:solidFill>
+              </a:rPr>
+              <a:t>Collected </a:t>
+            </a:r>
+            <a:r>
+              <a:rPr lang="en-US" sz="1600" dirty="0">
+                <a:solidFill>
+                  <a:schemeClr val="bg1"/>
+                </a:solidFill>
+              </a:rPr>
+              <a:t>development and management information.</a:t>
+            </a:r>
+          </a:p>
+          <a:p>
+            <a:pPr marL="285750" indent="-285750" algn="just">
+              <a:lnSpc>
+                <a:spcPct val="300000"/>
+              </a:lnSpc>
+              <a:buFont typeface="Wingdings" panose="05000000000000000000" pitchFamily="2" charset="2"/>
+              <a:buChar char="§"/>
+            </a:pPr>
+            <a:endParaRPr lang="en-US" sz="1600" dirty="0">
+              <a:solidFill>
+                <a:schemeClr val="bg1"/>
+              </a:solidFill>
+            </a:endParaRPr>
+          </a:p>
+          <a:p>
+            <a:pPr algn="just">
+              <a:lnSpc>
+                <a:spcPct val="300000"/>
+              </a:lnSpc>
+            </a:pPr>
+            <a:endParaRPr lang="en-US" sz="1600" dirty="0">
+              <a:solidFill>
+                <a:schemeClr val="bg1"/>
+              </a:solidFill>
+            </a:endParaRPr>
+          </a:p>
         </p:txBody>
-      </p:sp>
-      <p:sp>
-        <p:nvSpPr>
-          <p:cNvPr id="8" name="Oval 7"/>
-          <p:cNvSpPr/>
-          <p:nvPr/>
-        </p:nvSpPr>
-        <p:spPr>
-          <a:xfrm>
-            <a:off x="6084169" y="867108"/>
-            <a:ext cx="576064" cy="576064"/>
-          </a:xfrm>
-          <a:prstGeom prst="ellipse">
-            <a:avLst/>
-          </a:prstGeom>
-          <a:solidFill>
-            <a:schemeClr val="bg1"/>
-          </a:solidFill>
-          <a:ln>
-            <a:noFill/>
-          </a:ln>
-        </p:spPr>
-        <p:style>
-          <a:lnRef idx="2">
-            <a:schemeClr val="accent1">
-              <a:shade val="50000"/>
-            </a:schemeClr>
-          </a:lnRef>
-          <a:fillRef idx="1">
-            <a:schemeClr val="accent1"/>
-          </a:fillRef>
-          <a:effectRef idx="0">
-            <a:schemeClr val="accent1"/>
-          </a:effectRef>
-          <a:fontRef idx="minor">
-            <a:schemeClr val="lt1"/>
-          </a:fontRef>
-        </p:style>
-        <p:txBody>
-          <a:bodyPr rot="0" spcFirstLastPara="0" vertOverflow="overflow" horzOverflow="overflow" vert="horz" wrap="square" lIns="91440" tIns="45720" rIns="91440" bIns="45720" numCol="1" spcCol="0" rtlCol="0" fromWordArt="0" anchor="ctr" anchorCtr="0" forceAA="0" compatLnSpc="1">
-            <a:prstTxWarp prst="textNoShape">
-              <a:avLst/>
-            </a:prstTxWarp>
-            <a:noAutofit/>
-          </a:bodyPr>
-          <a:lstStyle/>
-          <a:p>
-            <a:pPr algn="ctr"/>
-            <a:endParaRPr lang="ko-KR" altLang="en-US" dirty="0"/>
-          </a:p>
-        </p:txBody>
-      </p:sp>
-      <p:sp>
-        <p:nvSpPr>
-          <p:cNvPr id="9" name="Oval 8"/>
-          <p:cNvSpPr/>
-          <p:nvPr/>
-        </p:nvSpPr>
-        <p:spPr>
-          <a:xfrm>
-            <a:off x="6084169" y="2266465"/>
-            <a:ext cx="576064" cy="576064"/>
-          </a:xfrm>
-          <a:prstGeom prst="ellipse">
-            <a:avLst/>
-          </a:prstGeom>
-          <a:solidFill>
-            <a:schemeClr val="bg1"/>
-          </a:solidFill>
-          <a:ln>
-            <a:noFill/>
-          </a:ln>
-        </p:spPr>
-        <p:style>
-          <a:lnRef idx="2">
-            <a:schemeClr val="accent1">
-              <a:shade val="50000"/>
-            </a:schemeClr>
-          </a:lnRef>
-          <a:fillRef idx="1">
-            <a:schemeClr val="accent1"/>
-          </a:fillRef>
-          <a:effectRef idx="0">
-            <a:schemeClr val="accent1"/>
-          </a:effectRef>
-          <a:fontRef idx="minor">
-            <a:schemeClr val="lt1"/>
-          </a:fontRef>
-        </p:style>
-        <p:txBody>
-          <a:bodyPr rot="0" spcFirstLastPara="0" vertOverflow="overflow" horzOverflow="overflow" vert="horz" wrap="square" lIns="91440" tIns="45720" rIns="91440" bIns="45720" numCol="1" spcCol="0" rtlCol="0" fromWordArt="0" anchor="ctr" anchorCtr="0" forceAA="0" compatLnSpc="1">
-            <a:prstTxWarp prst="textNoShape">
-              <a:avLst/>
-            </a:prstTxWarp>
-            <a:noAutofit/>
-          </a:bodyPr>
-          <a:lstStyle/>
-          <a:p>
-            <a:pPr algn="ctr"/>
-            <a:endParaRPr lang="ko-KR" altLang="en-US" dirty="0"/>
-          </a:p>
-        </p:txBody>
-      </p:sp>
-      <p:sp>
-        <p:nvSpPr>
-          <p:cNvPr id="10" name="Oval 9"/>
-          <p:cNvSpPr/>
-          <p:nvPr/>
-        </p:nvSpPr>
-        <p:spPr>
-          <a:xfrm>
-            <a:off x="6084169" y="3665821"/>
-            <a:ext cx="576064" cy="576064"/>
-          </a:xfrm>
-          <a:prstGeom prst="ellipse">
-            <a:avLst/>
-          </a:prstGeom>
-          <a:solidFill>
-            <a:schemeClr val="bg1"/>
-          </a:solidFill>
-          <a:ln>
-            <a:noFill/>
-          </a:ln>
-        </p:spPr>
-        <p:style>
-          <a:lnRef idx="2">
-            <a:schemeClr val="accent1">
-              <a:shade val="50000"/>
-            </a:schemeClr>
-          </a:lnRef>
-          <a:fillRef idx="1">
-            <a:schemeClr val="accent1"/>
-          </a:fillRef>
-          <a:effectRef idx="0">
-            <a:schemeClr val="accent1"/>
-          </a:effectRef>
-          <a:fontRef idx="minor">
-            <a:schemeClr val="lt1"/>
-          </a:fontRef>
-        </p:style>
-        <p:txBody>
-          <a:bodyPr rot="0" spcFirstLastPara="0" vertOverflow="overflow" horzOverflow="overflow" vert="horz" wrap="square" lIns="91440" tIns="45720" rIns="91440" bIns="45720" numCol="1" spcCol="0" rtlCol="0" fromWordArt="0" anchor="ctr" anchorCtr="0" forceAA="0" compatLnSpc="1">
-            <a:prstTxWarp prst="textNoShape">
-              <a:avLst/>
-            </a:prstTxWarp>
-            <a:noAutofit/>
-          </a:bodyPr>
-          <a:lstStyle/>
-          <a:p>
-            <a:pPr algn="ctr"/>
-            <a:endParaRPr lang="ko-KR" altLang="en-US" dirty="0"/>
-          </a:p>
-        </p:txBody>
-      </p:sp>
-      <p:grpSp>
-        <p:nvGrpSpPr>
-          <p:cNvPr id="11" name="Group 10"/>
-          <p:cNvGrpSpPr/>
-          <p:nvPr/>
-        </p:nvGrpSpPr>
-        <p:grpSpPr>
-          <a:xfrm>
-            <a:off x="6804248" y="724698"/>
-            <a:ext cx="1919111" cy="860885"/>
-            <a:chOff x="1472558" y="998559"/>
-            <a:chExt cx="2765965" cy="860885"/>
-          </a:xfrm>
-        </p:grpSpPr>
-        <p:sp>
-          <p:nvSpPr>
-            <p:cNvPr id="12" name="TextBox 11"/>
-            <p:cNvSpPr txBox="1"/>
-            <p:nvPr/>
-          </p:nvSpPr>
-          <p:spPr>
-            <a:xfrm>
-              <a:off x="1472558" y="1213113"/>
-              <a:ext cx="2765965" cy="646331"/>
-            </a:xfrm>
-            <a:prstGeom prst="rect">
-              <a:avLst/>
-            </a:prstGeom>
-            <a:noFill/>
-          </p:spPr>
-          <p:txBody>
-            <a:bodyPr wrap="square" rtlCol="0">
-              <a:spAutoFit/>
-            </a:bodyPr>
-            <a:lstStyle/>
-            <a:p>
-              <a:r>
-                <a:rPr lang="en-US" altLang="ko-KR" sz="1200" dirty="0">
-                  <a:solidFill>
-                    <a:schemeClr val="bg1"/>
-                  </a:solidFill>
-                  <a:cs typeface="Arial" pitchFamily="34" charset="0"/>
-                </a:rPr>
-                <a:t>You can simply impress your audience and add a unique zing.  </a:t>
-              </a:r>
-              <a:endParaRPr lang="ko-KR" altLang="en-US" sz="1200" dirty="0">
-                <a:solidFill>
-                  <a:schemeClr val="bg1"/>
-                </a:solidFill>
-                <a:cs typeface="Arial" pitchFamily="34" charset="0"/>
-              </a:endParaRPr>
-            </a:p>
-          </p:txBody>
-        </p:sp>
-        <p:sp>
-          <p:nvSpPr>
-            <p:cNvPr id="13" name="TextBox 12"/>
-            <p:cNvSpPr txBox="1"/>
-            <p:nvPr/>
-          </p:nvSpPr>
-          <p:spPr>
-            <a:xfrm>
-              <a:off x="1472558" y="998559"/>
-              <a:ext cx="2765965" cy="276999"/>
-            </a:xfrm>
-            <a:prstGeom prst="rect">
-              <a:avLst/>
-            </a:prstGeom>
-            <a:noFill/>
-          </p:spPr>
-          <p:txBody>
-            <a:bodyPr wrap="square" rtlCol="0">
-              <a:spAutoFit/>
-            </a:bodyPr>
-            <a:lstStyle/>
-            <a:p>
-              <a:r>
-                <a:rPr lang="en-US" altLang="ko-KR" sz="1200" b="1" dirty="0">
-                  <a:solidFill>
-                    <a:schemeClr val="bg1"/>
-                  </a:solidFill>
-                  <a:cs typeface="Arial" pitchFamily="34" charset="0"/>
-                </a:rPr>
-                <a:t>Your Text  Here</a:t>
-              </a:r>
-              <a:endParaRPr lang="ko-KR" altLang="en-US" sz="1200" b="1" dirty="0">
-                <a:solidFill>
-                  <a:schemeClr val="bg1"/>
-                </a:solidFill>
-                <a:cs typeface="Arial" pitchFamily="34" charset="0"/>
-              </a:endParaRPr>
-            </a:p>
-          </p:txBody>
-        </p:sp>
-      </p:grpSp>
-      <p:grpSp>
-        <p:nvGrpSpPr>
-          <p:cNvPr id="14" name="Group 13"/>
-          <p:cNvGrpSpPr/>
-          <p:nvPr/>
-        </p:nvGrpSpPr>
-        <p:grpSpPr>
-          <a:xfrm>
-            <a:off x="6804248" y="2124055"/>
-            <a:ext cx="1919111" cy="860885"/>
-            <a:chOff x="1472558" y="998559"/>
-            <a:chExt cx="2765965" cy="860885"/>
-          </a:xfrm>
-        </p:grpSpPr>
-        <p:sp>
-          <p:nvSpPr>
-            <p:cNvPr id="15" name="TextBox 14"/>
-            <p:cNvSpPr txBox="1"/>
-            <p:nvPr/>
-          </p:nvSpPr>
-          <p:spPr>
-            <a:xfrm>
-              <a:off x="1472558" y="1213113"/>
-              <a:ext cx="2765965" cy="646331"/>
-            </a:xfrm>
-            <a:prstGeom prst="rect">
-              <a:avLst/>
-            </a:prstGeom>
-            <a:noFill/>
-          </p:spPr>
-          <p:txBody>
-            <a:bodyPr wrap="square" rtlCol="0">
-              <a:spAutoFit/>
-            </a:bodyPr>
-            <a:lstStyle/>
-            <a:p>
-              <a:r>
-                <a:rPr lang="en-US" altLang="ko-KR" sz="1200" dirty="0">
-                  <a:solidFill>
-                    <a:schemeClr val="bg1"/>
-                  </a:solidFill>
-                  <a:cs typeface="Arial" pitchFamily="34" charset="0"/>
-                </a:rPr>
-                <a:t>You can simply impress your audience and add a unique zing.  </a:t>
-              </a:r>
-              <a:endParaRPr lang="ko-KR" altLang="en-US" sz="1200" dirty="0">
-                <a:solidFill>
-                  <a:schemeClr val="bg1"/>
-                </a:solidFill>
-                <a:cs typeface="Arial" pitchFamily="34" charset="0"/>
-              </a:endParaRPr>
-            </a:p>
-          </p:txBody>
-        </p:sp>
-        <p:sp>
-          <p:nvSpPr>
-            <p:cNvPr id="16" name="TextBox 15"/>
-            <p:cNvSpPr txBox="1"/>
-            <p:nvPr/>
-          </p:nvSpPr>
-          <p:spPr>
-            <a:xfrm>
-              <a:off x="1472558" y="998559"/>
-              <a:ext cx="2765965" cy="276999"/>
-            </a:xfrm>
-            <a:prstGeom prst="rect">
-              <a:avLst/>
-            </a:prstGeom>
-            <a:noFill/>
-          </p:spPr>
-          <p:txBody>
-            <a:bodyPr wrap="square" rtlCol="0">
-              <a:spAutoFit/>
-            </a:bodyPr>
-            <a:lstStyle/>
-            <a:p>
-              <a:r>
-                <a:rPr lang="en-US" altLang="ko-KR" sz="1200" b="1" dirty="0">
-                  <a:solidFill>
-                    <a:schemeClr val="bg1"/>
-                  </a:solidFill>
-                  <a:cs typeface="Arial" pitchFamily="34" charset="0"/>
-                </a:rPr>
-                <a:t>Your Text  Here</a:t>
-              </a:r>
-              <a:endParaRPr lang="ko-KR" altLang="en-US" sz="1200" b="1" dirty="0">
-                <a:solidFill>
-                  <a:schemeClr val="bg1"/>
-                </a:solidFill>
-                <a:cs typeface="Arial" pitchFamily="34" charset="0"/>
-              </a:endParaRPr>
-            </a:p>
-          </p:txBody>
-        </p:sp>
-      </p:grpSp>
-      <p:grpSp>
-        <p:nvGrpSpPr>
-          <p:cNvPr id="17" name="Group 16"/>
-          <p:cNvGrpSpPr/>
-          <p:nvPr/>
-        </p:nvGrpSpPr>
-        <p:grpSpPr>
-          <a:xfrm>
-            <a:off x="6804248" y="3523411"/>
-            <a:ext cx="1919111" cy="860885"/>
-            <a:chOff x="1472558" y="998559"/>
-            <a:chExt cx="2765965" cy="860885"/>
-          </a:xfrm>
-        </p:grpSpPr>
-        <p:sp>
-          <p:nvSpPr>
-            <p:cNvPr id="18" name="TextBox 17"/>
-            <p:cNvSpPr txBox="1"/>
-            <p:nvPr/>
-          </p:nvSpPr>
-          <p:spPr>
-            <a:xfrm>
-              <a:off x="1472558" y="1213113"/>
-              <a:ext cx="2765965" cy="646331"/>
-            </a:xfrm>
-            <a:prstGeom prst="rect">
-              <a:avLst/>
-            </a:prstGeom>
-            <a:noFill/>
-          </p:spPr>
-          <p:txBody>
-            <a:bodyPr wrap="square" rtlCol="0">
-              <a:spAutoFit/>
-            </a:bodyPr>
-            <a:lstStyle/>
-            <a:p>
-              <a:r>
-                <a:rPr lang="en-US" altLang="ko-KR" sz="1200" dirty="0">
-                  <a:solidFill>
-                    <a:schemeClr val="bg1"/>
-                  </a:solidFill>
-                  <a:cs typeface="Arial" pitchFamily="34" charset="0"/>
-                </a:rPr>
-                <a:t>You can simply impress your audience and add a unique zing.  </a:t>
-              </a:r>
-              <a:endParaRPr lang="ko-KR" altLang="en-US" sz="1200" dirty="0">
-                <a:solidFill>
-                  <a:schemeClr val="bg1"/>
-                </a:solidFill>
-                <a:cs typeface="Arial" pitchFamily="34" charset="0"/>
-              </a:endParaRPr>
-            </a:p>
-          </p:txBody>
-        </p:sp>
-        <p:sp>
-          <p:nvSpPr>
-            <p:cNvPr id="19" name="TextBox 18"/>
-            <p:cNvSpPr txBox="1"/>
-            <p:nvPr/>
-          </p:nvSpPr>
-          <p:spPr>
-            <a:xfrm>
-              <a:off x="1472558" y="998559"/>
-              <a:ext cx="2765965" cy="276999"/>
-            </a:xfrm>
-            <a:prstGeom prst="rect">
-              <a:avLst/>
-            </a:prstGeom>
-            <a:noFill/>
-          </p:spPr>
-          <p:txBody>
-            <a:bodyPr wrap="square" rtlCol="0">
-              <a:spAutoFit/>
-            </a:bodyPr>
-            <a:lstStyle/>
-            <a:p>
-              <a:r>
-                <a:rPr lang="en-US" altLang="ko-KR" sz="1200" b="1" dirty="0">
-                  <a:solidFill>
-                    <a:schemeClr val="bg1"/>
-                  </a:solidFill>
-                  <a:cs typeface="Arial" pitchFamily="34" charset="0"/>
-                </a:rPr>
-                <a:t>Your Text  Here</a:t>
-              </a:r>
-              <a:endParaRPr lang="ko-KR" altLang="en-US" sz="1200" b="1" dirty="0">
-                <a:solidFill>
-                  <a:schemeClr val="bg1"/>
-                </a:solidFill>
-                <a:cs typeface="Arial" pitchFamily="34" charset="0"/>
-              </a:endParaRPr>
-            </a:p>
-          </p:txBody>
-        </p:sp>
-      </p:grpSp>
-      <p:sp>
-        <p:nvSpPr>
-          <p:cNvPr id="20" name="Oval 21"/>
-          <p:cNvSpPr>
-            <a:spLocks noChangeAspect="1"/>
-          </p:cNvSpPr>
-          <p:nvPr/>
-        </p:nvSpPr>
-        <p:spPr>
-          <a:xfrm>
-            <a:off x="6204972" y="3785227"/>
-            <a:ext cx="334457" cy="337251"/>
-          </a:xfrm>
-          <a:custGeom>
-            <a:avLst/>
-            <a:gdLst/>
-            <a:ahLst/>
-            <a:cxnLst/>
-            <a:rect l="l" t="t" r="r" b="b"/>
-            <a:pathLst>
-              <a:path w="1652142" h="1665940">
-                <a:moveTo>
-                  <a:pt x="898689" y="548008"/>
-                </a:moveTo>
-                <a:cubicBezTo>
-                  <a:pt x="737950" y="504938"/>
-                  <a:pt x="572731" y="600328"/>
-                  <a:pt x="529661" y="761066"/>
-                </a:cubicBezTo>
-                <a:cubicBezTo>
-                  <a:pt x="486591" y="921805"/>
-                  <a:pt x="581980" y="1087025"/>
-                  <a:pt x="742719" y="1130094"/>
-                </a:cubicBezTo>
-                <a:cubicBezTo>
-                  <a:pt x="903458" y="1173164"/>
-                  <a:pt x="1068677" y="1077775"/>
-                  <a:pt x="1111747" y="917036"/>
-                </a:cubicBezTo>
-                <a:cubicBezTo>
-                  <a:pt x="1154817" y="756297"/>
-                  <a:pt x="1059428" y="591077"/>
-                  <a:pt x="898689" y="548008"/>
-                </a:cubicBezTo>
-                <a:close/>
-                <a:moveTo>
-                  <a:pt x="952303" y="347916"/>
-                </a:moveTo>
-                <a:cubicBezTo>
-                  <a:pt x="1223549" y="420596"/>
-                  <a:pt x="1384519" y="699404"/>
-                  <a:pt x="1311839" y="970650"/>
-                </a:cubicBezTo>
-                <a:cubicBezTo>
-                  <a:pt x="1239159" y="1241896"/>
-                  <a:pt x="960351" y="1402866"/>
-                  <a:pt x="689105" y="1330186"/>
-                </a:cubicBezTo>
-                <a:cubicBezTo>
-                  <a:pt x="417859" y="1257506"/>
-                  <a:pt x="256889" y="978698"/>
-                  <a:pt x="329569" y="707451"/>
-                </a:cubicBezTo>
-                <a:cubicBezTo>
-                  <a:pt x="402249" y="436205"/>
-                  <a:pt x="681057" y="275235"/>
-                  <a:pt x="952303" y="347916"/>
-                </a:cubicBezTo>
-                <a:close/>
-                <a:moveTo>
-                  <a:pt x="971799" y="275155"/>
-                </a:moveTo>
-                <a:cubicBezTo>
-                  <a:pt x="660368" y="191707"/>
-                  <a:pt x="340256" y="376524"/>
-                  <a:pt x="256808" y="687955"/>
-                </a:cubicBezTo>
-                <a:cubicBezTo>
-                  <a:pt x="173361" y="999387"/>
-                  <a:pt x="358178" y="1319499"/>
-                  <a:pt x="669609" y="1402947"/>
-                </a:cubicBezTo>
-                <a:cubicBezTo>
-                  <a:pt x="981040" y="1486395"/>
-                  <a:pt x="1301152" y="1301577"/>
-                  <a:pt x="1384600" y="990146"/>
-                </a:cubicBezTo>
-                <a:cubicBezTo>
-                  <a:pt x="1468047" y="678715"/>
-                  <a:pt x="1283230" y="358603"/>
-                  <a:pt x="971799" y="275155"/>
-                </a:cubicBezTo>
-                <a:close/>
-                <a:moveTo>
-                  <a:pt x="1652142" y="394531"/>
-                </a:moveTo>
-                <a:lnTo>
-                  <a:pt x="1649662" y="403784"/>
-                </a:lnTo>
-                <a:lnTo>
-                  <a:pt x="1647140" y="399895"/>
-                </a:lnTo>
-                <a:close/>
-                <a:moveTo>
-                  <a:pt x="1158157" y="65026"/>
-                </a:moveTo>
-                <a:lnTo>
-                  <a:pt x="1154679" y="271718"/>
-                </a:lnTo>
-                <a:lnTo>
-                  <a:pt x="1148331" y="270017"/>
-                </a:lnTo>
-                <a:cubicBezTo>
-                  <a:pt x="1200055" y="299127"/>
-                  <a:pt x="1246804" y="334821"/>
-                  <a:pt x="1286346" y="377149"/>
-                </a:cubicBezTo>
-                <a:lnTo>
-                  <a:pt x="1470353" y="331395"/>
-                </a:lnTo>
-                <a:lnTo>
-                  <a:pt x="1588305" y="553229"/>
-                </a:lnTo>
-                <a:lnTo>
-                  <a:pt x="1457194" y="671432"/>
-                </a:lnTo>
-                <a:cubicBezTo>
-                  <a:pt x="1473630" y="731297"/>
-                  <a:pt x="1481376" y="793983"/>
-                  <a:pt x="1478595" y="857704"/>
-                </a:cubicBezTo>
-                <a:lnTo>
-                  <a:pt x="1642362" y="948616"/>
-                </a:lnTo>
-                <a:lnTo>
-                  <a:pt x="1577335" y="1191298"/>
-                </a:lnTo>
-                <a:lnTo>
-                  <a:pt x="1378614" y="1187955"/>
-                </a:lnTo>
-                <a:cubicBezTo>
-                  <a:pt x="1353489" y="1229936"/>
-                  <a:pt x="1323048" y="1267799"/>
-                  <a:pt x="1288939" y="1301599"/>
-                </a:cubicBezTo>
-                <a:lnTo>
-                  <a:pt x="1354201" y="1471932"/>
-                </a:lnTo>
-                <a:lnTo>
-                  <a:pt x="1148396" y="1616039"/>
-                </a:lnTo>
-                <a:lnTo>
-                  <a:pt x="992294" y="1480516"/>
-                </a:lnTo>
-                <a:lnTo>
-                  <a:pt x="1011291" y="1467215"/>
-                </a:lnTo>
-                <a:cubicBezTo>
-                  <a:pt x="951500" y="1486565"/>
-                  <a:pt x="888271" y="1495869"/>
-                  <a:pt x="823805" y="1495510"/>
-                </a:cubicBezTo>
-                <a:lnTo>
-                  <a:pt x="729193" y="1665940"/>
-                </a:lnTo>
-                <a:lnTo>
-                  <a:pt x="486511" y="1600914"/>
-                </a:lnTo>
-                <a:lnTo>
-                  <a:pt x="489790" y="1406012"/>
-                </a:lnTo>
-                <a:cubicBezTo>
-                  <a:pt x="438364" y="1376702"/>
-                  <a:pt x="391917" y="1340859"/>
-                  <a:pt x="352658" y="1298452"/>
-                </a:cubicBezTo>
-                <a:lnTo>
-                  <a:pt x="355803" y="1305197"/>
-                </a:lnTo>
-                <a:lnTo>
-                  <a:pt x="152856" y="1344512"/>
-                </a:lnTo>
-                <a:lnTo>
-                  <a:pt x="46675" y="1116809"/>
-                </a:lnTo>
-                <a:lnTo>
-                  <a:pt x="183929" y="1005520"/>
-                </a:lnTo>
-                <a:cubicBezTo>
-                  <a:pt x="169279" y="951824"/>
-                  <a:pt x="161626" y="895865"/>
-                  <a:pt x="161615" y="838915"/>
-                </a:cubicBezTo>
-                <a:lnTo>
-                  <a:pt x="0" y="749197"/>
-                </a:lnTo>
-                <a:lnTo>
-                  <a:pt x="65026" y="506515"/>
-                </a:lnTo>
-                <a:lnTo>
-                  <a:pt x="250227" y="509630"/>
-                </a:lnTo>
-                <a:cubicBezTo>
-                  <a:pt x="275353" y="465291"/>
-                  <a:pt x="305693" y="424864"/>
-                  <a:pt x="340015" y="388679"/>
-                </a:cubicBezTo>
-                <a:lnTo>
-                  <a:pt x="277984" y="197357"/>
-                </a:lnTo>
-                <a:lnTo>
-                  <a:pt x="491050" y="64219"/>
-                </a:lnTo>
-                <a:lnTo>
-                  <a:pt x="639843" y="207726"/>
-                </a:lnTo>
-                <a:lnTo>
-                  <a:pt x="638348" y="208660"/>
-                </a:lnTo>
-                <a:cubicBezTo>
-                  <a:pt x="696840" y="190256"/>
-                  <a:pt x="758594" y="181748"/>
-                  <a:pt x="821488" y="182440"/>
-                </a:cubicBezTo>
-                <a:lnTo>
-                  <a:pt x="815140" y="180739"/>
-                </a:lnTo>
-                <a:lnTo>
-                  <a:pt x="915476" y="0"/>
-                </a:lnTo>
-                <a:close/>
-              </a:path>
-            </a:pathLst>
-          </a:custGeom>
-          <a:solidFill>
-            <a:schemeClr val="accent2"/>
-          </a:solidFill>
-          <a:ln>
-            <a:noFill/>
-          </a:ln>
-        </p:spPr>
-        <p:style>
-          <a:lnRef idx="2">
-            <a:schemeClr val="accent1">
-              <a:shade val="50000"/>
-            </a:schemeClr>
-          </a:lnRef>
-          <a:fillRef idx="1">
-            <a:schemeClr val="accent1"/>
-          </a:fillRef>
-          <a:effectRef idx="0">
-            <a:schemeClr val="accent1"/>
-          </a:effectRef>
-          <a:fontRef idx="minor">
-            <a:schemeClr val="lt1"/>
-          </a:fontRef>
-        </p:style>
-        <p:txBody>
-          <a:bodyPr rot="0" spcFirstLastPara="0" vertOverflow="overflow" horzOverflow="overflow" vert="horz" wrap="square" lIns="91440" tIns="45720" rIns="91440" bIns="45720" numCol="1" spcCol="0" rtlCol="0" fromWordArt="0" anchor="ctr" anchorCtr="0" forceAA="0" compatLnSpc="1">
-            <a:prstTxWarp prst="textNoShape">
-              <a:avLst/>
-            </a:prstTxWarp>
-            <a:noAutofit/>
-          </a:bodyPr>
-          <a:lstStyle/>
-          <a:p>
-            <a:pPr algn="ctr"/>
-            <a:endParaRPr lang="ko-KR" altLang="en-US" dirty="0"/>
-          </a:p>
-        </p:txBody>
-      </p:sp>
-      <p:sp>
-        <p:nvSpPr>
-          <p:cNvPr id="21" name="Rectangle 9"/>
-          <p:cNvSpPr/>
-          <p:nvPr/>
-        </p:nvSpPr>
-        <p:spPr>
-          <a:xfrm>
-            <a:off x="6221926" y="2413826"/>
-            <a:ext cx="300550" cy="281341"/>
-          </a:xfrm>
-          <a:custGeom>
-            <a:avLst/>
-            <a:gdLst>
-              <a:gd name="connsiteX0" fmla="*/ 833935 w 3239999"/>
-              <a:gd name="connsiteY0" fmla="*/ 22 h 3032924"/>
-              <a:gd name="connsiteX1" fmla="*/ 1576606 w 3239999"/>
-              <a:gd name="connsiteY1" fmla="*/ 402054 h 3032924"/>
-              <a:gd name="connsiteX2" fmla="*/ 1576606 w 3239999"/>
-              <a:gd name="connsiteY2" fmla="*/ 430441 h 3032924"/>
-              <a:gd name="connsiteX3" fmla="*/ 1576606 w 3239999"/>
-              <a:gd name="connsiteY3" fmla="*/ 526981 h 3032924"/>
-              <a:gd name="connsiteX4" fmla="*/ 1576606 w 3239999"/>
-              <a:gd name="connsiteY4" fmla="*/ 2765302 h 3032924"/>
-              <a:gd name="connsiteX5" fmla="*/ 378630 w 3239999"/>
-              <a:gd name="connsiteY5" fmla="*/ 2472117 h 3032924"/>
-              <a:gd name="connsiteX6" fmla="*/ 384918 w 3239999"/>
-              <a:gd name="connsiteY6" fmla="*/ 526981 h 3032924"/>
-              <a:gd name="connsiteX7" fmla="*/ 239143 w 3239999"/>
-              <a:gd name="connsiteY7" fmla="*/ 526981 h 3032924"/>
-              <a:gd name="connsiteX8" fmla="*/ 239143 w 3239999"/>
-              <a:gd name="connsiteY8" fmla="*/ 2776423 h 3032924"/>
-              <a:gd name="connsiteX9" fmla="*/ 1576606 w 3239999"/>
-              <a:gd name="connsiteY9" fmla="*/ 2776423 h 3032924"/>
-              <a:gd name="connsiteX10" fmla="*/ 1576606 w 3239999"/>
-              <a:gd name="connsiteY10" fmla="*/ 2778202 h 3032924"/>
-              <a:gd name="connsiteX11" fmla="*/ 1663394 w 3239999"/>
-              <a:gd name="connsiteY11" fmla="*/ 2778202 h 3032924"/>
-              <a:gd name="connsiteX12" fmla="*/ 1663394 w 3239999"/>
-              <a:gd name="connsiteY12" fmla="*/ 2776423 h 3032924"/>
-              <a:gd name="connsiteX13" fmla="*/ 3000856 w 3239999"/>
-              <a:gd name="connsiteY13" fmla="*/ 2776423 h 3032924"/>
-              <a:gd name="connsiteX14" fmla="*/ 3000856 w 3239999"/>
-              <a:gd name="connsiteY14" fmla="*/ 526981 h 3032924"/>
-              <a:gd name="connsiteX15" fmla="*/ 2855082 w 3239999"/>
-              <a:gd name="connsiteY15" fmla="*/ 526981 h 3032924"/>
-              <a:gd name="connsiteX16" fmla="*/ 2861369 w 3239999"/>
-              <a:gd name="connsiteY16" fmla="*/ 2472117 h 3032924"/>
-              <a:gd name="connsiteX17" fmla="*/ 1663394 w 3239999"/>
-              <a:gd name="connsiteY17" fmla="*/ 2765302 h 3032924"/>
-              <a:gd name="connsiteX18" fmla="*/ 1663394 w 3239999"/>
-              <a:gd name="connsiteY18" fmla="*/ 526981 h 3032924"/>
-              <a:gd name="connsiteX19" fmla="*/ 1663394 w 3239999"/>
-              <a:gd name="connsiteY19" fmla="*/ 430441 h 3032924"/>
-              <a:gd name="connsiteX20" fmla="*/ 1663394 w 3239999"/>
-              <a:gd name="connsiteY20" fmla="*/ 402054 h 3032924"/>
-              <a:gd name="connsiteX21" fmla="*/ 2406065 w 3239999"/>
-              <a:gd name="connsiteY21" fmla="*/ 22 h 3032924"/>
-              <a:gd name="connsiteX22" fmla="*/ 2853673 w 3239999"/>
-              <a:gd name="connsiteY22" fmla="*/ 91100 h 3032924"/>
-              <a:gd name="connsiteX23" fmla="*/ 2854770 w 3239999"/>
-              <a:gd name="connsiteY23" fmla="*/ 430441 h 3032924"/>
-              <a:gd name="connsiteX24" fmla="*/ 3120669 w 3239999"/>
-              <a:gd name="connsiteY24" fmla="*/ 428517 h 3032924"/>
-              <a:gd name="connsiteX25" fmla="*/ 3120669 w 3239999"/>
-              <a:gd name="connsiteY25" fmla="*/ 738345 h 3032924"/>
-              <a:gd name="connsiteX26" fmla="*/ 3239999 w 3239999"/>
-              <a:gd name="connsiteY26" fmla="*/ 738345 h 3032924"/>
-              <a:gd name="connsiteX27" fmla="*/ 3239999 w 3239999"/>
-              <a:gd name="connsiteY27" fmla="*/ 3032924 h 3032924"/>
-              <a:gd name="connsiteX28" fmla="*/ 0 w 3239999"/>
-              <a:gd name="connsiteY28" fmla="*/ 3032924 h 3032924"/>
-              <a:gd name="connsiteX29" fmla="*/ 0 w 3239999"/>
-              <a:gd name="connsiteY29" fmla="*/ 738345 h 3032924"/>
-              <a:gd name="connsiteX30" fmla="*/ 102477 w 3239999"/>
-              <a:gd name="connsiteY30" fmla="*/ 738345 h 3032924"/>
-              <a:gd name="connsiteX31" fmla="*/ 102477 w 3239999"/>
-              <a:gd name="connsiteY31" fmla="*/ 428517 h 3032924"/>
-              <a:gd name="connsiteX32" fmla="*/ 385229 w 3239999"/>
-              <a:gd name="connsiteY32" fmla="*/ 430441 h 3032924"/>
-              <a:gd name="connsiteX33" fmla="*/ 386326 w 3239999"/>
-              <a:gd name="connsiteY33" fmla="*/ 91100 h 3032924"/>
-              <a:gd name="connsiteX34" fmla="*/ 833935 w 3239999"/>
-              <a:gd name="connsiteY34" fmla="*/ 22 h 3032924"/>
-              <a:gd name="connsiteX0" fmla="*/ 833935 w 3239999"/>
-              <a:gd name="connsiteY0" fmla="*/ 22 h 3032924"/>
-              <a:gd name="connsiteX1" fmla="*/ 1576606 w 3239999"/>
-              <a:gd name="connsiteY1" fmla="*/ 402054 h 3032924"/>
-              <a:gd name="connsiteX2" fmla="*/ 1576606 w 3239999"/>
-              <a:gd name="connsiteY2" fmla="*/ 430441 h 3032924"/>
-              <a:gd name="connsiteX3" fmla="*/ 1576606 w 3239999"/>
-              <a:gd name="connsiteY3" fmla="*/ 526981 h 3032924"/>
-              <a:gd name="connsiteX4" fmla="*/ 1576606 w 3239999"/>
-              <a:gd name="connsiteY4" fmla="*/ 2765302 h 3032924"/>
-              <a:gd name="connsiteX5" fmla="*/ 378630 w 3239999"/>
-              <a:gd name="connsiteY5" fmla="*/ 2472117 h 3032924"/>
-              <a:gd name="connsiteX6" fmla="*/ 384918 w 3239999"/>
-              <a:gd name="connsiteY6" fmla="*/ 526981 h 3032924"/>
-              <a:gd name="connsiteX7" fmla="*/ 239143 w 3239999"/>
-              <a:gd name="connsiteY7" fmla="*/ 526981 h 3032924"/>
-              <a:gd name="connsiteX8" fmla="*/ 239143 w 3239999"/>
-              <a:gd name="connsiteY8" fmla="*/ 2776423 h 3032924"/>
-              <a:gd name="connsiteX9" fmla="*/ 1576606 w 3239999"/>
-              <a:gd name="connsiteY9" fmla="*/ 2776423 h 3032924"/>
-              <a:gd name="connsiteX10" fmla="*/ 1576606 w 3239999"/>
-              <a:gd name="connsiteY10" fmla="*/ 2778202 h 3032924"/>
-              <a:gd name="connsiteX11" fmla="*/ 1663394 w 3239999"/>
-              <a:gd name="connsiteY11" fmla="*/ 2778202 h 3032924"/>
-              <a:gd name="connsiteX12" fmla="*/ 1663394 w 3239999"/>
-              <a:gd name="connsiteY12" fmla="*/ 2776423 h 3032924"/>
-              <a:gd name="connsiteX13" fmla="*/ 3000856 w 3239999"/>
-              <a:gd name="connsiteY13" fmla="*/ 2776423 h 3032924"/>
-              <a:gd name="connsiteX14" fmla="*/ 3000856 w 3239999"/>
-              <a:gd name="connsiteY14" fmla="*/ 526981 h 3032924"/>
-              <a:gd name="connsiteX15" fmla="*/ 2855082 w 3239999"/>
-              <a:gd name="connsiteY15" fmla="*/ 526981 h 3032924"/>
-              <a:gd name="connsiteX16" fmla="*/ 2861369 w 3239999"/>
-              <a:gd name="connsiteY16" fmla="*/ 2472117 h 3032924"/>
-              <a:gd name="connsiteX17" fmla="*/ 1663394 w 3239999"/>
-              <a:gd name="connsiteY17" fmla="*/ 2765302 h 3032924"/>
-              <a:gd name="connsiteX18" fmla="*/ 1663394 w 3239999"/>
-              <a:gd name="connsiteY18" fmla="*/ 526981 h 3032924"/>
-              <a:gd name="connsiteX19" fmla="*/ 1663394 w 3239999"/>
-              <a:gd name="connsiteY19" fmla="*/ 430441 h 3032924"/>
-              <a:gd name="connsiteX20" fmla="*/ 1663394 w 3239999"/>
-              <a:gd name="connsiteY20" fmla="*/ 402054 h 3032924"/>
-              <a:gd name="connsiteX21" fmla="*/ 2406065 w 3239999"/>
-              <a:gd name="connsiteY21" fmla="*/ 22 h 3032924"/>
-              <a:gd name="connsiteX22" fmla="*/ 2853673 w 3239999"/>
-              <a:gd name="connsiteY22" fmla="*/ 91100 h 3032924"/>
-              <a:gd name="connsiteX23" fmla="*/ 2854770 w 3239999"/>
-              <a:gd name="connsiteY23" fmla="*/ 430441 h 3032924"/>
-              <a:gd name="connsiteX24" fmla="*/ 3120669 w 3239999"/>
-              <a:gd name="connsiteY24" fmla="*/ 428517 h 3032924"/>
-              <a:gd name="connsiteX25" fmla="*/ 3120669 w 3239999"/>
-              <a:gd name="connsiteY25" fmla="*/ 738345 h 3032924"/>
-              <a:gd name="connsiteX26" fmla="*/ 3239999 w 3239999"/>
-              <a:gd name="connsiteY26" fmla="*/ 738345 h 3032924"/>
-              <a:gd name="connsiteX27" fmla="*/ 3239999 w 3239999"/>
-              <a:gd name="connsiteY27" fmla="*/ 3032924 h 3032924"/>
-              <a:gd name="connsiteX28" fmla="*/ 0 w 3239999"/>
-              <a:gd name="connsiteY28" fmla="*/ 3032924 h 3032924"/>
-              <a:gd name="connsiteX29" fmla="*/ 0 w 3239999"/>
-              <a:gd name="connsiteY29" fmla="*/ 738345 h 3032924"/>
-              <a:gd name="connsiteX30" fmla="*/ 102477 w 3239999"/>
-              <a:gd name="connsiteY30" fmla="*/ 738345 h 3032924"/>
-              <a:gd name="connsiteX31" fmla="*/ 102477 w 3239999"/>
-              <a:gd name="connsiteY31" fmla="*/ 428517 h 3032924"/>
-              <a:gd name="connsiteX32" fmla="*/ 385229 w 3239999"/>
-              <a:gd name="connsiteY32" fmla="*/ 430441 h 3032924"/>
-              <a:gd name="connsiteX33" fmla="*/ 386326 w 3239999"/>
-              <a:gd name="connsiteY33" fmla="*/ 91100 h 3032924"/>
-              <a:gd name="connsiteX34" fmla="*/ 833935 w 3239999"/>
-              <a:gd name="connsiteY34" fmla="*/ 22 h 3032924"/>
-              <a:gd name="connsiteX0" fmla="*/ 833935 w 3239999"/>
-              <a:gd name="connsiteY0" fmla="*/ 22 h 3032924"/>
-              <a:gd name="connsiteX1" fmla="*/ 1576606 w 3239999"/>
-              <a:gd name="connsiteY1" fmla="*/ 402054 h 3032924"/>
-              <a:gd name="connsiteX2" fmla="*/ 1576606 w 3239999"/>
-              <a:gd name="connsiteY2" fmla="*/ 430441 h 3032924"/>
-              <a:gd name="connsiteX3" fmla="*/ 1576606 w 3239999"/>
-              <a:gd name="connsiteY3" fmla="*/ 526981 h 3032924"/>
-              <a:gd name="connsiteX4" fmla="*/ 1576606 w 3239999"/>
-              <a:gd name="connsiteY4" fmla="*/ 2765302 h 3032924"/>
-              <a:gd name="connsiteX5" fmla="*/ 378630 w 3239999"/>
-              <a:gd name="connsiteY5" fmla="*/ 2472117 h 3032924"/>
-              <a:gd name="connsiteX6" fmla="*/ 384918 w 3239999"/>
-              <a:gd name="connsiteY6" fmla="*/ 526981 h 3032924"/>
-              <a:gd name="connsiteX7" fmla="*/ 239143 w 3239999"/>
-              <a:gd name="connsiteY7" fmla="*/ 526981 h 3032924"/>
-              <a:gd name="connsiteX8" fmla="*/ 239143 w 3239999"/>
-              <a:gd name="connsiteY8" fmla="*/ 2776423 h 3032924"/>
-              <a:gd name="connsiteX9" fmla="*/ 1576606 w 3239999"/>
-              <a:gd name="connsiteY9" fmla="*/ 2776423 h 3032924"/>
-              <a:gd name="connsiteX10" fmla="*/ 1576606 w 3239999"/>
-              <a:gd name="connsiteY10" fmla="*/ 2778202 h 3032924"/>
-              <a:gd name="connsiteX11" fmla="*/ 1663394 w 3239999"/>
-              <a:gd name="connsiteY11" fmla="*/ 2778202 h 3032924"/>
-              <a:gd name="connsiteX12" fmla="*/ 1663394 w 3239999"/>
-              <a:gd name="connsiteY12" fmla="*/ 2776423 h 3032924"/>
-              <a:gd name="connsiteX13" fmla="*/ 3000856 w 3239999"/>
-              <a:gd name="connsiteY13" fmla="*/ 2776423 h 3032924"/>
-              <a:gd name="connsiteX14" fmla="*/ 3000856 w 3239999"/>
-              <a:gd name="connsiteY14" fmla="*/ 526981 h 3032924"/>
-              <a:gd name="connsiteX15" fmla="*/ 2855082 w 3239999"/>
-              <a:gd name="connsiteY15" fmla="*/ 526981 h 3032924"/>
-              <a:gd name="connsiteX16" fmla="*/ 2861369 w 3239999"/>
-              <a:gd name="connsiteY16" fmla="*/ 2472117 h 3032924"/>
-              <a:gd name="connsiteX17" fmla="*/ 1663394 w 3239999"/>
-              <a:gd name="connsiteY17" fmla="*/ 2765302 h 3032924"/>
-              <a:gd name="connsiteX18" fmla="*/ 1663394 w 3239999"/>
-              <a:gd name="connsiteY18" fmla="*/ 526981 h 3032924"/>
-              <a:gd name="connsiteX19" fmla="*/ 1663394 w 3239999"/>
-              <a:gd name="connsiteY19" fmla="*/ 430441 h 3032924"/>
-              <a:gd name="connsiteX20" fmla="*/ 1663394 w 3239999"/>
-              <a:gd name="connsiteY20" fmla="*/ 402054 h 3032924"/>
-              <a:gd name="connsiteX21" fmla="*/ 2406065 w 3239999"/>
-              <a:gd name="connsiteY21" fmla="*/ 22 h 3032924"/>
-              <a:gd name="connsiteX22" fmla="*/ 2853673 w 3239999"/>
-              <a:gd name="connsiteY22" fmla="*/ 91100 h 3032924"/>
-              <a:gd name="connsiteX23" fmla="*/ 2854770 w 3239999"/>
-              <a:gd name="connsiteY23" fmla="*/ 430441 h 3032924"/>
-              <a:gd name="connsiteX24" fmla="*/ 3120669 w 3239999"/>
-              <a:gd name="connsiteY24" fmla="*/ 428517 h 3032924"/>
-              <a:gd name="connsiteX25" fmla="*/ 3120669 w 3239999"/>
-              <a:gd name="connsiteY25" fmla="*/ 738345 h 3032924"/>
-              <a:gd name="connsiteX26" fmla="*/ 3239999 w 3239999"/>
-              <a:gd name="connsiteY26" fmla="*/ 738345 h 3032924"/>
-              <a:gd name="connsiteX27" fmla="*/ 3239999 w 3239999"/>
-              <a:gd name="connsiteY27" fmla="*/ 3032924 h 3032924"/>
-              <a:gd name="connsiteX28" fmla="*/ 0 w 3239999"/>
-              <a:gd name="connsiteY28" fmla="*/ 3032924 h 3032924"/>
-              <a:gd name="connsiteX29" fmla="*/ 0 w 3239999"/>
-              <a:gd name="connsiteY29" fmla="*/ 738345 h 3032924"/>
-              <a:gd name="connsiteX30" fmla="*/ 102477 w 3239999"/>
-              <a:gd name="connsiteY30" fmla="*/ 738345 h 3032924"/>
-              <a:gd name="connsiteX31" fmla="*/ 102477 w 3239999"/>
-              <a:gd name="connsiteY31" fmla="*/ 428517 h 3032924"/>
-              <a:gd name="connsiteX32" fmla="*/ 385229 w 3239999"/>
-              <a:gd name="connsiteY32" fmla="*/ 430441 h 3032924"/>
-              <a:gd name="connsiteX33" fmla="*/ 386326 w 3239999"/>
-              <a:gd name="connsiteY33" fmla="*/ 91100 h 3032924"/>
-              <a:gd name="connsiteX34" fmla="*/ 833935 w 3239999"/>
-              <a:gd name="connsiteY34" fmla="*/ 22 h 3032924"/>
-              <a:gd name="connsiteX0" fmla="*/ 1576606 w 3239999"/>
-              <a:gd name="connsiteY0" fmla="*/ 2778202 h 3032924"/>
-              <a:gd name="connsiteX1" fmla="*/ 1663394 w 3239999"/>
-              <a:gd name="connsiteY1" fmla="*/ 2778202 h 3032924"/>
-              <a:gd name="connsiteX2" fmla="*/ 1663394 w 3239999"/>
-              <a:gd name="connsiteY2" fmla="*/ 2776423 h 3032924"/>
-              <a:gd name="connsiteX3" fmla="*/ 3000856 w 3239999"/>
-              <a:gd name="connsiteY3" fmla="*/ 2776423 h 3032924"/>
-              <a:gd name="connsiteX4" fmla="*/ 3000856 w 3239999"/>
-              <a:gd name="connsiteY4" fmla="*/ 526981 h 3032924"/>
-              <a:gd name="connsiteX5" fmla="*/ 2855082 w 3239999"/>
-              <a:gd name="connsiteY5" fmla="*/ 526981 h 3032924"/>
-              <a:gd name="connsiteX6" fmla="*/ 2861369 w 3239999"/>
-              <a:gd name="connsiteY6" fmla="*/ 2472117 h 3032924"/>
-              <a:gd name="connsiteX7" fmla="*/ 1663394 w 3239999"/>
-              <a:gd name="connsiteY7" fmla="*/ 2765302 h 3032924"/>
-              <a:gd name="connsiteX8" fmla="*/ 1663394 w 3239999"/>
-              <a:gd name="connsiteY8" fmla="*/ 526981 h 3032924"/>
-              <a:gd name="connsiteX9" fmla="*/ 1663394 w 3239999"/>
-              <a:gd name="connsiteY9" fmla="*/ 430441 h 3032924"/>
-              <a:gd name="connsiteX10" fmla="*/ 1663394 w 3239999"/>
-              <a:gd name="connsiteY10" fmla="*/ 402054 h 3032924"/>
-              <a:gd name="connsiteX11" fmla="*/ 2406065 w 3239999"/>
-              <a:gd name="connsiteY11" fmla="*/ 22 h 3032924"/>
-              <a:gd name="connsiteX12" fmla="*/ 2853673 w 3239999"/>
-              <a:gd name="connsiteY12" fmla="*/ 91100 h 3032924"/>
-              <a:gd name="connsiteX13" fmla="*/ 2854770 w 3239999"/>
-              <a:gd name="connsiteY13" fmla="*/ 430441 h 3032924"/>
-              <a:gd name="connsiteX14" fmla="*/ 3120669 w 3239999"/>
-              <a:gd name="connsiteY14" fmla="*/ 428517 h 3032924"/>
-              <a:gd name="connsiteX15" fmla="*/ 3120669 w 3239999"/>
-              <a:gd name="connsiteY15" fmla="*/ 738345 h 3032924"/>
-              <a:gd name="connsiteX16" fmla="*/ 3239999 w 3239999"/>
-              <a:gd name="connsiteY16" fmla="*/ 738345 h 3032924"/>
-              <a:gd name="connsiteX17" fmla="*/ 3239999 w 3239999"/>
-              <a:gd name="connsiteY17" fmla="*/ 3032924 h 3032924"/>
-              <a:gd name="connsiteX18" fmla="*/ 0 w 3239999"/>
-              <a:gd name="connsiteY18" fmla="*/ 3032924 h 3032924"/>
-              <a:gd name="connsiteX19" fmla="*/ 0 w 3239999"/>
-              <a:gd name="connsiteY19" fmla="*/ 738345 h 3032924"/>
-              <a:gd name="connsiteX20" fmla="*/ 102477 w 3239999"/>
-              <a:gd name="connsiteY20" fmla="*/ 738345 h 3032924"/>
-              <a:gd name="connsiteX21" fmla="*/ 102477 w 3239999"/>
-              <a:gd name="connsiteY21" fmla="*/ 428517 h 3032924"/>
-              <a:gd name="connsiteX22" fmla="*/ 385229 w 3239999"/>
-              <a:gd name="connsiteY22" fmla="*/ 430441 h 3032924"/>
-              <a:gd name="connsiteX23" fmla="*/ 386326 w 3239999"/>
-              <a:gd name="connsiteY23" fmla="*/ 91100 h 3032924"/>
-              <a:gd name="connsiteX24" fmla="*/ 833935 w 3239999"/>
-              <a:gd name="connsiteY24" fmla="*/ 22 h 3032924"/>
-              <a:gd name="connsiteX25" fmla="*/ 1576606 w 3239999"/>
-              <a:gd name="connsiteY25" fmla="*/ 402054 h 3032924"/>
-              <a:gd name="connsiteX26" fmla="*/ 1576606 w 3239999"/>
-              <a:gd name="connsiteY26" fmla="*/ 430441 h 3032924"/>
-              <a:gd name="connsiteX27" fmla="*/ 1576606 w 3239999"/>
-              <a:gd name="connsiteY27" fmla="*/ 526981 h 3032924"/>
-              <a:gd name="connsiteX28" fmla="*/ 1576606 w 3239999"/>
-              <a:gd name="connsiteY28" fmla="*/ 2765302 h 3032924"/>
-              <a:gd name="connsiteX29" fmla="*/ 378630 w 3239999"/>
-              <a:gd name="connsiteY29" fmla="*/ 2472117 h 3032924"/>
-              <a:gd name="connsiteX30" fmla="*/ 384918 w 3239999"/>
-              <a:gd name="connsiteY30" fmla="*/ 526981 h 3032924"/>
-              <a:gd name="connsiteX31" fmla="*/ 239143 w 3239999"/>
-              <a:gd name="connsiteY31" fmla="*/ 526981 h 3032924"/>
-              <a:gd name="connsiteX32" fmla="*/ 239143 w 3239999"/>
-              <a:gd name="connsiteY32" fmla="*/ 2776423 h 3032924"/>
-              <a:gd name="connsiteX33" fmla="*/ 1576606 w 3239999"/>
-              <a:gd name="connsiteY33" fmla="*/ 2776423 h 3032924"/>
-              <a:gd name="connsiteX34" fmla="*/ 1668046 w 3239999"/>
-              <a:gd name="connsiteY34" fmla="*/ 2869642 h 3032924"/>
-              <a:gd name="connsiteX0" fmla="*/ 1576606 w 3239999"/>
-              <a:gd name="connsiteY0" fmla="*/ 2778202 h 3032924"/>
-              <a:gd name="connsiteX1" fmla="*/ 1663394 w 3239999"/>
-              <a:gd name="connsiteY1" fmla="*/ 2778202 h 3032924"/>
-              <a:gd name="connsiteX2" fmla="*/ 1663394 w 3239999"/>
-              <a:gd name="connsiteY2" fmla="*/ 2776423 h 3032924"/>
-              <a:gd name="connsiteX3" fmla="*/ 3000856 w 3239999"/>
-              <a:gd name="connsiteY3" fmla="*/ 2776423 h 3032924"/>
-              <a:gd name="connsiteX4" fmla="*/ 3000856 w 3239999"/>
-              <a:gd name="connsiteY4" fmla="*/ 526981 h 3032924"/>
-              <a:gd name="connsiteX5" fmla="*/ 2855082 w 3239999"/>
-              <a:gd name="connsiteY5" fmla="*/ 526981 h 3032924"/>
-              <a:gd name="connsiteX6" fmla="*/ 2861369 w 3239999"/>
-              <a:gd name="connsiteY6" fmla="*/ 2472117 h 3032924"/>
-              <a:gd name="connsiteX7" fmla="*/ 1663394 w 3239999"/>
-              <a:gd name="connsiteY7" fmla="*/ 2765302 h 3032924"/>
-              <a:gd name="connsiteX8" fmla="*/ 1663394 w 3239999"/>
-              <a:gd name="connsiteY8" fmla="*/ 526981 h 3032924"/>
-              <a:gd name="connsiteX9" fmla="*/ 1663394 w 3239999"/>
-              <a:gd name="connsiteY9" fmla="*/ 430441 h 3032924"/>
-              <a:gd name="connsiteX10" fmla="*/ 1663394 w 3239999"/>
-              <a:gd name="connsiteY10" fmla="*/ 402054 h 3032924"/>
-              <a:gd name="connsiteX11" fmla="*/ 2406065 w 3239999"/>
-              <a:gd name="connsiteY11" fmla="*/ 22 h 3032924"/>
-              <a:gd name="connsiteX12" fmla="*/ 2853673 w 3239999"/>
-              <a:gd name="connsiteY12" fmla="*/ 91100 h 3032924"/>
-              <a:gd name="connsiteX13" fmla="*/ 2854770 w 3239999"/>
-              <a:gd name="connsiteY13" fmla="*/ 430441 h 3032924"/>
-              <a:gd name="connsiteX14" fmla="*/ 3120669 w 3239999"/>
-              <a:gd name="connsiteY14" fmla="*/ 428517 h 3032924"/>
-              <a:gd name="connsiteX15" fmla="*/ 3120669 w 3239999"/>
-              <a:gd name="connsiteY15" fmla="*/ 738345 h 3032924"/>
-              <a:gd name="connsiteX16" fmla="*/ 3239999 w 3239999"/>
-              <a:gd name="connsiteY16" fmla="*/ 738345 h 3032924"/>
-              <a:gd name="connsiteX17" fmla="*/ 3239999 w 3239999"/>
-              <a:gd name="connsiteY17" fmla="*/ 3032924 h 3032924"/>
-              <a:gd name="connsiteX18" fmla="*/ 0 w 3239999"/>
-              <a:gd name="connsiteY18" fmla="*/ 3032924 h 3032924"/>
-              <a:gd name="connsiteX19" fmla="*/ 0 w 3239999"/>
-              <a:gd name="connsiteY19" fmla="*/ 738345 h 3032924"/>
-              <a:gd name="connsiteX20" fmla="*/ 102477 w 3239999"/>
-              <a:gd name="connsiteY20" fmla="*/ 738345 h 3032924"/>
-              <a:gd name="connsiteX21" fmla="*/ 102477 w 3239999"/>
-              <a:gd name="connsiteY21" fmla="*/ 428517 h 3032924"/>
-              <a:gd name="connsiteX22" fmla="*/ 385229 w 3239999"/>
-              <a:gd name="connsiteY22" fmla="*/ 430441 h 3032924"/>
-              <a:gd name="connsiteX23" fmla="*/ 386326 w 3239999"/>
-              <a:gd name="connsiteY23" fmla="*/ 91100 h 3032924"/>
-              <a:gd name="connsiteX24" fmla="*/ 833935 w 3239999"/>
-              <a:gd name="connsiteY24" fmla="*/ 22 h 3032924"/>
-              <a:gd name="connsiteX25" fmla="*/ 1576606 w 3239999"/>
-              <a:gd name="connsiteY25" fmla="*/ 402054 h 3032924"/>
-              <a:gd name="connsiteX26" fmla="*/ 1576606 w 3239999"/>
-              <a:gd name="connsiteY26" fmla="*/ 430441 h 3032924"/>
-              <a:gd name="connsiteX27" fmla="*/ 1576606 w 3239999"/>
-              <a:gd name="connsiteY27" fmla="*/ 526981 h 3032924"/>
-              <a:gd name="connsiteX28" fmla="*/ 1576606 w 3239999"/>
-              <a:gd name="connsiteY28" fmla="*/ 2765302 h 3032924"/>
-              <a:gd name="connsiteX29" fmla="*/ 378630 w 3239999"/>
-              <a:gd name="connsiteY29" fmla="*/ 2472117 h 3032924"/>
-              <a:gd name="connsiteX30" fmla="*/ 384918 w 3239999"/>
-              <a:gd name="connsiteY30" fmla="*/ 526981 h 3032924"/>
-              <a:gd name="connsiteX31" fmla="*/ 239143 w 3239999"/>
-              <a:gd name="connsiteY31" fmla="*/ 526981 h 3032924"/>
-              <a:gd name="connsiteX32" fmla="*/ 239143 w 3239999"/>
-              <a:gd name="connsiteY32" fmla="*/ 2776423 h 3032924"/>
-              <a:gd name="connsiteX33" fmla="*/ 1576606 w 3239999"/>
-              <a:gd name="connsiteY33" fmla="*/ 2776423 h 3032924"/>
-              <a:gd name="connsiteX34" fmla="*/ 1668046 w 3239999"/>
-              <a:gd name="connsiteY34" fmla="*/ 2869642 h 3032924"/>
-              <a:gd name="connsiteX0" fmla="*/ 1576606 w 3239999"/>
-              <a:gd name="connsiteY0" fmla="*/ 2778202 h 3032924"/>
-              <a:gd name="connsiteX1" fmla="*/ 1663394 w 3239999"/>
-              <a:gd name="connsiteY1" fmla="*/ 2778202 h 3032924"/>
-              <a:gd name="connsiteX2" fmla="*/ 1663394 w 3239999"/>
-              <a:gd name="connsiteY2" fmla="*/ 2776423 h 3032924"/>
-              <a:gd name="connsiteX3" fmla="*/ 3000856 w 3239999"/>
-              <a:gd name="connsiteY3" fmla="*/ 2776423 h 3032924"/>
-              <a:gd name="connsiteX4" fmla="*/ 3000856 w 3239999"/>
-              <a:gd name="connsiteY4" fmla="*/ 526981 h 3032924"/>
-              <a:gd name="connsiteX5" fmla="*/ 2855082 w 3239999"/>
-              <a:gd name="connsiteY5" fmla="*/ 526981 h 3032924"/>
-              <a:gd name="connsiteX6" fmla="*/ 2861369 w 3239999"/>
-              <a:gd name="connsiteY6" fmla="*/ 2472117 h 3032924"/>
-              <a:gd name="connsiteX7" fmla="*/ 1663394 w 3239999"/>
-              <a:gd name="connsiteY7" fmla="*/ 2765302 h 3032924"/>
-              <a:gd name="connsiteX8" fmla="*/ 1663394 w 3239999"/>
-              <a:gd name="connsiteY8" fmla="*/ 526981 h 3032924"/>
-              <a:gd name="connsiteX9" fmla="*/ 1663394 w 3239999"/>
-              <a:gd name="connsiteY9" fmla="*/ 430441 h 3032924"/>
-              <a:gd name="connsiteX10" fmla="*/ 1663394 w 3239999"/>
-              <a:gd name="connsiteY10" fmla="*/ 402054 h 3032924"/>
-              <a:gd name="connsiteX11" fmla="*/ 2406065 w 3239999"/>
-              <a:gd name="connsiteY11" fmla="*/ 22 h 3032924"/>
-              <a:gd name="connsiteX12" fmla="*/ 2853673 w 3239999"/>
-              <a:gd name="connsiteY12" fmla="*/ 91100 h 3032924"/>
-              <a:gd name="connsiteX13" fmla="*/ 2854770 w 3239999"/>
-              <a:gd name="connsiteY13" fmla="*/ 430441 h 3032924"/>
-              <a:gd name="connsiteX14" fmla="*/ 3120669 w 3239999"/>
-              <a:gd name="connsiteY14" fmla="*/ 428517 h 3032924"/>
-              <a:gd name="connsiteX15" fmla="*/ 3120669 w 3239999"/>
-              <a:gd name="connsiteY15" fmla="*/ 738345 h 3032924"/>
-              <a:gd name="connsiteX16" fmla="*/ 3239999 w 3239999"/>
-              <a:gd name="connsiteY16" fmla="*/ 738345 h 3032924"/>
-              <a:gd name="connsiteX17" fmla="*/ 3239999 w 3239999"/>
-              <a:gd name="connsiteY17" fmla="*/ 3032924 h 3032924"/>
-              <a:gd name="connsiteX18" fmla="*/ 0 w 3239999"/>
-              <a:gd name="connsiteY18" fmla="*/ 3032924 h 3032924"/>
-              <a:gd name="connsiteX19" fmla="*/ 0 w 3239999"/>
-              <a:gd name="connsiteY19" fmla="*/ 738345 h 3032924"/>
-              <a:gd name="connsiteX20" fmla="*/ 102477 w 3239999"/>
-              <a:gd name="connsiteY20" fmla="*/ 738345 h 3032924"/>
-              <a:gd name="connsiteX21" fmla="*/ 102477 w 3239999"/>
-              <a:gd name="connsiteY21" fmla="*/ 428517 h 3032924"/>
-              <a:gd name="connsiteX22" fmla="*/ 385229 w 3239999"/>
-              <a:gd name="connsiteY22" fmla="*/ 430441 h 3032924"/>
-              <a:gd name="connsiteX23" fmla="*/ 386326 w 3239999"/>
-              <a:gd name="connsiteY23" fmla="*/ 91100 h 3032924"/>
-              <a:gd name="connsiteX24" fmla="*/ 833935 w 3239999"/>
-              <a:gd name="connsiteY24" fmla="*/ 22 h 3032924"/>
-              <a:gd name="connsiteX25" fmla="*/ 1576606 w 3239999"/>
-              <a:gd name="connsiteY25" fmla="*/ 402054 h 3032924"/>
-              <a:gd name="connsiteX26" fmla="*/ 1576606 w 3239999"/>
-              <a:gd name="connsiteY26" fmla="*/ 430441 h 3032924"/>
-              <a:gd name="connsiteX27" fmla="*/ 1576606 w 3239999"/>
-              <a:gd name="connsiteY27" fmla="*/ 526981 h 3032924"/>
-              <a:gd name="connsiteX28" fmla="*/ 1576606 w 3239999"/>
-              <a:gd name="connsiteY28" fmla="*/ 2765302 h 3032924"/>
-              <a:gd name="connsiteX29" fmla="*/ 378630 w 3239999"/>
-              <a:gd name="connsiteY29" fmla="*/ 2472117 h 3032924"/>
-              <a:gd name="connsiteX30" fmla="*/ 384918 w 3239999"/>
-              <a:gd name="connsiteY30" fmla="*/ 526981 h 3032924"/>
-              <a:gd name="connsiteX31" fmla="*/ 239143 w 3239999"/>
-              <a:gd name="connsiteY31" fmla="*/ 526981 h 3032924"/>
-              <a:gd name="connsiteX32" fmla="*/ 239143 w 3239999"/>
-              <a:gd name="connsiteY32" fmla="*/ 2776423 h 3032924"/>
-              <a:gd name="connsiteX33" fmla="*/ 1576606 w 3239999"/>
-              <a:gd name="connsiteY33" fmla="*/ 2776423 h 3032924"/>
-              <a:gd name="connsiteX34" fmla="*/ 1668046 w 3239999"/>
-              <a:gd name="connsiteY34" fmla="*/ 2869642 h 3032924"/>
-              <a:gd name="connsiteX0" fmla="*/ 1576606 w 3239999"/>
-              <a:gd name="connsiteY0" fmla="*/ 2778202 h 3032924"/>
-              <a:gd name="connsiteX1" fmla="*/ 1663394 w 3239999"/>
-              <a:gd name="connsiteY1" fmla="*/ 2778202 h 3032924"/>
-              <a:gd name="connsiteX2" fmla="*/ 1663394 w 3239999"/>
-              <a:gd name="connsiteY2" fmla="*/ 2776423 h 3032924"/>
-              <a:gd name="connsiteX3" fmla="*/ 3000856 w 3239999"/>
-              <a:gd name="connsiteY3" fmla="*/ 2776423 h 3032924"/>
-              <a:gd name="connsiteX4" fmla="*/ 3000856 w 3239999"/>
-              <a:gd name="connsiteY4" fmla="*/ 526981 h 3032924"/>
-              <a:gd name="connsiteX5" fmla="*/ 2855082 w 3239999"/>
-              <a:gd name="connsiteY5" fmla="*/ 526981 h 3032924"/>
-              <a:gd name="connsiteX6" fmla="*/ 2861369 w 3239999"/>
-              <a:gd name="connsiteY6" fmla="*/ 2472117 h 3032924"/>
-              <a:gd name="connsiteX7" fmla="*/ 1663394 w 3239999"/>
-              <a:gd name="connsiteY7" fmla="*/ 2765302 h 3032924"/>
-              <a:gd name="connsiteX8" fmla="*/ 1663394 w 3239999"/>
-              <a:gd name="connsiteY8" fmla="*/ 526981 h 3032924"/>
-              <a:gd name="connsiteX9" fmla="*/ 1663394 w 3239999"/>
-              <a:gd name="connsiteY9" fmla="*/ 430441 h 3032924"/>
-              <a:gd name="connsiteX10" fmla="*/ 1663394 w 3239999"/>
-              <a:gd name="connsiteY10" fmla="*/ 402054 h 3032924"/>
-              <a:gd name="connsiteX11" fmla="*/ 2406065 w 3239999"/>
-              <a:gd name="connsiteY11" fmla="*/ 22 h 3032924"/>
-              <a:gd name="connsiteX12" fmla="*/ 2853673 w 3239999"/>
-              <a:gd name="connsiteY12" fmla="*/ 91100 h 3032924"/>
-              <a:gd name="connsiteX13" fmla="*/ 2854770 w 3239999"/>
-              <a:gd name="connsiteY13" fmla="*/ 430441 h 3032924"/>
-              <a:gd name="connsiteX14" fmla="*/ 3120669 w 3239999"/>
-              <a:gd name="connsiteY14" fmla="*/ 428517 h 3032924"/>
-              <a:gd name="connsiteX15" fmla="*/ 3120669 w 3239999"/>
-              <a:gd name="connsiteY15" fmla="*/ 738345 h 3032924"/>
-              <a:gd name="connsiteX16" fmla="*/ 3239999 w 3239999"/>
-              <a:gd name="connsiteY16" fmla="*/ 738345 h 3032924"/>
-              <a:gd name="connsiteX17" fmla="*/ 3239999 w 3239999"/>
-              <a:gd name="connsiteY17" fmla="*/ 3032924 h 3032924"/>
-              <a:gd name="connsiteX18" fmla="*/ 0 w 3239999"/>
-              <a:gd name="connsiteY18" fmla="*/ 3032924 h 3032924"/>
-              <a:gd name="connsiteX19" fmla="*/ 0 w 3239999"/>
-              <a:gd name="connsiteY19" fmla="*/ 738345 h 3032924"/>
-              <a:gd name="connsiteX20" fmla="*/ 102477 w 3239999"/>
-              <a:gd name="connsiteY20" fmla="*/ 738345 h 3032924"/>
-              <a:gd name="connsiteX21" fmla="*/ 102477 w 3239999"/>
-              <a:gd name="connsiteY21" fmla="*/ 428517 h 3032924"/>
-              <a:gd name="connsiteX22" fmla="*/ 385229 w 3239999"/>
-              <a:gd name="connsiteY22" fmla="*/ 430441 h 3032924"/>
-              <a:gd name="connsiteX23" fmla="*/ 386326 w 3239999"/>
-              <a:gd name="connsiteY23" fmla="*/ 91100 h 3032924"/>
-              <a:gd name="connsiteX24" fmla="*/ 833935 w 3239999"/>
-              <a:gd name="connsiteY24" fmla="*/ 22 h 3032924"/>
-              <a:gd name="connsiteX25" fmla="*/ 1576606 w 3239999"/>
-              <a:gd name="connsiteY25" fmla="*/ 402054 h 3032924"/>
-              <a:gd name="connsiteX26" fmla="*/ 1576606 w 3239999"/>
-              <a:gd name="connsiteY26" fmla="*/ 430441 h 3032924"/>
-              <a:gd name="connsiteX27" fmla="*/ 1576606 w 3239999"/>
-              <a:gd name="connsiteY27" fmla="*/ 526981 h 3032924"/>
-              <a:gd name="connsiteX28" fmla="*/ 1576606 w 3239999"/>
-              <a:gd name="connsiteY28" fmla="*/ 2765302 h 3032924"/>
-              <a:gd name="connsiteX29" fmla="*/ 378630 w 3239999"/>
-              <a:gd name="connsiteY29" fmla="*/ 2472117 h 3032924"/>
-              <a:gd name="connsiteX30" fmla="*/ 384918 w 3239999"/>
-              <a:gd name="connsiteY30" fmla="*/ 526981 h 3032924"/>
-              <a:gd name="connsiteX31" fmla="*/ 239143 w 3239999"/>
-              <a:gd name="connsiteY31" fmla="*/ 526981 h 3032924"/>
-              <a:gd name="connsiteX32" fmla="*/ 239143 w 3239999"/>
-              <a:gd name="connsiteY32" fmla="*/ 2776423 h 3032924"/>
-              <a:gd name="connsiteX33" fmla="*/ 1576606 w 3239999"/>
-              <a:gd name="connsiteY33" fmla="*/ 2776423 h 3032924"/>
-              <a:gd name="connsiteX34" fmla="*/ 1668046 w 3239999"/>
-              <a:gd name="connsiteY34" fmla="*/ 2869642 h 3032924"/>
-              <a:gd name="connsiteX0" fmla="*/ 1576606 w 3239999"/>
-              <a:gd name="connsiteY0" fmla="*/ 2778202 h 3032924"/>
-              <a:gd name="connsiteX1" fmla="*/ 1663394 w 3239999"/>
-              <a:gd name="connsiteY1" fmla="*/ 2778202 h 3032924"/>
-              <a:gd name="connsiteX2" fmla="*/ 1663394 w 3239999"/>
-              <a:gd name="connsiteY2" fmla="*/ 2776423 h 3032924"/>
-              <a:gd name="connsiteX3" fmla="*/ 3000856 w 3239999"/>
-              <a:gd name="connsiteY3" fmla="*/ 2776423 h 3032924"/>
-              <a:gd name="connsiteX4" fmla="*/ 3000856 w 3239999"/>
-              <a:gd name="connsiteY4" fmla="*/ 526981 h 3032924"/>
-              <a:gd name="connsiteX5" fmla="*/ 2855082 w 3239999"/>
-              <a:gd name="connsiteY5" fmla="*/ 526981 h 3032924"/>
-              <a:gd name="connsiteX6" fmla="*/ 2861369 w 3239999"/>
-              <a:gd name="connsiteY6" fmla="*/ 2472117 h 3032924"/>
-              <a:gd name="connsiteX7" fmla="*/ 1663394 w 3239999"/>
-              <a:gd name="connsiteY7" fmla="*/ 2765302 h 3032924"/>
-              <a:gd name="connsiteX8" fmla="*/ 1663394 w 3239999"/>
-              <a:gd name="connsiteY8" fmla="*/ 526981 h 3032924"/>
-              <a:gd name="connsiteX9" fmla="*/ 1663394 w 3239999"/>
-              <a:gd name="connsiteY9" fmla="*/ 430441 h 3032924"/>
-              <a:gd name="connsiteX10" fmla="*/ 1663394 w 3239999"/>
-              <a:gd name="connsiteY10" fmla="*/ 402054 h 3032924"/>
-              <a:gd name="connsiteX11" fmla="*/ 2406065 w 3239999"/>
-              <a:gd name="connsiteY11" fmla="*/ 22 h 3032924"/>
-              <a:gd name="connsiteX12" fmla="*/ 2853673 w 3239999"/>
-              <a:gd name="connsiteY12" fmla="*/ 91100 h 3032924"/>
-              <a:gd name="connsiteX13" fmla="*/ 2854770 w 3239999"/>
-              <a:gd name="connsiteY13" fmla="*/ 430441 h 3032924"/>
-              <a:gd name="connsiteX14" fmla="*/ 3120669 w 3239999"/>
-              <a:gd name="connsiteY14" fmla="*/ 428517 h 3032924"/>
-              <a:gd name="connsiteX15" fmla="*/ 3120669 w 3239999"/>
-              <a:gd name="connsiteY15" fmla="*/ 738345 h 3032924"/>
-              <a:gd name="connsiteX16" fmla="*/ 3239999 w 3239999"/>
-              <a:gd name="connsiteY16" fmla="*/ 738345 h 3032924"/>
-              <a:gd name="connsiteX17" fmla="*/ 3239999 w 3239999"/>
-              <a:gd name="connsiteY17" fmla="*/ 3032924 h 3032924"/>
-              <a:gd name="connsiteX18" fmla="*/ 0 w 3239999"/>
-              <a:gd name="connsiteY18" fmla="*/ 3032924 h 3032924"/>
-              <a:gd name="connsiteX19" fmla="*/ 0 w 3239999"/>
-              <a:gd name="connsiteY19" fmla="*/ 738345 h 3032924"/>
-              <a:gd name="connsiteX20" fmla="*/ 102477 w 3239999"/>
-              <a:gd name="connsiteY20" fmla="*/ 738345 h 3032924"/>
-              <a:gd name="connsiteX21" fmla="*/ 102477 w 3239999"/>
-              <a:gd name="connsiteY21" fmla="*/ 428517 h 3032924"/>
-              <a:gd name="connsiteX22" fmla="*/ 385229 w 3239999"/>
-              <a:gd name="connsiteY22" fmla="*/ 430441 h 3032924"/>
-              <a:gd name="connsiteX23" fmla="*/ 386326 w 3239999"/>
-              <a:gd name="connsiteY23" fmla="*/ 91100 h 3032924"/>
-              <a:gd name="connsiteX24" fmla="*/ 833935 w 3239999"/>
-              <a:gd name="connsiteY24" fmla="*/ 22 h 3032924"/>
-              <a:gd name="connsiteX25" fmla="*/ 1576606 w 3239999"/>
-              <a:gd name="connsiteY25" fmla="*/ 402054 h 3032924"/>
-              <a:gd name="connsiteX26" fmla="*/ 1576606 w 3239999"/>
-              <a:gd name="connsiteY26" fmla="*/ 430441 h 3032924"/>
-              <a:gd name="connsiteX27" fmla="*/ 1576606 w 3239999"/>
-              <a:gd name="connsiteY27" fmla="*/ 526981 h 3032924"/>
-              <a:gd name="connsiteX28" fmla="*/ 1576606 w 3239999"/>
-              <a:gd name="connsiteY28" fmla="*/ 2765302 h 3032924"/>
-              <a:gd name="connsiteX29" fmla="*/ 378630 w 3239999"/>
-              <a:gd name="connsiteY29" fmla="*/ 2472117 h 3032924"/>
-              <a:gd name="connsiteX30" fmla="*/ 384918 w 3239999"/>
-              <a:gd name="connsiteY30" fmla="*/ 526981 h 3032924"/>
-              <a:gd name="connsiteX31" fmla="*/ 239143 w 3239999"/>
-              <a:gd name="connsiteY31" fmla="*/ 526981 h 3032924"/>
-              <a:gd name="connsiteX32" fmla="*/ 239143 w 3239999"/>
-              <a:gd name="connsiteY32" fmla="*/ 2776423 h 3032924"/>
-              <a:gd name="connsiteX33" fmla="*/ 1576606 w 3239999"/>
-              <a:gd name="connsiteY33" fmla="*/ 2776423 h 3032924"/>
-              <a:gd name="connsiteX34" fmla="*/ 1668046 w 3239999"/>
-              <a:gd name="connsiteY34" fmla="*/ 2869642 h 3032924"/>
-              <a:gd name="connsiteX0" fmla="*/ 1576606 w 3239999"/>
-              <a:gd name="connsiteY0" fmla="*/ 2778202 h 3032924"/>
-              <a:gd name="connsiteX1" fmla="*/ 1663394 w 3239999"/>
-              <a:gd name="connsiteY1" fmla="*/ 2778202 h 3032924"/>
-              <a:gd name="connsiteX2" fmla="*/ 1663394 w 3239999"/>
-              <a:gd name="connsiteY2" fmla="*/ 2776423 h 3032924"/>
-              <a:gd name="connsiteX3" fmla="*/ 3000856 w 3239999"/>
-              <a:gd name="connsiteY3" fmla="*/ 2776423 h 3032924"/>
-              <a:gd name="connsiteX4" fmla="*/ 3000856 w 3239999"/>
-              <a:gd name="connsiteY4" fmla="*/ 526981 h 3032924"/>
-              <a:gd name="connsiteX5" fmla="*/ 2855082 w 3239999"/>
-              <a:gd name="connsiteY5" fmla="*/ 526981 h 3032924"/>
-              <a:gd name="connsiteX6" fmla="*/ 2861369 w 3239999"/>
-              <a:gd name="connsiteY6" fmla="*/ 2472117 h 3032924"/>
-              <a:gd name="connsiteX7" fmla="*/ 1663394 w 3239999"/>
-              <a:gd name="connsiteY7" fmla="*/ 2765302 h 3032924"/>
-              <a:gd name="connsiteX8" fmla="*/ 1663394 w 3239999"/>
-              <a:gd name="connsiteY8" fmla="*/ 526981 h 3032924"/>
-              <a:gd name="connsiteX9" fmla="*/ 1663394 w 3239999"/>
-              <a:gd name="connsiteY9" fmla="*/ 430441 h 3032924"/>
-              <a:gd name="connsiteX10" fmla="*/ 1663394 w 3239999"/>
-              <a:gd name="connsiteY10" fmla="*/ 402054 h 3032924"/>
-              <a:gd name="connsiteX11" fmla="*/ 2406065 w 3239999"/>
-              <a:gd name="connsiteY11" fmla="*/ 22 h 3032924"/>
-              <a:gd name="connsiteX12" fmla="*/ 2853673 w 3239999"/>
-              <a:gd name="connsiteY12" fmla="*/ 91100 h 3032924"/>
-              <a:gd name="connsiteX13" fmla="*/ 2854770 w 3239999"/>
-              <a:gd name="connsiteY13" fmla="*/ 430441 h 3032924"/>
-              <a:gd name="connsiteX14" fmla="*/ 3120669 w 3239999"/>
-              <a:gd name="connsiteY14" fmla="*/ 428517 h 3032924"/>
-              <a:gd name="connsiteX15" fmla="*/ 3120669 w 3239999"/>
-              <a:gd name="connsiteY15" fmla="*/ 738345 h 3032924"/>
-              <a:gd name="connsiteX16" fmla="*/ 3239999 w 3239999"/>
-              <a:gd name="connsiteY16" fmla="*/ 738345 h 3032924"/>
-              <a:gd name="connsiteX17" fmla="*/ 3239999 w 3239999"/>
-              <a:gd name="connsiteY17" fmla="*/ 3032924 h 3032924"/>
-              <a:gd name="connsiteX18" fmla="*/ 0 w 3239999"/>
-              <a:gd name="connsiteY18" fmla="*/ 3032924 h 3032924"/>
-              <a:gd name="connsiteX19" fmla="*/ 0 w 3239999"/>
-              <a:gd name="connsiteY19" fmla="*/ 738345 h 3032924"/>
-              <a:gd name="connsiteX20" fmla="*/ 102477 w 3239999"/>
-              <a:gd name="connsiteY20" fmla="*/ 738345 h 3032924"/>
-              <a:gd name="connsiteX21" fmla="*/ 102477 w 3239999"/>
-              <a:gd name="connsiteY21" fmla="*/ 428517 h 3032924"/>
-              <a:gd name="connsiteX22" fmla="*/ 385229 w 3239999"/>
-              <a:gd name="connsiteY22" fmla="*/ 430441 h 3032924"/>
-              <a:gd name="connsiteX23" fmla="*/ 386326 w 3239999"/>
-              <a:gd name="connsiteY23" fmla="*/ 91100 h 3032924"/>
-              <a:gd name="connsiteX24" fmla="*/ 833935 w 3239999"/>
-              <a:gd name="connsiteY24" fmla="*/ 22 h 3032924"/>
-              <a:gd name="connsiteX25" fmla="*/ 1576606 w 3239999"/>
-              <a:gd name="connsiteY25" fmla="*/ 402054 h 3032924"/>
-              <a:gd name="connsiteX26" fmla="*/ 1576606 w 3239999"/>
-              <a:gd name="connsiteY26" fmla="*/ 430441 h 3032924"/>
-              <a:gd name="connsiteX27" fmla="*/ 1576606 w 3239999"/>
-              <a:gd name="connsiteY27" fmla="*/ 526981 h 3032924"/>
-              <a:gd name="connsiteX28" fmla="*/ 1576606 w 3239999"/>
-              <a:gd name="connsiteY28" fmla="*/ 2765302 h 3032924"/>
-              <a:gd name="connsiteX29" fmla="*/ 378630 w 3239999"/>
-              <a:gd name="connsiteY29" fmla="*/ 2472117 h 3032924"/>
-              <a:gd name="connsiteX30" fmla="*/ 384918 w 3239999"/>
-              <a:gd name="connsiteY30" fmla="*/ 526981 h 3032924"/>
-              <a:gd name="connsiteX31" fmla="*/ 239143 w 3239999"/>
-              <a:gd name="connsiteY31" fmla="*/ 526981 h 3032924"/>
-              <a:gd name="connsiteX32" fmla="*/ 239143 w 3239999"/>
-              <a:gd name="connsiteY32" fmla="*/ 2776423 h 3032924"/>
-              <a:gd name="connsiteX33" fmla="*/ 1576606 w 3239999"/>
-              <a:gd name="connsiteY33" fmla="*/ 2776423 h 3032924"/>
-              <a:gd name="connsiteX34" fmla="*/ 1668046 w 3239999"/>
-              <a:gd name="connsiteY34" fmla="*/ 2869642 h 3032924"/>
-              <a:gd name="connsiteX0" fmla="*/ 1576606 w 3239999"/>
-              <a:gd name="connsiteY0" fmla="*/ 2778202 h 3032924"/>
-              <a:gd name="connsiteX1" fmla="*/ 1663394 w 3239999"/>
-              <a:gd name="connsiteY1" fmla="*/ 2778202 h 3032924"/>
-              <a:gd name="connsiteX2" fmla="*/ 1663394 w 3239999"/>
-              <a:gd name="connsiteY2" fmla="*/ 2776423 h 3032924"/>
-              <a:gd name="connsiteX3" fmla="*/ 3000856 w 3239999"/>
-              <a:gd name="connsiteY3" fmla="*/ 2776423 h 3032924"/>
-              <a:gd name="connsiteX4" fmla="*/ 3000856 w 3239999"/>
-              <a:gd name="connsiteY4" fmla="*/ 526981 h 3032924"/>
-              <a:gd name="connsiteX5" fmla="*/ 2855082 w 3239999"/>
-              <a:gd name="connsiteY5" fmla="*/ 526981 h 3032924"/>
-              <a:gd name="connsiteX6" fmla="*/ 2861369 w 3239999"/>
-              <a:gd name="connsiteY6" fmla="*/ 2472117 h 3032924"/>
-              <a:gd name="connsiteX7" fmla="*/ 1663394 w 3239999"/>
-              <a:gd name="connsiteY7" fmla="*/ 2765302 h 3032924"/>
-              <a:gd name="connsiteX8" fmla="*/ 1663394 w 3239999"/>
-              <a:gd name="connsiteY8" fmla="*/ 526981 h 3032924"/>
-              <a:gd name="connsiteX9" fmla="*/ 1663394 w 3239999"/>
-              <a:gd name="connsiteY9" fmla="*/ 430441 h 3032924"/>
-              <a:gd name="connsiteX10" fmla="*/ 1663394 w 3239999"/>
-              <a:gd name="connsiteY10" fmla="*/ 402054 h 3032924"/>
-              <a:gd name="connsiteX11" fmla="*/ 2406065 w 3239999"/>
-              <a:gd name="connsiteY11" fmla="*/ 22 h 3032924"/>
-              <a:gd name="connsiteX12" fmla="*/ 2853673 w 3239999"/>
-              <a:gd name="connsiteY12" fmla="*/ 91100 h 3032924"/>
-              <a:gd name="connsiteX13" fmla="*/ 2854770 w 3239999"/>
-              <a:gd name="connsiteY13" fmla="*/ 430441 h 3032924"/>
-              <a:gd name="connsiteX14" fmla="*/ 3120669 w 3239999"/>
-              <a:gd name="connsiteY14" fmla="*/ 428517 h 3032924"/>
-              <a:gd name="connsiteX15" fmla="*/ 3120669 w 3239999"/>
-              <a:gd name="connsiteY15" fmla="*/ 738345 h 3032924"/>
-              <a:gd name="connsiteX16" fmla="*/ 3239999 w 3239999"/>
-              <a:gd name="connsiteY16" fmla="*/ 738345 h 3032924"/>
-              <a:gd name="connsiteX17" fmla="*/ 3239999 w 3239999"/>
-              <a:gd name="connsiteY17" fmla="*/ 3032924 h 3032924"/>
-              <a:gd name="connsiteX18" fmla="*/ 0 w 3239999"/>
-              <a:gd name="connsiteY18" fmla="*/ 3032924 h 3032924"/>
-              <a:gd name="connsiteX19" fmla="*/ 0 w 3239999"/>
-              <a:gd name="connsiteY19" fmla="*/ 738345 h 3032924"/>
-              <a:gd name="connsiteX20" fmla="*/ 102477 w 3239999"/>
-              <a:gd name="connsiteY20" fmla="*/ 738345 h 3032924"/>
-              <a:gd name="connsiteX21" fmla="*/ 102477 w 3239999"/>
-              <a:gd name="connsiteY21" fmla="*/ 428517 h 3032924"/>
-              <a:gd name="connsiteX22" fmla="*/ 385229 w 3239999"/>
-              <a:gd name="connsiteY22" fmla="*/ 430441 h 3032924"/>
-              <a:gd name="connsiteX23" fmla="*/ 386326 w 3239999"/>
-              <a:gd name="connsiteY23" fmla="*/ 91100 h 3032924"/>
-              <a:gd name="connsiteX24" fmla="*/ 833935 w 3239999"/>
-              <a:gd name="connsiteY24" fmla="*/ 22 h 3032924"/>
-              <a:gd name="connsiteX25" fmla="*/ 1576606 w 3239999"/>
-              <a:gd name="connsiteY25" fmla="*/ 402054 h 3032924"/>
-              <a:gd name="connsiteX26" fmla="*/ 1576606 w 3239999"/>
-              <a:gd name="connsiteY26" fmla="*/ 430441 h 3032924"/>
-              <a:gd name="connsiteX27" fmla="*/ 1576606 w 3239999"/>
-              <a:gd name="connsiteY27" fmla="*/ 526981 h 3032924"/>
-              <a:gd name="connsiteX28" fmla="*/ 1576606 w 3239999"/>
-              <a:gd name="connsiteY28" fmla="*/ 2765302 h 3032924"/>
-              <a:gd name="connsiteX29" fmla="*/ 378630 w 3239999"/>
-              <a:gd name="connsiteY29" fmla="*/ 2472117 h 3032924"/>
-              <a:gd name="connsiteX30" fmla="*/ 384918 w 3239999"/>
-              <a:gd name="connsiteY30" fmla="*/ 526981 h 3032924"/>
-              <a:gd name="connsiteX31" fmla="*/ 239143 w 3239999"/>
-              <a:gd name="connsiteY31" fmla="*/ 526981 h 3032924"/>
-              <a:gd name="connsiteX32" fmla="*/ 239143 w 3239999"/>
-              <a:gd name="connsiteY32" fmla="*/ 2776423 h 3032924"/>
-              <a:gd name="connsiteX33" fmla="*/ 1576606 w 3239999"/>
-              <a:gd name="connsiteY33" fmla="*/ 2776423 h 3032924"/>
-              <a:gd name="connsiteX34" fmla="*/ 1668046 w 3239999"/>
-              <a:gd name="connsiteY34" fmla="*/ 2869642 h 3032924"/>
-              <a:gd name="connsiteX0" fmla="*/ 1576606 w 3239999"/>
-              <a:gd name="connsiteY0" fmla="*/ 2778202 h 3032924"/>
-              <a:gd name="connsiteX1" fmla="*/ 1663394 w 3239999"/>
-              <a:gd name="connsiteY1" fmla="*/ 2778202 h 3032924"/>
-              <a:gd name="connsiteX2" fmla="*/ 1663394 w 3239999"/>
-              <a:gd name="connsiteY2" fmla="*/ 2776423 h 3032924"/>
-              <a:gd name="connsiteX3" fmla="*/ 3000856 w 3239999"/>
-              <a:gd name="connsiteY3" fmla="*/ 2776423 h 3032924"/>
-              <a:gd name="connsiteX4" fmla="*/ 3000856 w 3239999"/>
-              <a:gd name="connsiteY4" fmla="*/ 526981 h 3032924"/>
-              <a:gd name="connsiteX5" fmla="*/ 2855082 w 3239999"/>
-              <a:gd name="connsiteY5" fmla="*/ 526981 h 3032924"/>
-              <a:gd name="connsiteX6" fmla="*/ 2861369 w 3239999"/>
-              <a:gd name="connsiteY6" fmla="*/ 2472117 h 3032924"/>
-              <a:gd name="connsiteX7" fmla="*/ 1663394 w 3239999"/>
-              <a:gd name="connsiteY7" fmla="*/ 2765302 h 3032924"/>
-              <a:gd name="connsiteX8" fmla="*/ 1663394 w 3239999"/>
-              <a:gd name="connsiteY8" fmla="*/ 526981 h 3032924"/>
-              <a:gd name="connsiteX9" fmla="*/ 1663394 w 3239999"/>
-              <a:gd name="connsiteY9" fmla="*/ 430441 h 3032924"/>
-              <a:gd name="connsiteX10" fmla="*/ 1663394 w 3239999"/>
-              <a:gd name="connsiteY10" fmla="*/ 402054 h 3032924"/>
-              <a:gd name="connsiteX11" fmla="*/ 2406065 w 3239999"/>
-              <a:gd name="connsiteY11" fmla="*/ 22 h 3032924"/>
-              <a:gd name="connsiteX12" fmla="*/ 2853673 w 3239999"/>
-              <a:gd name="connsiteY12" fmla="*/ 91100 h 3032924"/>
-              <a:gd name="connsiteX13" fmla="*/ 2854770 w 3239999"/>
-              <a:gd name="connsiteY13" fmla="*/ 430441 h 3032924"/>
-              <a:gd name="connsiteX14" fmla="*/ 3120669 w 3239999"/>
-              <a:gd name="connsiteY14" fmla="*/ 428517 h 3032924"/>
-              <a:gd name="connsiteX15" fmla="*/ 3120669 w 3239999"/>
-              <a:gd name="connsiteY15" fmla="*/ 738345 h 3032924"/>
-              <a:gd name="connsiteX16" fmla="*/ 3239999 w 3239999"/>
-              <a:gd name="connsiteY16" fmla="*/ 738345 h 3032924"/>
-              <a:gd name="connsiteX17" fmla="*/ 3239999 w 3239999"/>
-              <a:gd name="connsiteY17" fmla="*/ 3032924 h 3032924"/>
-              <a:gd name="connsiteX18" fmla="*/ 0 w 3239999"/>
-              <a:gd name="connsiteY18" fmla="*/ 3032924 h 3032924"/>
-              <a:gd name="connsiteX19" fmla="*/ 0 w 3239999"/>
-              <a:gd name="connsiteY19" fmla="*/ 738345 h 3032924"/>
-              <a:gd name="connsiteX20" fmla="*/ 102477 w 3239999"/>
-              <a:gd name="connsiteY20" fmla="*/ 738345 h 3032924"/>
-              <a:gd name="connsiteX21" fmla="*/ 102477 w 3239999"/>
-              <a:gd name="connsiteY21" fmla="*/ 428517 h 3032924"/>
-              <a:gd name="connsiteX22" fmla="*/ 385229 w 3239999"/>
-              <a:gd name="connsiteY22" fmla="*/ 430441 h 3032924"/>
-              <a:gd name="connsiteX23" fmla="*/ 386326 w 3239999"/>
-              <a:gd name="connsiteY23" fmla="*/ 91100 h 3032924"/>
-              <a:gd name="connsiteX24" fmla="*/ 833935 w 3239999"/>
-              <a:gd name="connsiteY24" fmla="*/ 22 h 3032924"/>
-              <a:gd name="connsiteX25" fmla="*/ 1576606 w 3239999"/>
-              <a:gd name="connsiteY25" fmla="*/ 402054 h 3032924"/>
-              <a:gd name="connsiteX26" fmla="*/ 1576606 w 3239999"/>
-              <a:gd name="connsiteY26" fmla="*/ 430441 h 3032924"/>
-              <a:gd name="connsiteX27" fmla="*/ 1576606 w 3239999"/>
-              <a:gd name="connsiteY27" fmla="*/ 526981 h 3032924"/>
-              <a:gd name="connsiteX28" fmla="*/ 1576606 w 3239999"/>
-              <a:gd name="connsiteY28" fmla="*/ 2765302 h 3032924"/>
-              <a:gd name="connsiteX29" fmla="*/ 378630 w 3239999"/>
-              <a:gd name="connsiteY29" fmla="*/ 2472117 h 3032924"/>
-              <a:gd name="connsiteX30" fmla="*/ 384918 w 3239999"/>
-              <a:gd name="connsiteY30" fmla="*/ 526981 h 3032924"/>
-              <a:gd name="connsiteX31" fmla="*/ 239143 w 3239999"/>
-              <a:gd name="connsiteY31" fmla="*/ 526981 h 3032924"/>
-              <a:gd name="connsiteX32" fmla="*/ 239143 w 3239999"/>
-              <a:gd name="connsiteY32" fmla="*/ 2776423 h 3032924"/>
-              <a:gd name="connsiteX33" fmla="*/ 1576606 w 3239999"/>
-              <a:gd name="connsiteY33" fmla="*/ 2776423 h 3032924"/>
-              <a:gd name="connsiteX34" fmla="*/ 1668046 w 3239999"/>
-              <a:gd name="connsiteY34" fmla="*/ 2869642 h 3032924"/>
-              <a:gd name="connsiteX0" fmla="*/ 1576606 w 3239999"/>
-              <a:gd name="connsiteY0" fmla="*/ 2778202 h 3032924"/>
-              <a:gd name="connsiteX1" fmla="*/ 1663394 w 3239999"/>
-              <a:gd name="connsiteY1" fmla="*/ 2778202 h 3032924"/>
-              <a:gd name="connsiteX2" fmla="*/ 1663394 w 3239999"/>
-              <a:gd name="connsiteY2" fmla="*/ 2776423 h 3032924"/>
-              <a:gd name="connsiteX3" fmla="*/ 3000856 w 3239999"/>
-              <a:gd name="connsiteY3" fmla="*/ 2776423 h 3032924"/>
-              <a:gd name="connsiteX4" fmla="*/ 3000856 w 3239999"/>
-              <a:gd name="connsiteY4" fmla="*/ 526981 h 3032924"/>
-              <a:gd name="connsiteX5" fmla="*/ 2855082 w 3239999"/>
-              <a:gd name="connsiteY5" fmla="*/ 526981 h 3032924"/>
-              <a:gd name="connsiteX6" fmla="*/ 2861369 w 3239999"/>
-              <a:gd name="connsiteY6" fmla="*/ 2472117 h 3032924"/>
-              <a:gd name="connsiteX7" fmla="*/ 1663394 w 3239999"/>
-              <a:gd name="connsiteY7" fmla="*/ 2765302 h 3032924"/>
-              <a:gd name="connsiteX8" fmla="*/ 1663394 w 3239999"/>
-              <a:gd name="connsiteY8" fmla="*/ 526981 h 3032924"/>
-              <a:gd name="connsiteX9" fmla="*/ 1663394 w 3239999"/>
-              <a:gd name="connsiteY9" fmla="*/ 430441 h 3032924"/>
-              <a:gd name="connsiteX10" fmla="*/ 1663394 w 3239999"/>
-              <a:gd name="connsiteY10" fmla="*/ 402054 h 3032924"/>
-              <a:gd name="connsiteX11" fmla="*/ 2406065 w 3239999"/>
-              <a:gd name="connsiteY11" fmla="*/ 22 h 3032924"/>
-              <a:gd name="connsiteX12" fmla="*/ 2853673 w 3239999"/>
-              <a:gd name="connsiteY12" fmla="*/ 91100 h 3032924"/>
-              <a:gd name="connsiteX13" fmla="*/ 2854770 w 3239999"/>
-              <a:gd name="connsiteY13" fmla="*/ 430441 h 3032924"/>
-              <a:gd name="connsiteX14" fmla="*/ 3120669 w 3239999"/>
-              <a:gd name="connsiteY14" fmla="*/ 428517 h 3032924"/>
-              <a:gd name="connsiteX15" fmla="*/ 3120669 w 3239999"/>
-              <a:gd name="connsiteY15" fmla="*/ 738345 h 3032924"/>
-              <a:gd name="connsiteX16" fmla="*/ 3239999 w 3239999"/>
-              <a:gd name="connsiteY16" fmla="*/ 738345 h 3032924"/>
-              <a:gd name="connsiteX17" fmla="*/ 3239999 w 3239999"/>
-              <a:gd name="connsiteY17" fmla="*/ 3032924 h 3032924"/>
-              <a:gd name="connsiteX18" fmla="*/ 0 w 3239999"/>
-              <a:gd name="connsiteY18" fmla="*/ 3032924 h 3032924"/>
-              <a:gd name="connsiteX19" fmla="*/ 0 w 3239999"/>
-              <a:gd name="connsiteY19" fmla="*/ 738345 h 3032924"/>
-              <a:gd name="connsiteX20" fmla="*/ 102477 w 3239999"/>
-              <a:gd name="connsiteY20" fmla="*/ 738345 h 3032924"/>
-              <a:gd name="connsiteX21" fmla="*/ 102477 w 3239999"/>
-              <a:gd name="connsiteY21" fmla="*/ 428517 h 3032924"/>
-              <a:gd name="connsiteX22" fmla="*/ 385229 w 3239999"/>
-              <a:gd name="connsiteY22" fmla="*/ 430441 h 3032924"/>
-              <a:gd name="connsiteX23" fmla="*/ 386326 w 3239999"/>
-              <a:gd name="connsiteY23" fmla="*/ 91100 h 3032924"/>
-              <a:gd name="connsiteX24" fmla="*/ 833935 w 3239999"/>
-              <a:gd name="connsiteY24" fmla="*/ 22 h 3032924"/>
-              <a:gd name="connsiteX25" fmla="*/ 1576606 w 3239999"/>
-              <a:gd name="connsiteY25" fmla="*/ 402054 h 3032924"/>
-              <a:gd name="connsiteX26" fmla="*/ 1576606 w 3239999"/>
-              <a:gd name="connsiteY26" fmla="*/ 430441 h 3032924"/>
-              <a:gd name="connsiteX27" fmla="*/ 1576606 w 3239999"/>
-              <a:gd name="connsiteY27" fmla="*/ 526981 h 3032924"/>
-              <a:gd name="connsiteX28" fmla="*/ 1576606 w 3239999"/>
-              <a:gd name="connsiteY28" fmla="*/ 2765302 h 3032924"/>
-              <a:gd name="connsiteX29" fmla="*/ 378630 w 3239999"/>
-              <a:gd name="connsiteY29" fmla="*/ 2472117 h 3032924"/>
-              <a:gd name="connsiteX30" fmla="*/ 384918 w 3239999"/>
-              <a:gd name="connsiteY30" fmla="*/ 526981 h 3032924"/>
-              <a:gd name="connsiteX31" fmla="*/ 239143 w 3239999"/>
-              <a:gd name="connsiteY31" fmla="*/ 526981 h 3032924"/>
-              <a:gd name="connsiteX32" fmla="*/ 239143 w 3239999"/>
-              <a:gd name="connsiteY32" fmla="*/ 2776423 h 3032924"/>
-              <a:gd name="connsiteX33" fmla="*/ 1576606 w 3239999"/>
-              <a:gd name="connsiteY33" fmla="*/ 2776423 h 3032924"/>
-              <a:gd name="connsiteX34" fmla="*/ 1668046 w 3239999"/>
-              <a:gd name="connsiteY34" fmla="*/ 2869642 h 3032924"/>
-              <a:gd name="connsiteX0" fmla="*/ 1576606 w 3239999"/>
-              <a:gd name="connsiteY0" fmla="*/ 2778202 h 3032924"/>
-              <a:gd name="connsiteX1" fmla="*/ 1663394 w 3239999"/>
-              <a:gd name="connsiteY1" fmla="*/ 2778202 h 3032924"/>
-              <a:gd name="connsiteX2" fmla="*/ 1663394 w 3239999"/>
-              <a:gd name="connsiteY2" fmla="*/ 2776423 h 3032924"/>
-              <a:gd name="connsiteX3" fmla="*/ 3000856 w 3239999"/>
-              <a:gd name="connsiteY3" fmla="*/ 2776423 h 3032924"/>
-              <a:gd name="connsiteX4" fmla="*/ 3000856 w 3239999"/>
-              <a:gd name="connsiteY4" fmla="*/ 526981 h 3032924"/>
-              <a:gd name="connsiteX5" fmla="*/ 2855082 w 3239999"/>
-              <a:gd name="connsiteY5" fmla="*/ 526981 h 3032924"/>
-              <a:gd name="connsiteX6" fmla="*/ 2861369 w 3239999"/>
-              <a:gd name="connsiteY6" fmla="*/ 2472117 h 3032924"/>
-              <a:gd name="connsiteX7" fmla="*/ 1663394 w 3239999"/>
-              <a:gd name="connsiteY7" fmla="*/ 2765302 h 3032924"/>
-              <a:gd name="connsiteX8" fmla="*/ 1663394 w 3239999"/>
-              <a:gd name="connsiteY8" fmla="*/ 526981 h 3032924"/>
-              <a:gd name="connsiteX9" fmla="*/ 1663394 w 3239999"/>
-              <a:gd name="connsiteY9" fmla="*/ 430441 h 3032924"/>
-              <a:gd name="connsiteX10" fmla="*/ 1663394 w 3239999"/>
-              <a:gd name="connsiteY10" fmla="*/ 402054 h 3032924"/>
-              <a:gd name="connsiteX11" fmla="*/ 2406065 w 3239999"/>
-              <a:gd name="connsiteY11" fmla="*/ 22 h 3032924"/>
-              <a:gd name="connsiteX12" fmla="*/ 2853673 w 3239999"/>
-              <a:gd name="connsiteY12" fmla="*/ 91100 h 3032924"/>
-              <a:gd name="connsiteX13" fmla="*/ 2854770 w 3239999"/>
-              <a:gd name="connsiteY13" fmla="*/ 430441 h 3032924"/>
-              <a:gd name="connsiteX14" fmla="*/ 3120669 w 3239999"/>
-              <a:gd name="connsiteY14" fmla="*/ 428517 h 3032924"/>
-              <a:gd name="connsiteX15" fmla="*/ 3120669 w 3239999"/>
-              <a:gd name="connsiteY15" fmla="*/ 738345 h 3032924"/>
-              <a:gd name="connsiteX16" fmla="*/ 3239999 w 3239999"/>
-              <a:gd name="connsiteY16" fmla="*/ 738345 h 3032924"/>
-              <a:gd name="connsiteX17" fmla="*/ 3239999 w 3239999"/>
-              <a:gd name="connsiteY17" fmla="*/ 3032924 h 3032924"/>
-              <a:gd name="connsiteX18" fmla="*/ 0 w 3239999"/>
-              <a:gd name="connsiteY18" fmla="*/ 3032924 h 3032924"/>
-              <a:gd name="connsiteX19" fmla="*/ 0 w 3239999"/>
-              <a:gd name="connsiteY19" fmla="*/ 738345 h 3032924"/>
-              <a:gd name="connsiteX20" fmla="*/ 102477 w 3239999"/>
-              <a:gd name="connsiteY20" fmla="*/ 738345 h 3032924"/>
-              <a:gd name="connsiteX21" fmla="*/ 102477 w 3239999"/>
-              <a:gd name="connsiteY21" fmla="*/ 428517 h 3032924"/>
-              <a:gd name="connsiteX22" fmla="*/ 385229 w 3239999"/>
-              <a:gd name="connsiteY22" fmla="*/ 430441 h 3032924"/>
-              <a:gd name="connsiteX23" fmla="*/ 386326 w 3239999"/>
-              <a:gd name="connsiteY23" fmla="*/ 91100 h 3032924"/>
-              <a:gd name="connsiteX24" fmla="*/ 833935 w 3239999"/>
-              <a:gd name="connsiteY24" fmla="*/ 22 h 3032924"/>
-              <a:gd name="connsiteX25" fmla="*/ 1576606 w 3239999"/>
-              <a:gd name="connsiteY25" fmla="*/ 402054 h 3032924"/>
-              <a:gd name="connsiteX26" fmla="*/ 1576606 w 3239999"/>
-              <a:gd name="connsiteY26" fmla="*/ 430441 h 3032924"/>
-              <a:gd name="connsiteX27" fmla="*/ 1576606 w 3239999"/>
-              <a:gd name="connsiteY27" fmla="*/ 526981 h 3032924"/>
-              <a:gd name="connsiteX28" fmla="*/ 1576606 w 3239999"/>
-              <a:gd name="connsiteY28" fmla="*/ 2765302 h 3032924"/>
-              <a:gd name="connsiteX29" fmla="*/ 378630 w 3239999"/>
-              <a:gd name="connsiteY29" fmla="*/ 2472117 h 3032924"/>
-              <a:gd name="connsiteX30" fmla="*/ 384918 w 3239999"/>
-              <a:gd name="connsiteY30" fmla="*/ 526981 h 3032924"/>
-              <a:gd name="connsiteX31" fmla="*/ 239143 w 3239999"/>
-              <a:gd name="connsiteY31" fmla="*/ 526981 h 3032924"/>
-              <a:gd name="connsiteX32" fmla="*/ 239143 w 3239999"/>
-              <a:gd name="connsiteY32" fmla="*/ 2776423 h 3032924"/>
-              <a:gd name="connsiteX33" fmla="*/ 1576606 w 3239999"/>
-              <a:gd name="connsiteY33" fmla="*/ 2776423 h 3032924"/>
-              <a:gd name="connsiteX34" fmla="*/ 1668046 w 3239999"/>
-              <a:gd name="connsiteY34" fmla="*/ 2869642 h 3032924"/>
-              <a:gd name="connsiteX0" fmla="*/ 1576606 w 3239999"/>
-              <a:gd name="connsiteY0" fmla="*/ 2778202 h 3032924"/>
-              <a:gd name="connsiteX1" fmla="*/ 1663394 w 3239999"/>
-              <a:gd name="connsiteY1" fmla="*/ 2778202 h 3032924"/>
-              <a:gd name="connsiteX2" fmla="*/ 1663394 w 3239999"/>
-              <a:gd name="connsiteY2" fmla="*/ 2776423 h 3032924"/>
-              <a:gd name="connsiteX3" fmla="*/ 3000856 w 3239999"/>
-              <a:gd name="connsiteY3" fmla="*/ 2776423 h 3032924"/>
-              <a:gd name="connsiteX4" fmla="*/ 3000856 w 3239999"/>
-              <a:gd name="connsiteY4" fmla="*/ 526981 h 3032924"/>
-              <a:gd name="connsiteX5" fmla="*/ 2855082 w 3239999"/>
-              <a:gd name="connsiteY5" fmla="*/ 526981 h 3032924"/>
-              <a:gd name="connsiteX6" fmla="*/ 2861369 w 3239999"/>
-              <a:gd name="connsiteY6" fmla="*/ 2472117 h 3032924"/>
-              <a:gd name="connsiteX7" fmla="*/ 1663394 w 3239999"/>
-              <a:gd name="connsiteY7" fmla="*/ 2765302 h 3032924"/>
-              <a:gd name="connsiteX8" fmla="*/ 1663394 w 3239999"/>
-              <a:gd name="connsiteY8" fmla="*/ 526981 h 3032924"/>
-              <a:gd name="connsiteX9" fmla="*/ 1663394 w 3239999"/>
-              <a:gd name="connsiteY9" fmla="*/ 430441 h 3032924"/>
-              <a:gd name="connsiteX10" fmla="*/ 1663394 w 3239999"/>
-              <a:gd name="connsiteY10" fmla="*/ 402054 h 3032924"/>
-              <a:gd name="connsiteX11" fmla="*/ 2406065 w 3239999"/>
-              <a:gd name="connsiteY11" fmla="*/ 22 h 3032924"/>
-              <a:gd name="connsiteX12" fmla="*/ 2853673 w 3239999"/>
-              <a:gd name="connsiteY12" fmla="*/ 91100 h 3032924"/>
-              <a:gd name="connsiteX13" fmla="*/ 2854770 w 3239999"/>
-              <a:gd name="connsiteY13" fmla="*/ 430441 h 3032924"/>
-              <a:gd name="connsiteX14" fmla="*/ 3120669 w 3239999"/>
-              <a:gd name="connsiteY14" fmla="*/ 428517 h 3032924"/>
-              <a:gd name="connsiteX15" fmla="*/ 3120669 w 3239999"/>
-              <a:gd name="connsiteY15" fmla="*/ 738345 h 3032924"/>
-              <a:gd name="connsiteX16" fmla="*/ 3239999 w 3239999"/>
-              <a:gd name="connsiteY16" fmla="*/ 738345 h 3032924"/>
-              <a:gd name="connsiteX17" fmla="*/ 3239999 w 3239999"/>
-              <a:gd name="connsiteY17" fmla="*/ 3032924 h 3032924"/>
-              <a:gd name="connsiteX18" fmla="*/ 0 w 3239999"/>
-              <a:gd name="connsiteY18" fmla="*/ 3032924 h 3032924"/>
-              <a:gd name="connsiteX19" fmla="*/ 0 w 3239999"/>
-              <a:gd name="connsiteY19" fmla="*/ 738345 h 3032924"/>
-              <a:gd name="connsiteX20" fmla="*/ 102477 w 3239999"/>
-              <a:gd name="connsiteY20" fmla="*/ 738345 h 3032924"/>
-              <a:gd name="connsiteX21" fmla="*/ 102477 w 3239999"/>
-              <a:gd name="connsiteY21" fmla="*/ 428517 h 3032924"/>
-              <a:gd name="connsiteX22" fmla="*/ 385229 w 3239999"/>
-              <a:gd name="connsiteY22" fmla="*/ 430441 h 3032924"/>
-              <a:gd name="connsiteX23" fmla="*/ 386326 w 3239999"/>
-              <a:gd name="connsiteY23" fmla="*/ 91100 h 3032924"/>
-              <a:gd name="connsiteX24" fmla="*/ 833935 w 3239999"/>
-              <a:gd name="connsiteY24" fmla="*/ 22 h 3032924"/>
-              <a:gd name="connsiteX25" fmla="*/ 1576606 w 3239999"/>
-              <a:gd name="connsiteY25" fmla="*/ 402054 h 3032924"/>
-              <a:gd name="connsiteX26" fmla="*/ 1576606 w 3239999"/>
-              <a:gd name="connsiteY26" fmla="*/ 430441 h 3032924"/>
-              <a:gd name="connsiteX27" fmla="*/ 1576606 w 3239999"/>
-              <a:gd name="connsiteY27" fmla="*/ 526981 h 3032924"/>
-              <a:gd name="connsiteX28" fmla="*/ 1576606 w 3239999"/>
-              <a:gd name="connsiteY28" fmla="*/ 2765302 h 3032924"/>
-              <a:gd name="connsiteX29" fmla="*/ 378630 w 3239999"/>
-              <a:gd name="connsiteY29" fmla="*/ 2472117 h 3032924"/>
-              <a:gd name="connsiteX30" fmla="*/ 384918 w 3239999"/>
-              <a:gd name="connsiteY30" fmla="*/ 526981 h 3032924"/>
-              <a:gd name="connsiteX31" fmla="*/ 239143 w 3239999"/>
-              <a:gd name="connsiteY31" fmla="*/ 526981 h 3032924"/>
-              <a:gd name="connsiteX32" fmla="*/ 239143 w 3239999"/>
-              <a:gd name="connsiteY32" fmla="*/ 2776423 h 3032924"/>
-              <a:gd name="connsiteX33" fmla="*/ 1576606 w 3239999"/>
-              <a:gd name="connsiteY33" fmla="*/ 2776423 h 3032924"/>
-              <a:gd name="connsiteX34" fmla="*/ 1668046 w 3239999"/>
-              <a:gd name="connsiteY34" fmla="*/ 2869642 h 3032924"/>
-              <a:gd name="connsiteX0" fmla="*/ 1576606 w 3239999"/>
-              <a:gd name="connsiteY0" fmla="*/ 2778202 h 3032924"/>
-              <a:gd name="connsiteX1" fmla="*/ 1663394 w 3239999"/>
-              <a:gd name="connsiteY1" fmla="*/ 2778202 h 3032924"/>
-              <a:gd name="connsiteX2" fmla="*/ 1663394 w 3239999"/>
-              <a:gd name="connsiteY2" fmla="*/ 2776423 h 3032924"/>
-              <a:gd name="connsiteX3" fmla="*/ 3000856 w 3239999"/>
-              <a:gd name="connsiteY3" fmla="*/ 2776423 h 3032924"/>
-              <a:gd name="connsiteX4" fmla="*/ 3000856 w 3239999"/>
-              <a:gd name="connsiteY4" fmla="*/ 526981 h 3032924"/>
-              <a:gd name="connsiteX5" fmla="*/ 2855082 w 3239999"/>
-              <a:gd name="connsiteY5" fmla="*/ 526981 h 3032924"/>
-              <a:gd name="connsiteX6" fmla="*/ 2861369 w 3239999"/>
-              <a:gd name="connsiteY6" fmla="*/ 2472117 h 3032924"/>
-              <a:gd name="connsiteX7" fmla="*/ 1663394 w 3239999"/>
-              <a:gd name="connsiteY7" fmla="*/ 2765302 h 3032924"/>
-              <a:gd name="connsiteX8" fmla="*/ 1663394 w 3239999"/>
-              <a:gd name="connsiteY8" fmla="*/ 526981 h 3032924"/>
-              <a:gd name="connsiteX9" fmla="*/ 1663394 w 3239999"/>
-              <a:gd name="connsiteY9" fmla="*/ 430441 h 3032924"/>
-              <a:gd name="connsiteX10" fmla="*/ 1663394 w 3239999"/>
-              <a:gd name="connsiteY10" fmla="*/ 402054 h 3032924"/>
-              <a:gd name="connsiteX11" fmla="*/ 2406065 w 3239999"/>
-              <a:gd name="connsiteY11" fmla="*/ 22 h 3032924"/>
-              <a:gd name="connsiteX12" fmla="*/ 2853673 w 3239999"/>
-              <a:gd name="connsiteY12" fmla="*/ 91100 h 3032924"/>
-              <a:gd name="connsiteX13" fmla="*/ 2854770 w 3239999"/>
-              <a:gd name="connsiteY13" fmla="*/ 430441 h 3032924"/>
-              <a:gd name="connsiteX14" fmla="*/ 3120669 w 3239999"/>
-              <a:gd name="connsiteY14" fmla="*/ 428517 h 3032924"/>
-              <a:gd name="connsiteX15" fmla="*/ 3120669 w 3239999"/>
-              <a:gd name="connsiteY15" fmla="*/ 738345 h 3032924"/>
-              <a:gd name="connsiteX16" fmla="*/ 3239999 w 3239999"/>
-              <a:gd name="connsiteY16" fmla="*/ 738345 h 3032924"/>
-              <a:gd name="connsiteX17" fmla="*/ 3239999 w 3239999"/>
-              <a:gd name="connsiteY17" fmla="*/ 3032924 h 3032924"/>
-              <a:gd name="connsiteX18" fmla="*/ 0 w 3239999"/>
-              <a:gd name="connsiteY18" fmla="*/ 3032924 h 3032924"/>
-              <a:gd name="connsiteX19" fmla="*/ 0 w 3239999"/>
-              <a:gd name="connsiteY19" fmla="*/ 738345 h 3032924"/>
-              <a:gd name="connsiteX20" fmla="*/ 102477 w 3239999"/>
-              <a:gd name="connsiteY20" fmla="*/ 738345 h 3032924"/>
-              <a:gd name="connsiteX21" fmla="*/ 102477 w 3239999"/>
-              <a:gd name="connsiteY21" fmla="*/ 428517 h 3032924"/>
-              <a:gd name="connsiteX22" fmla="*/ 385229 w 3239999"/>
-              <a:gd name="connsiteY22" fmla="*/ 430441 h 3032924"/>
-              <a:gd name="connsiteX23" fmla="*/ 386326 w 3239999"/>
-              <a:gd name="connsiteY23" fmla="*/ 91100 h 3032924"/>
-              <a:gd name="connsiteX24" fmla="*/ 833935 w 3239999"/>
-              <a:gd name="connsiteY24" fmla="*/ 22 h 3032924"/>
-              <a:gd name="connsiteX25" fmla="*/ 1576606 w 3239999"/>
-              <a:gd name="connsiteY25" fmla="*/ 402054 h 3032924"/>
-              <a:gd name="connsiteX26" fmla="*/ 1576606 w 3239999"/>
-              <a:gd name="connsiteY26" fmla="*/ 430441 h 3032924"/>
-              <a:gd name="connsiteX27" fmla="*/ 1576606 w 3239999"/>
-              <a:gd name="connsiteY27" fmla="*/ 526981 h 3032924"/>
-              <a:gd name="connsiteX28" fmla="*/ 1576606 w 3239999"/>
-              <a:gd name="connsiteY28" fmla="*/ 2765302 h 3032924"/>
-              <a:gd name="connsiteX29" fmla="*/ 378630 w 3239999"/>
-              <a:gd name="connsiteY29" fmla="*/ 2472117 h 3032924"/>
-              <a:gd name="connsiteX30" fmla="*/ 384918 w 3239999"/>
-              <a:gd name="connsiteY30" fmla="*/ 526981 h 3032924"/>
-              <a:gd name="connsiteX31" fmla="*/ 239143 w 3239999"/>
-              <a:gd name="connsiteY31" fmla="*/ 526981 h 3032924"/>
-              <a:gd name="connsiteX32" fmla="*/ 239143 w 3239999"/>
-              <a:gd name="connsiteY32" fmla="*/ 2776423 h 3032924"/>
-              <a:gd name="connsiteX33" fmla="*/ 1576606 w 3239999"/>
-              <a:gd name="connsiteY33" fmla="*/ 2776423 h 3032924"/>
-              <a:gd name="connsiteX34" fmla="*/ 1668046 w 3239999"/>
-              <a:gd name="connsiteY34" fmla="*/ 2869642 h 3032924"/>
-              <a:gd name="connsiteX0" fmla="*/ 1576606 w 3239999"/>
-              <a:gd name="connsiteY0" fmla="*/ 2778202 h 3032924"/>
-              <a:gd name="connsiteX1" fmla="*/ 1663394 w 3239999"/>
-              <a:gd name="connsiteY1" fmla="*/ 2778202 h 3032924"/>
-              <a:gd name="connsiteX2" fmla="*/ 1663394 w 3239999"/>
-              <a:gd name="connsiteY2" fmla="*/ 2776423 h 3032924"/>
-              <a:gd name="connsiteX3" fmla="*/ 3000856 w 3239999"/>
-              <a:gd name="connsiteY3" fmla="*/ 2776423 h 3032924"/>
-              <a:gd name="connsiteX4" fmla="*/ 3000856 w 3239999"/>
-              <a:gd name="connsiteY4" fmla="*/ 526981 h 3032924"/>
-              <a:gd name="connsiteX5" fmla="*/ 2855082 w 3239999"/>
-              <a:gd name="connsiteY5" fmla="*/ 526981 h 3032924"/>
-              <a:gd name="connsiteX6" fmla="*/ 2861369 w 3239999"/>
-              <a:gd name="connsiteY6" fmla="*/ 2472117 h 3032924"/>
-              <a:gd name="connsiteX7" fmla="*/ 1663394 w 3239999"/>
-              <a:gd name="connsiteY7" fmla="*/ 2765302 h 3032924"/>
-              <a:gd name="connsiteX8" fmla="*/ 1663394 w 3239999"/>
-              <a:gd name="connsiteY8" fmla="*/ 526981 h 3032924"/>
-              <a:gd name="connsiteX9" fmla="*/ 1663394 w 3239999"/>
-              <a:gd name="connsiteY9" fmla="*/ 430441 h 3032924"/>
-              <a:gd name="connsiteX10" fmla="*/ 1663394 w 3239999"/>
-              <a:gd name="connsiteY10" fmla="*/ 402054 h 3032924"/>
-              <a:gd name="connsiteX11" fmla="*/ 2406065 w 3239999"/>
-              <a:gd name="connsiteY11" fmla="*/ 22 h 3032924"/>
-              <a:gd name="connsiteX12" fmla="*/ 2853673 w 3239999"/>
-              <a:gd name="connsiteY12" fmla="*/ 91100 h 3032924"/>
-              <a:gd name="connsiteX13" fmla="*/ 2854770 w 3239999"/>
-              <a:gd name="connsiteY13" fmla="*/ 430441 h 3032924"/>
-              <a:gd name="connsiteX14" fmla="*/ 3120669 w 3239999"/>
-              <a:gd name="connsiteY14" fmla="*/ 428517 h 3032924"/>
-              <a:gd name="connsiteX15" fmla="*/ 3120669 w 3239999"/>
-              <a:gd name="connsiteY15" fmla="*/ 738345 h 3032924"/>
-              <a:gd name="connsiteX16" fmla="*/ 3239999 w 3239999"/>
-              <a:gd name="connsiteY16" fmla="*/ 738345 h 3032924"/>
-              <a:gd name="connsiteX17" fmla="*/ 3239999 w 3239999"/>
-              <a:gd name="connsiteY17" fmla="*/ 3032924 h 3032924"/>
-              <a:gd name="connsiteX18" fmla="*/ 0 w 3239999"/>
-              <a:gd name="connsiteY18" fmla="*/ 3032924 h 3032924"/>
-              <a:gd name="connsiteX19" fmla="*/ 0 w 3239999"/>
-              <a:gd name="connsiteY19" fmla="*/ 738345 h 3032924"/>
-              <a:gd name="connsiteX20" fmla="*/ 102477 w 3239999"/>
-              <a:gd name="connsiteY20" fmla="*/ 738345 h 3032924"/>
-              <a:gd name="connsiteX21" fmla="*/ 102477 w 3239999"/>
-              <a:gd name="connsiteY21" fmla="*/ 428517 h 3032924"/>
-              <a:gd name="connsiteX22" fmla="*/ 385229 w 3239999"/>
-              <a:gd name="connsiteY22" fmla="*/ 430441 h 3032924"/>
-              <a:gd name="connsiteX23" fmla="*/ 386326 w 3239999"/>
-              <a:gd name="connsiteY23" fmla="*/ 91100 h 3032924"/>
-              <a:gd name="connsiteX24" fmla="*/ 833935 w 3239999"/>
-              <a:gd name="connsiteY24" fmla="*/ 22 h 3032924"/>
-              <a:gd name="connsiteX25" fmla="*/ 1576606 w 3239999"/>
-              <a:gd name="connsiteY25" fmla="*/ 402054 h 3032924"/>
-              <a:gd name="connsiteX26" fmla="*/ 1576606 w 3239999"/>
-              <a:gd name="connsiteY26" fmla="*/ 430441 h 3032924"/>
-              <a:gd name="connsiteX27" fmla="*/ 1576606 w 3239999"/>
-              <a:gd name="connsiteY27" fmla="*/ 526981 h 3032924"/>
-              <a:gd name="connsiteX28" fmla="*/ 1576606 w 3239999"/>
-              <a:gd name="connsiteY28" fmla="*/ 2765302 h 3032924"/>
-              <a:gd name="connsiteX29" fmla="*/ 378630 w 3239999"/>
-              <a:gd name="connsiteY29" fmla="*/ 2472117 h 3032924"/>
-              <a:gd name="connsiteX30" fmla="*/ 384918 w 3239999"/>
-              <a:gd name="connsiteY30" fmla="*/ 526981 h 3032924"/>
-              <a:gd name="connsiteX31" fmla="*/ 239143 w 3239999"/>
-              <a:gd name="connsiteY31" fmla="*/ 526981 h 3032924"/>
-              <a:gd name="connsiteX32" fmla="*/ 239143 w 3239999"/>
-              <a:gd name="connsiteY32" fmla="*/ 2776423 h 3032924"/>
-              <a:gd name="connsiteX33" fmla="*/ 1576606 w 3239999"/>
-              <a:gd name="connsiteY33" fmla="*/ 2776423 h 3032924"/>
-              <a:gd name="connsiteX34" fmla="*/ 1668046 w 3239999"/>
-              <a:gd name="connsiteY34" fmla="*/ 2869642 h 3032924"/>
-              <a:gd name="connsiteX0" fmla="*/ 1576606 w 3239999"/>
-              <a:gd name="connsiteY0" fmla="*/ 2778202 h 3032924"/>
-              <a:gd name="connsiteX1" fmla="*/ 1663394 w 3239999"/>
-              <a:gd name="connsiteY1" fmla="*/ 2778202 h 3032924"/>
-              <a:gd name="connsiteX2" fmla="*/ 1663394 w 3239999"/>
-              <a:gd name="connsiteY2" fmla="*/ 2776423 h 3032924"/>
-              <a:gd name="connsiteX3" fmla="*/ 3000856 w 3239999"/>
-              <a:gd name="connsiteY3" fmla="*/ 2776423 h 3032924"/>
-              <a:gd name="connsiteX4" fmla="*/ 3000856 w 3239999"/>
-              <a:gd name="connsiteY4" fmla="*/ 526981 h 3032924"/>
-              <a:gd name="connsiteX5" fmla="*/ 2855082 w 3239999"/>
-              <a:gd name="connsiteY5" fmla="*/ 526981 h 3032924"/>
-              <a:gd name="connsiteX6" fmla="*/ 2861369 w 3239999"/>
-              <a:gd name="connsiteY6" fmla="*/ 2472117 h 3032924"/>
-              <a:gd name="connsiteX7" fmla="*/ 1663394 w 3239999"/>
-              <a:gd name="connsiteY7" fmla="*/ 2765302 h 3032924"/>
-              <a:gd name="connsiteX8" fmla="*/ 1663394 w 3239999"/>
-              <a:gd name="connsiteY8" fmla="*/ 526981 h 3032924"/>
-              <a:gd name="connsiteX9" fmla="*/ 1663394 w 3239999"/>
-              <a:gd name="connsiteY9" fmla="*/ 430441 h 3032924"/>
-              <a:gd name="connsiteX10" fmla="*/ 1663394 w 3239999"/>
-              <a:gd name="connsiteY10" fmla="*/ 402054 h 3032924"/>
-              <a:gd name="connsiteX11" fmla="*/ 2406065 w 3239999"/>
-              <a:gd name="connsiteY11" fmla="*/ 22 h 3032924"/>
-              <a:gd name="connsiteX12" fmla="*/ 2853673 w 3239999"/>
-              <a:gd name="connsiteY12" fmla="*/ 91100 h 3032924"/>
-              <a:gd name="connsiteX13" fmla="*/ 2854770 w 3239999"/>
-              <a:gd name="connsiteY13" fmla="*/ 430441 h 3032924"/>
-              <a:gd name="connsiteX14" fmla="*/ 3120669 w 3239999"/>
-              <a:gd name="connsiteY14" fmla="*/ 428517 h 3032924"/>
-              <a:gd name="connsiteX15" fmla="*/ 3120669 w 3239999"/>
-              <a:gd name="connsiteY15" fmla="*/ 738345 h 3032924"/>
-              <a:gd name="connsiteX16" fmla="*/ 3239999 w 3239999"/>
-              <a:gd name="connsiteY16" fmla="*/ 738345 h 3032924"/>
-              <a:gd name="connsiteX17" fmla="*/ 3239999 w 3239999"/>
-              <a:gd name="connsiteY17" fmla="*/ 3032924 h 3032924"/>
-              <a:gd name="connsiteX18" fmla="*/ 0 w 3239999"/>
-              <a:gd name="connsiteY18" fmla="*/ 3032924 h 3032924"/>
-              <a:gd name="connsiteX19" fmla="*/ 0 w 3239999"/>
-              <a:gd name="connsiteY19" fmla="*/ 738345 h 3032924"/>
-              <a:gd name="connsiteX20" fmla="*/ 102477 w 3239999"/>
-              <a:gd name="connsiteY20" fmla="*/ 738345 h 3032924"/>
-              <a:gd name="connsiteX21" fmla="*/ 102477 w 3239999"/>
-              <a:gd name="connsiteY21" fmla="*/ 428517 h 3032924"/>
-              <a:gd name="connsiteX22" fmla="*/ 385229 w 3239999"/>
-              <a:gd name="connsiteY22" fmla="*/ 430441 h 3032924"/>
-              <a:gd name="connsiteX23" fmla="*/ 386326 w 3239999"/>
-              <a:gd name="connsiteY23" fmla="*/ 91100 h 3032924"/>
-              <a:gd name="connsiteX24" fmla="*/ 833935 w 3239999"/>
-              <a:gd name="connsiteY24" fmla="*/ 22 h 3032924"/>
-              <a:gd name="connsiteX25" fmla="*/ 1576606 w 3239999"/>
-              <a:gd name="connsiteY25" fmla="*/ 402054 h 3032924"/>
-              <a:gd name="connsiteX26" fmla="*/ 1576606 w 3239999"/>
-              <a:gd name="connsiteY26" fmla="*/ 430441 h 3032924"/>
-              <a:gd name="connsiteX27" fmla="*/ 1576606 w 3239999"/>
-              <a:gd name="connsiteY27" fmla="*/ 526981 h 3032924"/>
-              <a:gd name="connsiteX28" fmla="*/ 1576606 w 3239999"/>
-              <a:gd name="connsiteY28" fmla="*/ 2765302 h 3032924"/>
-              <a:gd name="connsiteX29" fmla="*/ 378630 w 3239999"/>
-              <a:gd name="connsiteY29" fmla="*/ 2472117 h 3032924"/>
-              <a:gd name="connsiteX30" fmla="*/ 384918 w 3239999"/>
-              <a:gd name="connsiteY30" fmla="*/ 526981 h 3032924"/>
-              <a:gd name="connsiteX31" fmla="*/ 239143 w 3239999"/>
-              <a:gd name="connsiteY31" fmla="*/ 526981 h 3032924"/>
-              <a:gd name="connsiteX32" fmla="*/ 239143 w 3239999"/>
-              <a:gd name="connsiteY32" fmla="*/ 2776423 h 3032924"/>
-              <a:gd name="connsiteX33" fmla="*/ 1576606 w 3239999"/>
-              <a:gd name="connsiteY33" fmla="*/ 2776423 h 3032924"/>
-              <a:gd name="connsiteX0" fmla="*/ 1576606 w 3239999"/>
-              <a:gd name="connsiteY0" fmla="*/ 2778202 h 3032924"/>
-              <a:gd name="connsiteX1" fmla="*/ 1663394 w 3239999"/>
-              <a:gd name="connsiteY1" fmla="*/ 2778202 h 3032924"/>
-              <a:gd name="connsiteX2" fmla="*/ 1663394 w 3239999"/>
-              <a:gd name="connsiteY2" fmla="*/ 2776423 h 3032924"/>
-              <a:gd name="connsiteX3" fmla="*/ 3000856 w 3239999"/>
-              <a:gd name="connsiteY3" fmla="*/ 2776423 h 3032924"/>
-              <a:gd name="connsiteX4" fmla="*/ 3000856 w 3239999"/>
-              <a:gd name="connsiteY4" fmla="*/ 526981 h 3032924"/>
-              <a:gd name="connsiteX5" fmla="*/ 2855082 w 3239999"/>
-              <a:gd name="connsiteY5" fmla="*/ 526981 h 3032924"/>
-              <a:gd name="connsiteX6" fmla="*/ 2861369 w 3239999"/>
-              <a:gd name="connsiteY6" fmla="*/ 2472117 h 3032924"/>
-              <a:gd name="connsiteX7" fmla="*/ 1663394 w 3239999"/>
-              <a:gd name="connsiteY7" fmla="*/ 2765302 h 3032924"/>
-              <a:gd name="connsiteX8" fmla="*/ 1663394 w 3239999"/>
-              <a:gd name="connsiteY8" fmla="*/ 526981 h 3032924"/>
-              <a:gd name="connsiteX9" fmla="*/ 1663394 w 3239999"/>
-              <a:gd name="connsiteY9" fmla="*/ 430441 h 3032924"/>
-              <a:gd name="connsiteX10" fmla="*/ 1663394 w 3239999"/>
-              <a:gd name="connsiteY10" fmla="*/ 402054 h 3032924"/>
-              <a:gd name="connsiteX11" fmla="*/ 2406065 w 3239999"/>
-              <a:gd name="connsiteY11" fmla="*/ 22 h 3032924"/>
-              <a:gd name="connsiteX12" fmla="*/ 2853673 w 3239999"/>
-              <a:gd name="connsiteY12" fmla="*/ 91100 h 3032924"/>
-              <a:gd name="connsiteX13" fmla="*/ 2854770 w 3239999"/>
-              <a:gd name="connsiteY13" fmla="*/ 430441 h 3032924"/>
-              <a:gd name="connsiteX14" fmla="*/ 3120669 w 3239999"/>
-              <a:gd name="connsiteY14" fmla="*/ 428517 h 3032924"/>
-              <a:gd name="connsiteX15" fmla="*/ 3120669 w 3239999"/>
-              <a:gd name="connsiteY15" fmla="*/ 738345 h 3032924"/>
-              <a:gd name="connsiteX16" fmla="*/ 3239999 w 3239999"/>
-              <a:gd name="connsiteY16" fmla="*/ 738345 h 3032924"/>
-              <a:gd name="connsiteX17" fmla="*/ 3239999 w 3239999"/>
-              <a:gd name="connsiteY17" fmla="*/ 3032924 h 3032924"/>
-              <a:gd name="connsiteX18" fmla="*/ 0 w 3239999"/>
-              <a:gd name="connsiteY18" fmla="*/ 3032924 h 3032924"/>
-              <a:gd name="connsiteX19" fmla="*/ 0 w 3239999"/>
-              <a:gd name="connsiteY19" fmla="*/ 738345 h 3032924"/>
-              <a:gd name="connsiteX20" fmla="*/ 102477 w 3239999"/>
-              <a:gd name="connsiteY20" fmla="*/ 738345 h 3032924"/>
-              <a:gd name="connsiteX21" fmla="*/ 102477 w 3239999"/>
-              <a:gd name="connsiteY21" fmla="*/ 428517 h 3032924"/>
-              <a:gd name="connsiteX22" fmla="*/ 385229 w 3239999"/>
-              <a:gd name="connsiteY22" fmla="*/ 430441 h 3032924"/>
-              <a:gd name="connsiteX23" fmla="*/ 386326 w 3239999"/>
-              <a:gd name="connsiteY23" fmla="*/ 91100 h 3032924"/>
-              <a:gd name="connsiteX24" fmla="*/ 833935 w 3239999"/>
-              <a:gd name="connsiteY24" fmla="*/ 22 h 3032924"/>
-              <a:gd name="connsiteX25" fmla="*/ 1576606 w 3239999"/>
-              <a:gd name="connsiteY25" fmla="*/ 402054 h 3032924"/>
-              <a:gd name="connsiteX26" fmla="*/ 1576606 w 3239999"/>
-              <a:gd name="connsiteY26" fmla="*/ 430441 h 3032924"/>
-              <a:gd name="connsiteX27" fmla="*/ 1576606 w 3239999"/>
-              <a:gd name="connsiteY27" fmla="*/ 526981 h 3032924"/>
-              <a:gd name="connsiteX28" fmla="*/ 1576606 w 3239999"/>
-              <a:gd name="connsiteY28" fmla="*/ 2765302 h 3032924"/>
-              <a:gd name="connsiteX29" fmla="*/ 378630 w 3239999"/>
-              <a:gd name="connsiteY29" fmla="*/ 2472117 h 3032924"/>
-              <a:gd name="connsiteX30" fmla="*/ 384918 w 3239999"/>
-              <a:gd name="connsiteY30" fmla="*/ 526981 h 3032924"/>
-              <a:gd name="connsiteX31" fmla="*/ 239143 w 3239999"/>
-              <a:gd name="connsiteY31" fmla="*/ 526981 h 3032924"/>
-              <a:gd name="connsiteX32" fmla="*/ 239143 w 3239999"/>
-              <a:gd name="connsiteY32" fmla="*/ 2776423 h 3032924"/>
-              <a:gd name="connsiteX33" fmla="*/ 1576606 w 3239999"/>
-              <a:gd name="connsiteY33" fmla="*/ 2776423 h 3032924"/>
-              <a:gd name="connsiteX0" fmla="*/ 1576606 w 3239999"/>
-              <a:gd name="connsiteY0" fmla="*/ 2778202 h 3032924"/>
-              <a:gd name="connsiteX1" fmla="*/ 1663394 w 3239999"/>
-              <a:gd name="connsiteY1" fmla="*/ 2778202 h 3032924"/>
-              <a:gd name="connsiteX2" fmla="*/ 1663394 w 3239999"/>
-              <a:gd name="connsiteY2" fmla="*/ 2776423 h 3032924"/>
-              <a:gd name="connsiteX3" fmla="*/ 3000856 w 3239999"/>
-              <a:gd name="connsiteY3" fmla="*/ 2776423 h 3032924"/>
-              <a:gd name="connsiteX4" fmla="*/ 3000856 w 3239999"/>
-              <a:gd name="connsiteY4" fmla="*/ 526981 h 3032924"/>
-              <a:gd name="connsiteX5" fmla="*/ 2855082 w 3239999"/>
-              <a:gd name="connsiteY5" fmla="*/ 526981 h 3032924"/>
-              <a:gd name="connsiteX6" fmla="*/ 2861369 w 3239999"/>
-              <a:gd name="connsiteY6" fmla="*/ 2472117 h 3032924"/>
-              <a:gd name="connsiteX7" fmla="*/ 1663394 w 3239999"/>
-              <a:gd name="connsiteY7" fmla="*/ 2765302 h 3032924"/>
-              <a:gd name="connsiteX8" fmla="*/ 1663394 w 3239999"/>
-              <a:gd name="connsiteY8" fmla="*/ 526981 h 3032924"/>
-              <a:gd name="connsiteX9" fmla="*/ 1663394 w 3239999"/>
-              <a:gd name="connsiteY9" fmla="*/ 430441 h 3032924"/>
-              <a:gd name="connsiteX10" fmla="*/ 1663394 w 3239999"/>
-              <a:gd name="connsiteY10" fmla="*/ 402054 h 3032924"/>
-              <a:gd name="connsiteX11" fmla="*/ 2406065 w 3239999"/>
-              <a:gd name="connsiteY11" fmla="*/ 22 h 3032924"/>
-              <a:gd name="connsiteX12" fmla="*/ 2853673 w 3239999"/>
-              <a:gd name="connsiteY12" fmla="*/ 91100 h 3032924"/>
-              <a:gd name="connsiteX13" fmla="*/ 2854770 w 3239999"/>
-              <a:gd name="connsiteY13" fmla="*/ 430441 h 3032924"/>
-              <a:gd name="connsiteX14" fmla="*/ 3120669 w 3239999"/>
-              <a:gd name="connsiteY14" fmla="*/ 428517 h 3032924"/>
-              <a:gd name="connsiteX15" fmla="*/ 3120669 w 3239999"/>
-              <a:gd name="connsiteY15" fmla="*/ 738345 h 3032924"/>
-              <a:gd name="connsiteX16" fmla="*/ 3239999 w 3239999"/>
-              <a:gd name="connsiteY16" fmla="*/ 738345 h 3032924"/>
-              <a:gd name="connsiteX17" fmla="*/ 3239999 w 3239999"/>
-              <a:gd name="connsiteY17" fmla="*/ 3032924 h 3032924"/>
-              <a:gd name="connsiteX18" fmla="*/ 0 w 3239999"/>
-              <a:gd name="connsiteY18" fmla="*/ 3032924 h 3032924"/>
-              <a:gd name="connsiteX19" fmla="*/ 0 w 3239999"/>
-              <a:gd name="connsiteY19" fmla="*/ 738345 h 3032924"/>
-              <a:gd name="connsiteX20" fmla="*/ 102477 w 3239999"/>
-              <a:gd name="connsiteY20" fmla="*/ 738345 h 3032924"/>
-              <a:gd name="connsiteX21" fmla="*/ 102477 w 3239999"/>
-              <a:gd name="connsiteY21" fmla="*/ 428517 h 3032924"/>
-              <a:gd name="connsiteX22" fmla="*/ 385229 w 3239999"/>
-              <a:gd name="connsiteY22" fmla="*/ 430441 h 3032924"/>
-              <a:gd name="connsiteX23" fmla="*/ 386326 w 3239999"/>
-              <a:gd name="connsiteY23" fmla="*/ 91100 h 3032924"/>
-              <a:gd name="connsiteX24" fmla="*/ 833935 w 3239999"/>
-              <a:gd name="connsiteY24" fmla="*/ 22 h 3032924"/>
-              <a:gd name="connsiteX25" fmla="*/ 1576606 w 3239999"/>
-              <a:gd name="connsiteY25" fmla="*/ 402054 h 3032924"/>
-              <a:gd name="connsiteX26" fmla="*/ 1576606 w 3239999"/>
-              <a:gd name="connsiteY26" fmla="*/ 430441 h 3032924"/>
-              <a:gd name="connsiteX27" fmla="*/ 1576606 w 3239999"/>
-              <a:gd name="connsiteY27" fmla="*/ 526981 h 3032924"/>
-              <a:gd name="connsiteX28" fmla="*/ 1576606 w 3239999"/>
-              <a:gd name="connsiteY28" fmla="*/ 2765302 h 3032924"/>
-              <a:gd name="connsiteX29" fmla="*/ 378630 w 3239999"/>
-              <a:gd name="connsiteY29" fmla="*/ 2472117 h 3032924"/>
-              <a:gd name="connsiteX30" fmla="*/ 384918 w 3239999"/>
-              <a:gd name="connsiteY30" fmla="*/ 526981 h 3032924"/>
-              <a:gd name="connsiteX31" fmla="*/ 239143 w 3239999"/>
-              <a:gd name="connsiteY31" fmla="*/ 526981 h 3032924"/>
-              <a:gd name="connsiteX32" fmla="*/ 239143 w 3239999"/>
-              <a:gd name="connsiteY32" fmla="*/ 2776423 h 3032924"/>
-              <a:gd name="connsiteX33" fmla="*/ 1576606 w 3239999"/>
-              <a:gd name="connsiteY33" fmla="*/ 2776423 h 3032924"/>
-              <a:gd name="connsiteX0" fmla="*/ 1576606 w 3239999"/>
-              <a:gd name="connsiteY0" fmla="*/ 2778202 h 3032924"/>
-              <a:gd name="connsiteX1" fmla="*/ 1663394 w 3239999"/>
-              <a:gd name="connsiteY1" fmla="*/ 2778202 h 3032924"/>
-              <a:gd name="connsiteX2" fmla="*/ 1663394 w 3239999"/>
-              <a:gd name="connsiteY2" fmla="*/ 2776423 h 3032924"/>
-              <a:gd name="connsiteX3" fmla="*/ 3000856 w 3239999"/>
-              <a:gd name="connsiteY3" fmla="*/ 2776423 h 3032924"/>
-              <a:gd name="connsiteX4" fmla="*/ 3000856 w 3239999"/>
-              <a:gd name="connsiteY4" fmla="*/ 526981 h 3032924"/>
-              <a:gd name="connsiteX5" fmla="*/ 2855082 w 3239999"/>
-              <a:gd name="connsiteY5" fmla="*/ 526981 h 3032924"/>
-              <a:gd name="connsiteX6" fmla="*/ 2861369 w 3239999"/>
-              <a:gd name="connsiteY6" fmla="*/ 2472117 h 3032924"/>
-              <a:gd name="connsiteX7" fmla="*/ 1663394 w 3239999"/>
-              <a:gd name="connsiteY7" fmla="*/ 2765302 h 3032924"/>
-              <a:gd name="connsiteX8" fmla="*/ 1663394 w 3239999"/>
-              <a:gd name="connsiteY8" fmla="*/ 526981 h 3032924"/>
-              <a:gd name="connsiteX9" fmla="*/ 1663394 w 3239999"/>
-              <a:gd name="connsiteY9" fmla="*/ 430441 h 3032924"/>
-              <a:gd name="connsiteX10" fmla="*/ 1663394 w 3239999"/>
-              <a:gd name="connsiteY10" fmla="*/ 402054 h 3032924"/>
-              <a:gd name="connsiteX11" fmla="*/ 2406065 w 3239999"/>
-              <a:gd name="connsiteY11" fmla="*/ 22 h 3032924"/>
-              <a:gd name="connsiteX12" fmla="*/ 2853673 w 3239999"/>
-              <a:gd name="connsiteY12" fmla="*/ 91100 h 3032924"/>
-              <a:gd name="connsiteX13" fmla="*/ 2854770 w 3239999"/>
-              <a:gd name="connsiteY13" fmla="*/ 430441 h 3032924"/>
-              <a:gd name="connsiteX14" fmla="*/ 3120669 w 3239999"/>
-              <a:gd name="connsiteY14" fmla="*/ 428517 h 3032924"/>
-              <a:gd name="connsiteX15" fmla="*/ 3120669 w 3239999"/>
-              <a:gd name="connsiteY15" fmla="*/ 738345 h 3032924"/>
-              <a:gd name="connsiteX16" fmla="*/ 3239999 w 3239999"/>
-              <a:gd name="connsiteY16" fmla="*/ 738345 h 3032924"/>
-              <a:gd name="connsiteX17" fmla="*/ 3239999 w 3239999"/>
-              <a:gd name="connsiteY17" fmla="*/ 3032924 h 3032924"/>
-              <a:gd name="connsiteX18" fmla="*/ 0 w 3239999"/>
-              <a:gd name="connsiteY18" fmla="*/ 3032924 h 3032924"/>
-              <a:gd name="connsiteX19" fmla="*/ 0 w 3239999"/>
-              <a:gd name="connsiteY19" fmla="*/ 738345 h 3032924"/>
-              <a:gd name="connsiteX20" fmla="*/ 102477 w 3239999"/>
-              <a:gd name="connsiteY20" fmla="*/ 738345 h 3032924"/>
-              <a:gd name="connsiteX21" fmla="*/ 102477 w 3239999"/>
-              <a:gd name="connsiteY21" fmla="*/ 428517 h 3032924"/>
-              <a:gd name="connsiteX22" fmla="*/ 385229 w 3239999"/>
-              <a:gd name="connsiteY22" fmla="*/ 430441 h 3032924"/>
-              <a:gd name="connsiteX23" fmla="*/ 386326 w 3239999"/>
-              <a:gd name="connsiteY23" fmla="*/ 91100 h 3032924"/>
-              <a:gd name="connsiteX24" fmla="*/ 833935 w 3239999"/>
-              <a:gd name="connsiteY24" fmla="*/ 22 h 3032924"/>
-              <a:gd name="connsiteX25" fmla="*/ 1576606 w 3239999"/>
-              <a:gd name="connsiteY25" fmla="*/ 402054 h 3032924"/>
-              <a:gd name="connsiteX26" fmla="*/ 1576606 w 3239999"/>
-              <a:gd name="connsiteY26" fmla="*/ 430441 h 3032924"/>
-              <a:gd name="connsiteX27" fmla="*/ 1576606 w 3239999"/>
-              <a:gd name="connsiteY27" fmla="*/ 526981 h 3032924"/>
-              <a:gd name="connsiteX28" fmla="*/ 1576606 w 3239999"/>
-              <a:gd name="connsiteY28" fmla="*/ 2765302 h 3032924"/>
-              <a:gd name="connsiteX29" fmla="*/ 378630 w 3239999"/>
-              <a:gd name="connsiteY29" fmla="*/ 2472117 h 3032924"/>
-              <a:gd name="connsiteX30" fmla="*/ 384918 w 3239999"/>
-              <a:gd name="connsiteY30" fmla="*/ 526981 h 3032924"/>
-              <a:gd name="connsiteX31" fmla="*/ 239143 w 3239999"/>
-              <a:gd name="connsiteY31" fmla="*/ 526981 h 3032924"/>
-              <a:gd name="connsiteX32" fmla="*/ 239143 w 3239999"/>
-              <a:gd name="connsiteY32" fmla="*/ 2776423 h 3032924"/>
-              <a:gd name="connsiteX33" fmla="*/ 1576606 w 3239999"/>
-              <a:gd name="connsiteY33" fmla="*/ 2776423 h 3032924"/>
-              <a:gd name="connsiteX0" fmla="*/ 1576606 w 3239999"/>
-              <a:gd name="connsiteY0" fmla="*/ 2778202 h 3032924"/>
-              <a:gd name="connsiteX1" fmla="*/ 1663394 w 3239999"/>
-              <a:gd name="connsiteY1" fmla="*/ 2778202 h 3032924"/>
-              <a:gd name="connsiteX2" fmla="*/ 1663394 w 3239999"/>
-              <a:gd name="connsiteY2" fmla="*/ 2776423 h 3032924"/>
-              <a:gd name="connsiteX3" fmla="*/ 3000856 w 3239999"/>
-              <a:gd name="connsiteY3" fmla="*/ 2776423 h 3032924"/>
-              <a:gd name="connsiteX4" fmla="*/ 3000856 w 3239999"/>
-              <a:gd name="connsiteY4" fmla="*/ 526981 h 3032924"/>
-              <a:gd name="connsiteX5" fmla="*/ 2855082 w 3239999"/>
-              <a:gd name="connsiteY5" fmla="*/ 526981 h 3032924"/>
-              <a:gd name="connsiteX6" fmla="*/ 2861369 w 3239999"/>
-              <a:gd name="connsiteY6" fmla="*/ 2472117 h 3032924"/>
-              <a:gd name="connsiteX7" fmla="*/ 1663394 w 3239999"/>
-              <a:gd name="connsiteY7" fmla="*/ 2765302 h 3032924"/>
-              <a:gd name="connsiteX8" fmla="*/ 1663394 w 3239999"/>
-              <a:gd name="connsiteY8" fmla="*/ 526981 h 3032924"/>
-              <a:gd name="connsiteX9" fmla="*/ 1663394 w 3239999"/>
-              <a:gd name="connsiteY9" fmla="*/ 430441 h 3032924"/>
-              <a:gd name="connsiteX10" fmla="*/ 1663394 w 3239999"/>
-              <a:gd name="connsiteY10" fmla="*/ 402054 h 3032924"/>
-              <a:gd name="connsiteX11" fmla="*/ 2406065 w 3239999"/>
-              <a:gd name="connsiteY11" fmla="*/ 22 h 3032924"/>
-              <a:gd name="connsiteX12" fmla="*/ 2853673 w 3239999"/>
-              <a:gd name="connsiteY12" fmla="*/ 91100 h 3032924"/>
-              <a:gd name="connsiteX13" fmla="*/ 2854770 w 3239999"/>
-              <a:gd name="connsiteY13" fmla="*/ 430441 h 3032924"/>
-              <a:gd name="connsiteX14" fmla="*/ 3120669 w 3239999"/>
-              <a:gd name="connsiteY14" fmla="*/ 428517 h 3032924"/>
-              <a:gd name="connsiteX15" fmla="*/ 3120669 w 3239999"/>
-              <a:gd name="connsiteY15" fmla="*/ 738345 h 3032924"/>
-              <a:gd name="connsiteX16" fmla="*/ 3239999 w 3239999"/>
-              <a:gd name="connsiteY16" fmla="*/ 738345 h 3032924"/>
-              <a:gd name="connsiteX17" fmla="*/ 3239999 w 3239999"/>
-              <a:gd name="connsiteY17" fmla="*/ 3032924 h 3032924"/>
-              <a:gd name="connsiteX18" fmla="*/ 0 w 3239999"/>
-              <a:gd name="connsiteY18" fmla="*/ 3032924 h 3032924"/>
-              <a:gd name="connsiteX19" fmla="*/ 0 w 3239999"/>
-              <a:gd name="connsiteY19" fmla="*/ 738345 h 3032924"/>
-              <a:gd name="connsiteX20" fmla="*/ 102477 w 3239999"/>
-              <a:gd name="connsiteY20" fmla="*/ 738345 h 3032924"/>
-              <a:gd name="connsiteX21" fmla="*/ 102477 w 3239999"/>
-              <a:gd name="connsiteY21" fmla="*/ 428517 h 3032924"/>
-              <a:gd name="connsiteX22" fmla="*/ 385229 w 3239999"/>
-              <a:gd name="connsiteY22" fmla="*/ 430441 h 3032924"/>
-              <a:gd name="connsiteX23" fmla="*/ 386326 w 3239999"/>
-              <a:gd name="connsiteY23" fmla="*/ 91100 h 3032924"/>
-              <a:gd name="connsiteX24" fmla="*/ 833935 w 3239999"/>
-              <a:gd name="connsiteY24" fmla="*/ 22 h 3032924"/>
-              <a:gd name="connsiteX25" fmla="*/ 1576606 w 3239999"/>
-              <a:gd name="connsiteY25" fmla="*/ 402054 h 3032924"/>
-              <a:gd name="connsiteX26" fmla="*/ 1576606 w 3239999"/>
-              <a:gd name="connsiteY26" fmla="*/ 430441 h 3032924"/>
-              <a:gd name="connsiteX27" fmla="*/ 1576606 w 3239999"/>
-              <a:gd name="connsiteY27" fmla="*/ 526981 h 3032924"/>
-              <a:gd name="connsiteX28" fmla="*/ 1576606 w 3239999"/>
-              <a:gd name="connsiteY28" fmla="*/ 2765302 h 3032924"/>
-              <a:gd name="connsiteX29" fmla="*/ 378630 w 3239999"/>
-              <a:gd name="connsiteY29" fmla="*/ 2472117 h 3032924"/>
-              <a:gd name="connsiteX30" fmla="*/ 384918 w 3239999"/>
-              <a:gd name="connsiteY30" fmla="*/ 526981 h 3032924"/>
-              <a:gd name="connsiteX31" fmla="*/ 239143 w 3239999"/>
-              <a:gd name="connsiteY31" fmla="*/ 526981 h 3032924"/>
-              <a:gd name="connsiteX32" fmla="*/ 229618 w 3239999"/>
-              <a:gd name="connsiteY32" fmla="*/ 2690698 h 3032924"/>
-              <a:gd name="connsiteX33" fmla="*/ 1576606 w 3239999"/>
-              <a:gd name="connsiteY33" fmla="*/ 2776423 h 3032924"/>
-              <a:gd name="connsiteX0" fmla="*/ 1576606 w 3239999"/>
-              <a:gd name="connsiteY0" fmla="*/ 2778202 h 3032924"/>
-              <a:gd name="connsiteX1" fmla="*/ 1663394 w 3239999"/>
-              <a:gd name="connsiteY1" fmla="*/ 2778202 h 3032924"/>
-              <a:gd name="connsiteX2" fmla="*/ 1663394 w 3239999"/>
-              <a:gd name="connsiteY2" fmla="*/ 2776423 h 3032924"/>
-              <a:gd name="connsiteX3" fmla="*/ 2991331 w 3239999"/>
-              <a:gd name="connsiteY3" fmla="*/ 2709748 h 3032924"/>
-              <a:gd name="connsiteX4" fmla="*/ 3000856 w 3239999"/>
-              <a:gd name="connsiteY4" fmla="*/ 526981 h 3032924"/>
-              <a:gd name="connsiteX5" fmla="*/ 2855082 w 3239999"/>
-              <a:gd name="connsiteY5" fmla="*/ 526981 h 3032924"/>
-              <a:gd name="connsiteX6" fmla="*/ 2861369 w 3239999"/>
-              <a:gd name="connsiteY6" fmla="*/ 2472117 h 3032924"/>
-              <a:gd name="connsiteX7" fmla="*/ 1663394 w 3239999"/>
-              <a:gd name="connsiteY7" fmla="*/ 2765302 h 3032924"/>
-              <a:gd name="connsiteX8" fmla="*/ 1663394 w 3239999"/>
-              <a:gd name="connsiteY8" fmla="*/ 526981 h 3032924"/>
-              <a:gd name="connsiteX9" fmla="*/ 1663394 w 3239999"/>
-              <a:gd name="connsiteY9" fmla="*/ 430441 h 3032924"/>
-              <a:gd name="connsiteX10" fmla="*/ 1663394 w 3239999"/>
-              <a:gd name="connsiteY10" fmla="*/ 402054 h 3032924"/>
-              <a:gd name="connsiteX11" fmla="*/ 2406065 w 3239999"/>
-              <a:gd name="connsiteY11" fmla="*/ 22 h 3032924"/>
-              <a:gd name="connsiteX12" fmla="*/ 2853673 w 3239999"/>
-              <a:gd name="connsiteY12" fmla="*/ 91100 h 3032924"/>
-              <a:gd name="connsiteX13" fmla="*/ 2854770 w 3239999"/>
-              <a:gd name="connsiteY13" fmla="*/ 430441 h 3032924"/>
-              <a:gd name="connsiteX14" fmla="*/ 3120669 w 3239999"/>
-              <a:gd name="connsiteY14" fmla="*/ 428517 h 3032924"/>
-              <a:gd name="connsiteX15" fmla="*/ 3120669 w 3239999"/>
-              <a:gd name="connsiteY15" fmla="*/ 738345 h 3032924"/>
-              <a:gd name="connsiteX16" fmla="*/ 3239999 w 3239999"/>
-              <a:gd name="connsiteY16" fmla="*/ 738345 h 3032924"/>
-              <a:gd name="connsiteX17" fmla="*/ 3239999 w 3239999"/>
-              <a:gd name="connsiteY17" fmla="*/ 3032924 h 3032924"/>
-              <a:gd name="connsiteX18" fmla="*/ 0 w 3239999"/>
-              <a:gd name="connsiteY18" fmla="*/ 3032924 h 3032924"/>
-              <a:gd name="connsiteX19" fmla="*/ 0 w 3239999"/>
-              <a:gd name="connsiteY19" fmla="*/ 738345 h 3032924"/>
-              <a:gd name="connsiteX20" fmla="*/ 102477 w 3239999"/>
-              <a:gd name="connsiteY20" fmla="*/ 738345 h 3032924"/>
-              <a:gd name="connsiteX21" fmla="*/ 102477 w 3239999"/>
-              <a:gd name="connsiteY21" fmla="*/ 428517 h 3032924"/>
-              <a:gd name="connsiteX22" fmla="*/ 385229 w 3239999"/>
-              <a:gd name="connsiteY22" fmla="*/ 430441 h 3032924"/>
-              <a:gd name="connsiteX23" fmla="*/ 386326 w 3239999"/>
-              <a:gd name="connsiteY23" fmla="*/ 91100 h 3032924"/>
-              <a:gd name="connsiteX24" fmla="*/ 833935 w 3239999"/>
-              <a:gd name="connsiteY24" fmla="*/ 22 h 3032924"/>
-              <a:gd name="connsiteX25" fmla="*/ 1576606 w 3239999"/>
-              <a:gd name="connsiteY25" fmla="*/ 402054 h 3032924"/>
-              <a:gd name="connsiteX26" fmla="*/ 1576606 w 3239999"/>
-              <a:gd name="connsiteY26" fmla="*/ 430441 h 3032924"/>
-              <a:gd name="connsiteX27" fmla="*/ 1576606 w 3239999"/>
-              <a:gd name="connsiteY27" fmla="*/ 526981 h 3032924"/>
-              <a:gd name="connsiteX28" fmla="*/ 1576606 w 3239999"/>
-              <a:gd name="connsiteY28" fmla="*/ 2765302 h 3032924"/>
-              <a:gd name="connsiteX29" fmla="*/ 378630 w 3239999"/>
-              <a:gd name="connsiteY29" fmla="*/ 2472117 h 3032924"/>
-              <a:gd name="connsiteX30" fmla="*/ 384918 w 3239999"/>
-              <a:gd name="connsiteY30" fmla="*/ 526981 h 3032924"/>
-              <a:gd name="connsiteX31" fmla="*/ 239143 w 3239999"/>
-              <a:gd name="connsiteY31" fmla="*/ 526981 h 3032924"/>
-              <a:gd name="connsiteX32" fmla="*/ 229618 w 3239999"/>
-              <a:gd name="connsiteY32" fmla="*/ 2690698 h 3032924"/>
-              <a:gd name="connsiteX33" fmla="*/ 1576606 w 3239999"/>
-              <a:gd name="connsiteY33" fmla="*/ 2776423 h 3032924"/>
-            </a:gdLst>
-            <a:ahLst/>
-            <a:cxnLst>
-              <a:cxn ang="0">
-                <a:pos x="connsiteX0" y="connsiteY0"/>
-              </a:cxn>
-              <a:cxn ang="0">
-                <a:pos x="connsiteX1" y="connsiteY1"/>
-              </a:cxn>
-              <a:cxn ang="0">
-                <a:pos x="connsiteX2" y="connsiteY2"/>
-              </a:cxn>
-              <a:cxn ang="0">
-                <a:pos x="connsiteX3" y="connsiteY3"/>
-              </a:cxn>
-              <a:cxn ang="0">
-                <a:pos x="connsiteX4" y="connsiteY4"/>
-              </a:cxn>
-              <a:cxn ang="0">
-                <a:pos x="connsiteX5" y="connsiteY5"/>
-              </a:cxn>
-              <a:cxn ang="0">
-                <a:pos x="connsiteX6" y="connsiteY6"/>
-              </a:cxn>
-              <a:cxn ang="0">
-                <a:pos x="connsiteX7" y="connsiteY7"/>
-              </a:cxn>
-              <a:cxn ang="0">
-                <a:pos x="connsiteX8" y="connsiteY8"/>
-              </a:cxn>
-              <a:cxn ang="0">
-                <a:pos x="connsiteX9" y="connsiteY9"/>
-              </a:cxn>
-              <a:cxn ang="0">
-                <a:pos x="connsiteX10" y="connsiteY10"/>
-              </a:cxn>
-              <a:cxn ang="0">
-                <a:pos x="connsiteX11" y="connsiteY11"/>
-              </a:cxn>
-              <a:cxn ang="0">
-                <a:pos x="connsiteX12" y="connsiteY12"/>
-              </a:cxn>
-              <a:cxn ang="0">
-                <a:pos x="connsiteX13" y="connsiteY13"/>
-              </a:cxn>
-              <a:cxn ang="0">
-                <a:pos x="connsiteX14" y="connsiteY14"/>
-              </a:cxn>
-              <a:cxn ang="0">
-                <a:pos x="connsiteX15" y="connsiteY15"/>
-              </a:cxn>
-              <a:cxn ang="0">
-                <a:pos x="connsiteX16" y="connsiteY16"/>
-              </a:cxn>
-              <a:cxn ang="0">
-                <a:pos x="connsiteX17" y="connsiteY17"/>
-              </a:cxn>
-              <a:cxn ang="0">
-                <a:pos x="connsiteX18" y="connsiteY18"/>
-              </a:cxn>
-              <a:cxn ang="0">
-                <a:pos x="connsiteX19" y="connsiteY19"/>
-              </a:cxn>
-              <a:cxn ang="0">
-                <a:pos x="connsiteX20" y="connsiteY20"/>
-              </a:cxn>
-              <a:cxn ang="0">
-                <a:pos x="connsiteX21" y="connsiteY21"/>
-              </a:cxn>
-              <a:cxn ang="0">
-                <a:pos x="connsiteX22" y="connsiteY22"/>
-              </a:cxn>
-              <a:cxn ang="0">
-                <a:pos x="connsiteX23" y="connsiteY23"/>
-              </a:cxn>
-              <a:cxn ang="0">
-                <a:pos x="connsiteX24" y="connsiteY24"/>
-              </a:cxn>
-              <a:cxn ang="0">
-                <a:pos x="connsiteX25" y="connsiteY25"/>
-              </a:cxn>
-              <a:cxn ang="0">
-                <a:pos x="connsiteX26" y="connsiteY26"/>
-              </a:cxn>
-              <a:cxn ang="0">
-                <a:pos x="connsiteX27" y="connsiteY27"/>
-              </a:cxn>
-              <a:cxn ang="0">
-                <a:pos x="connsiteX28" y="connsiteY28"/>
-              </a:cxn>
-              <a:cxn ang="0">
-                <a:pos x="connsiteX29" y="connsiteY29"/>
-              </a:cxn>
-              <a:cxn ang="0">
-                <a:pos x="connsiteX30" y="connsiteY30"/>
-              </a:cxn>
-              <a:cxn ang="0">
-                <a:pos x="connsiteX31" y="connsiteY31"/>
-              </a:cxn>
-              <a:cxn ang="0">
-                <a:pos x="connsiteX32" y="connsiteY32"/>
-              </a:cxn>
-              <a:cxn ang="0">
-                <a:pos x="connsiteX33" y="connsiteY33"/>
-              </a:cxn>
-            </a:cxnLst>
-            <a:rect l="l" t="t" r="r" b="b"/>
-            <a:pathLst>
-              <a:path w="3239999" h="3032924">
-                <a:moveTo>
-                  <a:pt x="1576606" y="2778202"/>
-                </a:moveTo>
-                <a:cubicBezTo>
-                  <a:pt x="1576606" y="2778795"/>
-                  <a:pt x="1663394" y="2792670"/>
-                  <a:pt x="1663394" y="2778202"/>
-                </a:cubicBezTo>
-                <a:lnTo>
-                  <a:pt x="1663394" y="2776423"/>
-                </a:lnTo>
-                <a:cubicBezTo>
-                  <a:pt x="2185083" y="2605634"/>
-                  <a:pt x="2444552" y="2500589"/>
-                  <a:pt x="2991331" y="2709748"/>
-                </a:cubicBezTo>
-                <a:lnTo>
-                  <a:pt x="3000856" y="526981"/>
-                </a:lnTo>
-                <a:lnTo>
-                  <a:pt x="2855082" y="526981"/>
-                </a:lnTo>
-                <a:cubicBezTo>
-                  <a:pt x="2857178" y="1175360"/>
-                  <a:pt x="2859273" y="1823738"/>
-                  <a:pt x="2861369" y="2472117"/>
-                </a:cubicBezTo>
-                <a:cubicBezTo>
-                  <a:pt x="2483869" y="2318121"/>
-                  <a:pt x="2052449" y="2439541"/>
-                  <a:pt x="1663394" y="2765302"/>
-                </a:cubicBezTo>
-                <a:lnTo>
-                  <a:pt x="1663394" y="526981"/>
-                </a:lnTo>
-                <a:lnTo>
-                  <a:pt x="1663394" y="430441"/>
-                </a:lnTo>
-                <a:lnTo>
-                  <a:pt x="1663394" y="402054"/>
-                </a:lnTo>
-                <a:cubicBezTo>
-                  <a:pt x="1896442" y="149589"/>
-                  <a:pt x="2115835" y="2106"/>
-                  <a:pt x="2406065" y="22"/>
-                </a:cubicBezTo>
-                <a:cubicBezTo>
-                  <a:pt x="2537987" y="-925"/>
-                  <a:pt x="2684544" y="28169"/>
-                  <a:pt x="2853673" y="91100"/>
-                </a:cubicBezTo>
-                <a:cubicBezTo>
-                  <a:pt x="2854039" y="204214"/>
-                  <a:pt x="2854404" y="317327"/>
-                  <a:pt x="2854770" y="430441"/>
-                </a:cubicBezTo>
-                <a:lnTo>
-                  <a:pt x="3120669" y="428517"/>
-                </a:lnTo>
-                <a:lnTo>
-                  <a:pt x="3120669" y="738345"/>
-                </a:lnTo>
-                <a:lnTo>
-                  <a:pt x="3239999" y="738345"/>
-                </a:lnTo>
-                <a:lnTo>
-                  <a:pt x="3239999" y="3032924"/>
-                </a:lnTo>
-                <a:lnTo>
-                  <a:pt x="0" y="3032924"/>
-                </a:lnTo>
-                <a:lnTo>
-                  <a:pt x="0" y="738345"/>
-                </a:lnTo>
-                <a:lnTo>
-                  <a:pt x="102477" y="738345"/>
-                </a:lnTo>
-                <a:lnTo>
-                  <a:pt x="102477" y="428517"/>
-                </a:lnTo>
-                <a:lnTo>
-                  <a:pt x="385229" y="430441"/>
-                </a:lnTo>
-                <a:cubicBezTo>
-                  <a:pt x="385595" y="317327"/>
-                  <a:pt x="385960" y="204214"/>
-                  <a:pt x="386326" y="91100"/>
-                </a:cubicBezTo>
-                <a:cubicBezTo>
-                  <a:pt x="555455" y="28169"/>
-                  <a:pt x="702013" y="-925"/>
-                  <a:pt x="833935" y="22"/>
-                </a:cubicBezTo>
-                <a:cubicBezTo>
-                  <a:pt x="1124164" y="2106"/>
-                  <a:pt x="1343558" y="149589"/>
-                  <a:pt x="1576606" y="402054"/>
-                </a:cubicBezTo>
-                <a:lnTo>
-                  <a:pt x="1576606" y="430441"/>
-                </a:lnTo>
-                <a:lnTo>
-                  <a:pt x="1576606" y="526981"/>
-                </a:lnTo>
-                <a:lnTo>
-                  <a:pt x="1576606" y="2765302"/>
-                </a:lnTo>
-                <a:cubicBezTo>
-                  <a:pt x="1187550" y="2439541"/>
-                  <a:pt x="756130" y="2318121"/>
-                  <a:pt x="378630" y="2472117"/>
-                </a:cubicBezTo>
-                <a:lnTo>
-                  <a:pt x="384918" y="526981"/>
-                </a:lnTo>
-                <a:lnTo>
-                  <a:pt x="239143" y="526981"/>
-                </a:lnTo>
-                <a:lnTo>
-                  <a:pt x="229618" y="2690698"/>
-                </a:lnTo>
-                <a:cubicBezTo>
-                  <a:pt x="773243" y="2466244"/>
-                  <a:pt x="1081748" y="2626096"/>
-                  <a:pt x="1576606" y="2776423"/>
-                </a:cubicBezTo>
-              </a:path>
-            </a:pathLst>
-          </a:custGeom>
-          <a:solidFill>
-            <a:schemeClr val="accent2"/>
-          </a:solidFill>
-          <a:ln>
-            <a:noFill/>
-          </a:ln>
-        </p:spPr>
-        <p:style>
-          <a:lnRef idx="2">
-            <a:schemeClr val="accent1">
-              <a:shade val="50000"/>
-            </a:schemeClr>
-          </a:lnRef>
-          <a:fillRef idx="1">
-            <a:schemeClr val="accent1"/>
-          </a:fillRef>
-          <a:effectRef idx="0">
-            <a:schemeClr val="accent1"/>
-          </a:effectRef>
-          <a:fontRef idx="minor">
-            <a:schemeClr val="lt1"/>
-          </a:fontRef>
-        </p:style>
-        <p:txBody>
-          <a:bodyPr rtlCol="0" anchor="ctr"/>
-          <a:lstStyle/>
-          <a:p>
-            <a:pPr algn="ctr"/>
-            <a:endParaRPr lang="ko-KR" altLang="en-US" dirty="0"/>
-          </a:p>
-        </p:txBody>
-      </p:sp>
-      <p:sp>
-        <p:nvSpPr>
-          <p:cNvPr id="22" name="Rounded Rectangle 7"/>
-          <p:cNvSpPr/>
-          <p:nvPr/>
-        </p:nvSpPr>
-        <p:spPr>
-          <a:xfrm>
-            <a:off x="6214463" y="1019015"/>
-            <a:ext cx="315474" cy="272250"/>
-          </a:xfrm>
-          <a:custGeom>
-            <a:avLst/>
-            <a:gdLst/>
-            <a:ahLst/>
-            <a:cxnLst/>
-            <a:rect l="l" t="t" r="r" b="b"/>
-            <a:pathLst>
-              <a:path w="3240006" h="2796091">
-                <a:moveTo>
-                  <a:pt x="686867" y="612319"/>
-                </a:moveTo>
-                <a:cubicBezTo>
-                  <a:pt x="611281" y="612319"/>
-                  <a:pt x="550007" y="673593"/>
-                  <a:pt x="550007" y="749179"/>
-                </a:cubicBezTo>
-                <a:cubicBezTo>
-                  <a:pt x="550007" y="824765"/>
-                  <a:pt x="611281" y="886039"/>
-                  <a:pt x="686867" y="886039"/>
-                </a:cubicBezTo>
-                <a:cubicBezTo>
-                  <a:pt x="762453" y="886039"/>
-                  <a:pt x="823727" y="824765"/>
-                  <a:pt x="823727" y="749179"/>
-                </a:cubicBezTo>
-                <a:cubicBezTo>
-                  <a:pt x="823727" y="673593"/>
-                  <a:pt x="762453" y="612319"/>
-                  <a:pt x="686867" y="612319"/>
-                </a:cubicBezTo>
-                <a:close/>
-                <a:moveTo>
-                  <a:pt x="1587500" y="281447"/>
-                </a:moveTo>
-                <a:cubicBezTo>
-                  <a:pt x="1432061" y="281447"/>
-                  <a:pt x="1306053" y="407455"/>
-                  <a:pt x="1306053" y="562894"/>
-                </a:cubicBezTo>
-                <a:cubicBezTo>
-                  <a:pt x="1306053" y="718333"/>
-                  <a:pt x="1432061" y="844341"/>
-                  <a:pt x="1587500" y="844341"/>
-                </a:cubicBezTo>
-                <a:cubicBezTo>
-                  <a:pt x="1742939" y="844341"/>
-                  <a:pt x="1868947" y="718333"/>
-                  <a:pt x="1868947" y="562894"/>
-                </a:cubicBezTo>
-                <a:cubicBezTo>
-                  <a:pt x="1868947" y="407455"/>
-                  <a:pt x="1742939" y="281447"/>
-                  <a:pt x="1587500" y="281447"/>
-                </a:cubicBezTo>
-                <a:close/>
-                <a:moveTo>
-                  <a:pt x="1587500" y="0"/>
-                </a:moveTo>
-                <a:cubicBezTo>
-                  <a:pt x="1898378" y="0"/>
-                  <a:pt x="2150394" y="252016"/>
-                  <a:pt x="2150394" y="562894"/>
-                </a:cubicBezTo>
-                <a:cubicBezTo>
-                  <a:pt x="2150394" y="786167"/>
-                  <a:pt x="2020401" y="979078"/>
-                  <a:pt x="1831095" y="1068260"/>
-                </a:cubicBezTo>
-                <a:lnTo>
-                  <a:pt x="2215710" y="1068260"/>
-                </a:lnTo>
-                <a:cubicBezTo>
-                  <a:pt x="2374756" y="1068260"/>
-                  <a:pt x="2503688" y="1197192"/>
-                  <a:pt x="2503688" y="1356238"/>
-                </a:cubicBezTo>
-                <a:lnTo>
-                  <a:pt x="2503688" y="1474975"/>
-                </a:lnTo>
-                <a:lnTo>
-                  <a:pt x="2656086" y="1474975"/>
-                </a:lnTo>
-                <a:cubicBezTo>
-                  <a:pt x="2692420" y="1474975"/>
-                  <a:pt x="2722815" y="1500405"/>
-                  <a:pt x="2728975" y="1534767"/>
-                </a:cubicBezTo>
-                <a:lnTo>
-                  <a:pt x="3240006" y="1109804"/>
-                </a:lnTo>
-                <a:lnTo>
-                  <a:pt x="3240006" y="2754548"/>
-                </a:lnTo>
-                <a:lnTo>
-                  <a:pt x="2728975" y="2329585"/>
-                </a:lnTo>
-                <a:cubicBezTo>
-                  <a:pt x="2722815" y="2363946"/>
-                  <a:pt x="2692420" y="2389375"/>
-                  <a:pt x="2656086" y="2389375"/>
-                </a:cubicBezTo>
-                <a:lnTo>
-                  <a:pt x="2503688" y="2389375"/>
-                </a:lnTo>
-                <a:lnTo>
-                  <a:pt x="2503688" y="2508113"/>
-                </a:lnTo>
-                <a:cubicBezTo>
-                  <a:pt x="2503688" y="2667159"/>
-                  <a:pt x="2374756" y="2796091"/>
-                  <a:pt x="2215710" y="2796091"/>
-                </a:cubicBezTo>
-                <a:lnTo>
-                  <a:pt x="287978" y="2796091"/>
-                </a:lnTo>
-                <a:cubicBezTo>
-                  <a:pt x="128932" y="2796091"/>
-                  <a:pt x="0" y="2667159"/>
-                  <a:pt x="0" y="2508113"/>
-                </a:cubicBezTo>
-                <a:lnTo>
-                  <a:pt x="0" y="1356238"/>
-                </a:lnTo>
-                <a:cubicBezTo>
-                  <a:pt x="0" y="1197192"/>
-                  <a:pt x="128932" y="1068260"/>
-                  <a:pt x="287978" y="1068260"/>
-                </a:cubicBezTo>
-                <a:lnTo>
-                  <a:pt x="544513" y="1068260"/>
-                </a:lnTo>
-                <a:cubicBezTo>
-                  <a:pt x="422089" y="1014226"/>
-                  <a:pt x="336949" y="891645"/>
-                  <a:pt x="336949" y="749179"/>
-                </a:cubicBezTo>
-                <a:cubicBezTo>
-                  <a:pt x="336949" y="555925"/>
-                  <a:pt x="493613" y="399261"/>
-                  <a:pt x="686867" y="399261"/>
-                </a:cubicBezTo>
-                <a:cubicBezTo>
-                  <a:pt x="880121" y="399261"/>
-                  <a:pt x="1036785" y="555925"/>
-                  <a:pt x="1036785" y="749179"/>
-                </a:cubicBezTo>
-                <a:cubicBezTo>
-                  <a:pt x="1036785" y="891645"/>
-                  <a:pt x="951645" y="1014226"/>
-                  <a:pt x="829222" y="1068260"/>
-                </a:cubicBezTo>
-                <a:lnTo>
-                  <a:pt x="1343906" y="1068260"/>
-                </a:lnTo>
-                <a:cubicBezTo>
-                  <a:pt x="1154600" y="979078"/>
-                  <a:pt x="1024606" y="786167"/>
-                  <a:pt x="1024606" y="562894"/>
-                </a:cubicBezTo>
-                <a:cubicBezTo>
-                  <a:pt x="1024606" y="252016"/>
-                  <a:pt x="1276622" y="0"/>
-                  <a:pt x="1587500" y="0"/>
-                </a:cubicBezTo>
-                <a:close/>
-              </a:path>
-            </a:pathLst>
-          </a:custGeom>
-          <a:solidFill>
-            <a:schemeClr val="accent2"/>
-          </a:solidFill>
-          <a:ln>
-            <a:noFill/>
-          </a:ln>
-        </p:spPr>
-        <p:style>
-          <a:lnRef idx="2">
-            <a:schemeClr val="accent1">
-              <a:shade val="50000"/>
-            </a:schemeClr>
-          </a:lnRef>
-          <a:fillRef idx="1">
-            <a:schemeClr val="accent1"/>
-          </a:fillRef>
-          <a:effectRef idx="0">
-            <a:schemeClr val="accent1"/>
-          </a:effectRef>
-          <a:fontRef idx="minor">
-            <a:schemeClr val="lt1"/>
-          </a:fontRef>
-        </p:style>
-        <p:txBody>
-          <a:bodyPr rot="0" spcFirstLastPara="0" vertOverflow="overflow" horzOverflow="overflow" vert="horz" wrap="square" lIns="91440" tIns="45720" rIns="91440" bIns="45720" numCol="1" spcCol="0" rtlCol="0" fromWordArt="0" anchor="ctr" anchorCtr="0" forceAA="0" compatLnSpc="1">
-            <a:prstTxWarp prst="textNoShape">
-              <a:avLst/>
-            </a:prstTxWarp>
-            <a:noAutofit/>
-          </a:bodyPr>
-          <a:lstStyle/>
-          <a:p>
-            <a:pPr algn="ctr"/>
-            <a:endParaRPr lang="ko-KR" altLang="en-US" dirty="0"/>
-          </a:p>
-        </p:txBody>
-      </p:sp>
-      <p:sp>
-        <p:nvSpPr>
-          <p:cNvPr id="24" name="TextBox 23">
-            <a:extLst>
-              <a:ext uri="{FF2B5EF4-FFF2-40B4-BE49-F238E27FC236}">
-                <a16:creationId xmlns="" xmlns:a16="http://schemas.microsoft.com/office/drawing/2014/main" id="{BE8AFFF2-1829-4B05-83F0-8FE8A7715BE1}"/>
-              </a:ext>
-            </a:extLst>
-          </p:cNvPr>
-          <p:cNvSpPr txBox="1"/>
-          <p:nvPr/>
-        </p:nvSpPr>
-        <p:spPr>
-          <a:xfrm>
-            <a:off x="496119" y="3219820"/>
-            <a:ext cx="2592289" cy="1384995"/>
-          </a:xfrm>
-          <a:prstGeom prst="rect">
-            <a:avLst/>
-          </a:prstGeom>
-          <a:noFill/>
-        </p:spPr>
-        <p:txBody>
-          <a:bodyPr wrap="square" rtlCol="0">
-            <a:spAutoFit/>
-          </a:bodyPr>
-          <a:lstStyle/>
-          <a:p>
-            <a:r>
-              <a:rPr lang="en-US" altLang="ko-KR" sz="1200" dirty="0">
-                <a:solidFill>
-                  <a:schemeClr val="tx1">
-                    <a:lumMod val="75000"/>
-                    <a:lumOff val="25000"/>
-                  </a:schemeClr>
-                </a:solidFill>
-                <a:cs typeface="Arial" pitchFamily="34" charset="0"/>
-              </a:rPr>
-              <a:t>You can simply impress your audience and add a unique zing and appeal to your Presentations.  </a:t>
-            </a:r>
-          </a:p>
-          <a:p>
-            <a:r>
-              <a:rPr lang="en-US" altLang="ko-KR" sz="1200" dirty="0">
-                <a:solidFill>
-                  <a:schemeClr val="tx1">
-                    <a:lumMod val="75000"/>
-                    <a:lumOff val="25000"/>
-                  </a:schemeClr>
-                </a:solidFill>
-                <a:cs typeface="Arial" pitchFamily="34" charset="0"/>
-              </a:rPr>
-              <a:t>Easy to change colors, photos and Text. Get a modern PowerPoint  Presentation that is beautifully designed. </a:t>
-            </a:r>
-          </a:p>
-        </p:txBody>
-      </p:sp>
-      <p:sp>
-        <p:nvSpPr>
-          <p:cNvPr id="3" name="그림 개체 틀 2">
-            <a:extLst>
-              <a:ext uri="{FF2B5EF4-FFF2-40B4-BE49-F238E27FC236}">
-                <a16:creationId xmlns="" xmlns:a16="http://schemas.microsoft.com/office/drawing/2014/main" id="{214CBA99-9BEC-4D38-A2C8-7DC8387AA729}"/>
-              </a:ext>
-            </a:extLst>
-          </p:cNvPr>
-          <p:cNvSpPr>
-            <a:spLocks noGrp="1"/>
-          </p:cNvSpPr>
-          <p:nvPr>
-            <p:ph type="pic" idx="12"/>
-          </p:nvPr>
-        </p:nvSpPr>
-        <p:spPr/>
       </p:sp>
     </p:spTree>
     <p:extLst>
       <p:ext uri="{BB962C8B-B14F-4D97-AF65-F5344CB8AC3E}">
-        <p14:creationId xmlns:p14="http://schemas.microsoft.com/office/powerpoint/2010/main" val="1207463573"/>
+        <p14:creationId xmlns:p14="http://schemas.microsoft.com/office/powerpoint/2010/main" val="541246716"/>
       </p:ext>
     </p:extLst>
   </p:cSld>
@@ -12783,7 +11096,7 @@
 </p:sld>
 </file>
 
-<file path=ppt/slides/slide17.xml><?xml version="1.0" encoding="utf-8"?>
+<file path=ppt/slides/slide19.xml><?xml version="1.0" encoding="utf-8"?>
 <p:sld xmlns:a="http://schemas.openxmlformats.org/drawingml/2006/main" xmlns:r="http://schemas.openxmlformats.org/officeDocument/2006/relationships" xmlns:p="http://schemas.openxmlformats.org/presentationml/2006/main">
   <p:cSld>
     <p:spTree>
@@ -12856,20 +11169,28 @@
               </a:lnSpc>
             </a:pPr>
             <a:r>
-              <a:rPr lang="en-US" sz="1200" dirty="0" err="1" smtClean="0">
+              <a:rPr lang="en-US" sz="1200" dirty="0" smtClean="0">
                 <a:solidFill>
                   <a:schemeClr val="bg1"/>
                 </a:solidFill>
               </a:rPr>
-              <a:t>JavaTpoint</a:t>
-            </a:r>
-            <a:r>
-              <a:rPr lang="en-US" sz="1200" dirty="0" smtClean="0">
+              <a:t>JavaTpoint, </a:t>
+            </a:r>
+            <a:r>
+              <a:rPr lang="en-US" sz="1200" dirty="0">
                 <a:solidFill>
                   <a:schemeClr val="bg1"/>
                 </a:solidFill>
               </a:rPr>
-              <a:t>, </a:t>
+              <a:t>2022. What is android - </a:t>
+            </a:r>
+            <a:r>
+              <a:rPr lang="en-US" sz="1200" dirty="0" err="1">
+                <a:solidFill>
+                  <a:schemeClr val="bg1"/>
+                </a:solidFill>
+              </a:rPr>
+              <a:t>javatpoint</a:t>
             </a:r>
             <a:r>
               <a:rPr lang="en-US" sz="1200" dirty="0">
@@ -12877,7 +11198,7 @@
                   <a:schemeClr val="bg1"/>
                 </a:solidFill>
               </a:rPr>
-              <a:t>2022. What is android - javatpoint. [online] Available at: &lt;https://www.javatpoint.com/android-what-where-and-why&gt; [Accessed 1 May 2022</a:t>
+              <a:t>. [online] Available at: &lt;https://www.javatpoint.com/android-what-where-and-why&gt; [Accessed 1 May 2022</a:t>
             </a:r>
             <a:r>
               <a:rPr lang="en-US" sz="1200" dirty="0" smtClean="0">
@@ -12887,11 +11208,6 @@
               </a:rPr>
               <a:t>].</a:t>
             </a:r>
-            <a:endParaRPr lang="en-US" sz="1200" dirty="0" smtClean="0">
-              <a:solidFill>
-                <a:schemeClr val="bg1"/>
-              </a:solidFill>
-            </a:endParaRPr>
           </a:p>
           <a:p>
             <a:pPr>
@@ -13015,75 +11331,6 @@
     <p:extLst>
       <p:ext uri="{BB962C8B-B14F-4D97-AF65-F5344CB8AC3E}">
         <p14:creationId xmlns:p14="http://schemas.microsoft.com/office/powerpoint/2010/main" val="4051917384"/>
-      </p:ext>
-    </p:extLst>
-  </p:cSld>
-  <p:clrMapOvr>
-    <a:masterClrMapping/>
-  </p:clrMapOvr>
-</p:sld>
-</file>
-
-<file path=ppt/slides/slide18.xml><?xml version="1.0" encoding="utf-8"?>
-<p:sld xmlns:a="http://schemas.openxmlformats.org/drawingml/2006/main" xmlns:r="http://schemas.openxmlformats.org/officeDocument/2006/relationships" xmlns:p="http://schemas.openxmlformats.org/presentationml/2006/main">
-  <p:cSld>
-    <p:bg>
-      <p:bgPr>
-        <a:solidFill>
-          <a:srgbClr val="57A7BD"/>
-        </a:solidFill>
-        <a:effectLst/>
-      </p:bgPr>
-    </p:bg>
-    <p:spTree>
-      <p:nvGrpSpPr>
-        <p:cNvPr id="1" name=""/>
-        <p:cNvGrpSpPr/>
-        <p:nvPr/>
-      </p:nvGrpSpPr>
-      <p:grpSpPr>
-        <a:xfrm>
-          <a:off x="0" y="0"/>
-          <a:ext cx="0" cy="0"/>
-          <a:chOff x="0" y="0"/>
-          <a:chExt cx="0" cy="0"/>
-        </a:xfrm>
-      </p:grpSpPr>
-      <p:sp>
-        <p:nvSpPr>
-          <p:cNvPr id="2" name="Text Placeholder 1"/>
-          <p:cNvSpPr>
-            <a:spLocks noGrp="1"/>
-          </p:cNvSpPr>
-          <p:nvPr>
-            <p:ph type="body" sz="quarter" idx="10"/>
-          </p:nvPr>
-        </p:nvSpPr>
-        <p:spPr/>
-        <p:txBody>
-          <a:bodyPr/>
-          <a:lstStyle/>
-          <a:p>
-            <a:r>
-              <a:rPr lang="en-US" altLang="ko-KR" dirty="0">
-                <a:solidFill>
-                  <a:schemeClr val="bg1"/>
-                </a:solidFill>
-              </a:rPr>
-              <a:t>Thank you</a:t>
-            </a:r>
-            <a:endParaRPr lang="ko-KR" altLang="en-US" dirty="0">
-              <a:solidFill>
-                <a:schemeClr val="bg1"/>
-              </a:solidFill>
-            </a:endParaRPr>
-          </a:p>
-        </p:txBody>
-      </p:sp>
-    </p:spTree>
-    <p:extLst>
-      <p:ext uri="{BB962C8B-B14F-4D97-AF65-F5344CB8AC3E}">
-        <p14:creationId xmlns:p14="http://schemas.microsoft.com/office/powerpoint/2010/main" val="61455909"/>
       </p:ext>
     </p:extLst>
   </p:cSld>
@@ -16391,6 +14638,75 @@
 </p:sld>
 </file>
 
+<file path=ppt/slides/slide20.xml><?xml version="1.0" encoding="utf-8"?>
+<p:sld xmlns:a="http://schemas.openxmlformats.org/drawingml/2006/main" xmlns:r="http://schemas.openxmlformats.org/officeDocument/2006/relationships" xmlns:p="http://schemas.openxmlformats.org/presentationml/2006/main">
+  <p:cSld>
+    <p:bg>
+      <p:bgPr>
+        <a:solidFill>
+          <a:srgbClr val="57A7BD"/>
+        </a:solidFill>
+        <a:effectLst/>
+      </p:bgPr>
+    </p:bg>
+    <p:spTree>
+      <p:nvGrpSpPr>
+        <p:cNvPr id="1" name=""/>
+        <p:cNvGrpSpPr/>
+        <p:nvPr/>
+      </p:nvGrpSpPr>
+      <p:grpSpPr>
+        <a:xfrm>
+          <a:off x="0" y="0"/>
+          <a:ext cx="0" cy="0"/>
+          <a:chOff x="0" y="0"/>
+          <a:chExt cx="0" cy="0"/>
+        </a:xfrm>
+      </p:grpSpPr>
+      <p:sp>
+        <p:nvSpPr>
+          <p:cNvPr id="2" name="Text Placeholder 1"/>
+          <p:cNvSpPr>
+            <a:spLocks noGrp="1"/>
+          </p:cNvSpPr>
+          <p:nvPr>
+            <p:ph type="body" sz="quarter" idx="10"/>
+          </p:nvPr>
+        </p:nvSpPr>
+        <p:spPr/>
+        <p:txBody>
+          <a:bodyPr/>
+          <a:lstStyle/>
+          <a:p>
+            <a:r>
+              <a:rPr lang="en-US" altLang="ko-KR" dirty="0">
+                <a:solidFill>
+                  <a:schemeClr val="bg1"/>
+                </a:solidFill>
+              </a:rPr>
+              <a:t>Thank you</a:t>
+            </a:r>
+            <a:endParaRPr lang="ko-KR" altLang="en-US" dirty="0">
+              <a:solidFill>
+                <a:schemeClr val="bg1"/>
+              </a:solidFill>
+            </a:endParaRPr>
+          </a:p>
+        </p:txBody>
+      </p:sp>
+    </p:spTree>
+    <p:extLst>
+      <p:ext uri="{BB962C8B-B14F-4D97-AF65-F5344CB8AC3E}">
+        <p14:creationId xmlns:p14="http://schemas.microsoft.com/office/powerpoint/2010/main" val="61455909"/>
+      </p:ext>
+    </p:extLst>
+  </p:cSld>
+  <p:clrMapOvr>
+    <a:masterClrMapping/>
+  </p:clrMapOvr>
+</p:sld>
+</file>
+
 <file path=ppt/slides/slide3.xml><?xml version="1.0" encoding="utf-8"?>
 <p:sld xmlns:a="http://schemas.openxmlformats.org/drawingml/2006/main" xmlns:r="http://schemas.openxmlformats.org/officeDocument/2006/relationships" xmlns:p="http://schemas.openxmlformats.org/presentationml/2006/main">
   <p:cSld>
@@ -16681,7 +14997,15 @@
                   <a:schemeClr val="bg1"/>
                 </a:solidFill>
               </a:rPr>
-              <a:t>Android application “Improve Speech” </a:t>
+              <a:t>Android application </a:t>
+            </a:r>
+            <a:r>
+              <a:rPr lang="en-US" sz="1600" dirty="0" smtClean="0">
+                <a:solidFill>
+                  <a:schemeClr val="bg1"/>
+                </a:solidFill>
+              </a:rPr>
+              <a:t>“Speech to Action” </a:t>
             </a:r>
             <a:endParaRPr lang="en-US" sz="1600" dirty="0" smtClean="0">
               <a:solidFill>
@@ -17063,28 +15387,20 @@
               <a:buChar char="§"/>
             </a:pPr>
             <a:r>
+              <a:rPr lang="en-US" sz="1600" dirty="0">
+                <a:solidFill>
+                  <a:schemeClr val="bg1"/>
+                </a:solidFill>
+              </a:rPr>
+              <a:t>“Speech to Action” </a:t>
+            </a:r>
+            <a:r>
               <a:rPr lang="en-US" sz="1600" dirty="0" smtClean="0">
                 <a:solidFill>
                   <a:schemeClr val="bg1"/>
                 </a:solidFill>
               </a:rPr>
-              <a:t>“</a:t>
-            </a:r>
-            <a:r>
-              <a:rPr lang="en-US" sz="1600" dirty="0">
-                <a:solidFill>
-                  <a:schemeClr val="bg1"/>
-                </a:solidFill>
-              </a:rPr>
-              <a:t>Improve Speech</a:t>
-            </a:r>
-            <a:r>
-              <a:rPr lang="en-US" sz="1600" dirty="0" smtClean="0">
-                <a:solidFill>
-                  <a:schemeClr val="bg1"/>
-                </a:solidFill>
-              </a:rPr>
-              <a:t>” - transcribes users speech</a:t>
+              <a:t>- transcribes users speech</a:t>
             </a:r>
           </a:p>
           <a:p>
@@ -19358,42 +17674,12 @@
           <a:p>
             <a:r>
               <a:rPr lang="en-US" altLang="ko-KR" sz="3200" b="1" dirty="0" smtClean="0"/>
-              <a:t>Design and Implementation</a:t>
+              <a:t>Work Plan</a:t>
             </a:r>
             <a:endParaRPr lang="ko-KR" altLang="en-US" sz="3200" b="1" dirty="0"/>
           </a:p>
         </p:txBody>
       </p:sp>
-      <p:pic>
-        <p:nvPicPr>
-          <p:cNvPr id="2" name="Picture 1"/>
-          <p:cNvPicPr>
-            <a:picLocks noChangeAspect="1"/>
-          </p:cNvPicPr>
-          <p:nvPr/>
-        </p:nvPicPr>
-        <p:blipFill>
-          <a:blip r:embed="rId3" cstate="print">
-            <a:extLst>
-              <a:ext uri="{28A0092B-C50C-407E-A947-70E740481C1C}">
-                <a14:useLocalDpi xmlns:a14="http://schemas.microsoft.com/office/drawing/2010/main" val="0"/>
-              </a:ext>
-            </a:extLst>
-          </a:blip>
-          <a:stretch>
-            <a:fillRect/>
-          </a:stretch>
-        </p:blipFill>
-        <p:spPr>
-          <a:xfrm>
-            <a:off x="4538495" y="1059582"/>
-            <a:ext cx="4605505" cy="4083918"/>
-          </a:xfrm>
-          <a:prstGeom prst="rect">
-            <a:avLst/>
-          </a:prstGeom>
-        </p:spPr>
-      </p:pic>
       <p:sp>
         <p:nvSpPr>
           <p:cNvPr id="6" name="Oval 5"/>
@@ -19402,8 +17688,8 @@
         </p:nvSpPr>
         <p:spPr>
           <a:xfrm>
-            <a:off x="1115616" y="1923678"/>
-            <a:ext cx="1980000" cy="1980000"/>
+            <a:off x="0" y="486440"/>
+            <a:ext cx="1206134" cy="1206134"/>
           </a:xfrm>
           <a:prstGeom prst="ellipse">
             <a:avLst/>
@@ -19452,8 +17738,8 @@
         </p:nvSpPr>
         <p:spPr>
           <a:xfrm>
-            <a:off x="1187624" y="2571750"/>
-            <a:ext cx="1800200" cy="698717"/>
+            <a:off x="-90518" y="843558"/>
+            <a:ext cx="1404156" cy="415498"/>
           </a:xfrm>
           <a:prstGeom prst="rect">
             <a:avLst/>
@@ -19478,7 +17764,7 @@
                 </a:solidFill>
                 <a:cs typeface="Arial" pitchFamily="34" charset="0"/>
               </a:rPr>
-              <a:t>UML of Improve Speech</a:t>
+              <a:t>Gantt Chart</a:t>
             </a:r>
             <a:endParaRPr lang="ko-KR" altLang="en-US" sz="1400" b="1" dirty="0">
               <a:solidFill>
@@ -19489,10 +17775,58 @@
           </a:p>
         </p:txBody>
       </p:sp>
+      <p:pic>
+        <p:nvPicPr>
+          <p:cNvPr id="7" name="Picture 6"/>
+          <p:cNvPicPr>
+            <a:picLocks noChangeAspect="1"/>
+          </p:cNvPicPr>
+          <p:nvPr/>
+        </p:nvPicPr>
+        <p:blipFill>
+          <a:blip r:embed="rId3"/>
+          <a:stretch>
+            <a:fillRect/>
+          </a:stretch>
+        </p:blipFill>
+        <p:spPr>
+          <a:xfrm>
+            <a:off x="4132163" y="1851670"/>
+            <a:ext cx="5011837" cy="3291830"/>
+          </a:xfrm>
+          <a:prstGeom prst="rect">
+            <a:avLst/>
+          </a:prstGeom>
+        </p:spPr>
+      </p:pic>
+      <p:pic>
+        <p:nvPicPr>
+          <p:cNvPr id="8" name="Picture 7"/>
+          <p:cNvPicPr>
+            <a:picLocks noChangeAspect="1"/>
+          </p:cNvPicPr>
+          <p:nvPr/>
+        </p:nvPicPr>
+        <p:blipFill>
+          <a:blip r:embed="rId4"/>
+          <a:stretch>
+            <a:fillRect/>
+          </a:stretch>
+        </p:blipFill>
+        <p:spPr>
+          <a:xfrm>
+            <a:off x="0" y="1823468"/>
+            <a:ext cx="3886751" cy="3320032"/>
+          </a:xfrm>
+          <a:prstGeom prst="rect">
+            <a:avLst/>
+          </a:prstGeom>
+        </p:spPr>
+      </p:pic>
     </p:spTree>
     <p:extLst>
       <p:ext uri="{BB962C8B-B14F-4D97-AF65-F5344CB8AC3E}">
-        <p14:creationId xmlns:p14="http://schemas.microsoft.com/office/powerpoint/2010/main" val="2219246504"/>
+        <p14:creationId xmlns:p14="http://schemas.microsoft.com/office/powerpoint/2010/main" val="3475947675"/>
       </p:ext>
     </p:extLst>
   </p:cSld>
